--- a/Clase 1/presentacionClase1.pptx
+++ b/Clase 1/presentacionClase1.pptx
@@ -789,7 +789,7 @@
       </p:grpSpPr>
       <p:sp>
         <p:nvSpPr>
-          <p:cNvPr id="2" name="Slide Image Placeholder 1"/>
+          <p:cNvPr id="2" name="Marcador de imagen de diapositiva 1"/>
           <p:cNvSpPr>
             <a:spLocks noGrp="1" noRot="1" noChangeAspect="1"/>
           </p:cNvSpPr>
@@ -801,7 +801,7 @@
       </p:sp>
       <p:sp>
         <p:nvSpPr>
-          <p:cNvPr id="3" name="Notes Placeholder 2"/>
+          <p:cNvPr id="3" name="Marcador de notas 2"/>
           <p:cNvSpPr>
             <a:spLocks noGrp="1"/>
           </p:cNvSpPr>
@@ -814,13 +814,13 @@
           <a:bodyPr/>
           <a:lstStyle/>
           <a:p>
-            <a:endParaRPr lang="en-US" dirty="0"/>
+            <a:endParaRPr lang="es-ES" dirty="0"/>
           </a:p>
         </p:txBody>
       </p:sp>
       <p:sp>
         <p:nvSpPr>
-          <p:cNvPr id="4" name="Slide Number Placeholder 3"/>
+          <p:cNvPr id="4" name="Marcador de número de diapositiva 3"/>
           <p:cNvSpPr>
             <a:spLocks noGrp="1"/>
           </p:cNvSpPr>
@@ -833,9 +833,9 @@
           <a:bodyPr/>
           <a:lstStyle/>
           <a:p>
-            <a:fld id="{1983A999-5E0E-42CA-8400-604AE921FF7C}" type="slidenum">
+            <a:fld id="{E7CCE34D-CFF1-4FFE-815B-D050E7ED2DFD}" type="slidenum">
               <a:rPr lang="en-US" smtClean="0"/>
-              <a:t>4</a:t>
+              <a:t>3</a:t>
             </a:fld>
             <a:endParaRPr lang="en-US"/>
           </a:p>
@@ -844,7 +844,7 @@
     </p:spTree>
     <p:extLst>
       <p:ext uri="{BB962C8B-B14F-4D97-AF65-F5344CB8AC3E}">
-        <p14:creationId xmlns:p14="http://schemas.microsoft.com/office/powerpoint/2010/main" val="1586550175"/>
+        <p14:creationId xmlns:p14="http://schemas.microsoft.com/office/powerpoint/2010/main" val="145275954"/>
       </p:ext>
     </p:extLst>
   </p:cSld>
@@ -920,6 +920,90 @@
             <a:fld id="{1983A999-5E0E-42CA-8400-604AE921FF7C}" type="slidenum">
               <a:rPr lang="en-US" smtClean="0"/>
               <a:t>4</a:t>
+            </a:fld>
+            <a:endParaRPr lang="en-US"/>
+          </a:p>
+        </p:txBody>
+      </p:sp>
+    </p:spTree>
+    <p:extLst>
+      <p:ext uri="{BB962C8B-B14F-4D97-AF65-F5344CB8AC3E}">
+        <p14:creationId xmlns:p14="http://schemas.microsoft.com/office/powerpoint/2010/main" val="1586550175"/>
+      </p:ext>
+    </p:extLst>
+  </p:cSld>
+  <p:clrMapOvr>
+    <a:masterClrMapping/>
+  </p:clrMapOvr>
+</p:notes>
+</file>
+
+<file path=ppt/notesSlides/notesSlide4.xml><?xml version="1.0" encoding="utf-8"?>
+<p:notes xmlns:a="http://schemas.openxmlformats.org/drawingml/2006/main" xmlns:r="http://schemas.openxmlformats.org/officeDocument/2006/relationships" xmlns:p="http://schemas.openxmlformats.org/presentationml/2006/main">
+  <p:cSld>
+    <p:spTree>
+      <p:nvGrpSpPr>
+        <p:cNvPr id="1" name=""/>
+        <p:cNvGrpSpPr/>
+        <p:nvPr/>
+      </p:nvGrpSpPr>
+      <p:grpSpPr>
+        <a:xfrm>
+          <a:off x="0" y="0"/>
+          <a:ext cx="0" cy="0"/>
+          <a:chOff x="0" y="0"/>
+          <a:chExt cx="0" cy="0"/>
+        </a:xfrm>
+      </p:grpSpPr>
+      <p:sp>
+        <p:nvSpPr>
+          <p:cNvPr id="2" name="Slide Image Placeholder 1"/>
+          <p:cNvSpPr>
+            <a:spLocks noGrp="1" noRot="1" noChangeAspect="1"/>
+          </p:cNvSpPr>
+          <p:nvPr>
+            <p:ph type="sldImg"/>
+          </p:nvPr>
+        </p:nvSpPr>
+        <p:spPr/>
+      </p:sp>
+      <p:sp>
+        <p:nvSpPr>
+          <p:cNvPr id="3" name="Notes Placeholder 2"/>
+          <p:cNvSpPr>
+            <a:spLocks noGrp="1"/>
+          </p:cNvSpPr>
+          <p:nvPr>
+            <p:ph type="body" idx="1"/>
+          </p:nvPr>
+        </p:nvSpPr>
+        <p:spPr/>
+        <p:txBody>
+          <a:bodyPr/>
+          <a:lstStyle/>
+          <a:p>
+            <a:endParaRPr lang="en-US" dirty="0"/>
+          </a:p>
+        </p:txBody>
+      </p:sp>
+      <p:sp>
+        <p:nvSpPr>
+          <p:cNvPr id="4" name="Slide Number Placeholder 3"/>
+          <p:cNvSpPr>
+            <a:spLocks noGrp="1"/>
+          </p:cNvSpPr>
+          <p:nvPr>
+            <p:ph type="sldNum" sz="quarter" idx="5"/>
+          </p:nvPr>
+        </p:nvSpPr>
+        <p:spPr/>
+        <p:txBody>
+          <a:bodyPr/>
+          <a:lstStyle/>
+          <a:p>
+            <a:fld id="{1983A999-5E0E-42CA-8400-604AE921FF7C}" type="slidenum">
+              <a:rPr lang="en-US" smtClean="0"/>
+              <a:t>6</a:t>
             </a:fld>
             <a:endParaRPr lang="en-US"/>
           </a:p>
@@ -13262,7 +13346,7 @@
           <p:nvPr/>
         </p:nvPicPr>
         <p:blipFill>
-          <a:blip r:embed="rId2"/>
+          <a:blip r:embed="rId3"/>
           <a:stretch>
             <a:fillRect/>
           </a:stretch>
@@ -13292,7 +13376,7 @@
           <p:nvPr/>
         </p:nvPicPr>
         <p:blipFill>
-          <a:blip r:embed="rId3"/>
+          <a:blip r:embed="rId4"/>
           <a:stretch>
             <a:fillRect/>
           </a:stretch>
@@ -13322,7 +13406,7 @@
           <p:nvPr/>
         </p:nvPicPr>
         <p:blipFill>
-          <a:blip r:embed="rId4"/>
+          <a:blip r:embed="rId5"/>
           <a:stretch>
             <a:fillRect/>
           </a:stretch>
@@ -13352,7 +13436,7 @@
           <p:nvPr/>
         </p:nvPicPr>
         <p:blipFill>
-          <a:blip r:embed="rId5"/>
+          <a:blip r:embed="rId6"/>
           <a:stretch>
             <a:fillRect/>
           </a:stretch>
@@ -17175,6 +17259,34 @@
 </file>
 
 <file path=customXml/item1.xml><?xml version="1.0" encoding="utf-8"?>
+<p:properties xmlns:p="http://schemas.microsoft.com/office/2006/metadata/properties" xmlns:xsi="http://www.w3.org/2001/XMLSchema-instance" xmlns:pc="http://schemas.microsoft.com/office/infopath/2007/PartnerControls">
+  <documentManagement>
+    <_ip_UnifiedCompliancePolicyUIAction xmlns="http://schemas.microsoft.com/sharepoint/v3" xsi:nil="true"/>
+    <Image xmlns="71af3243-3dd4-4a8d-8c0d-dd76da1f02a5">
+      <Url xsi:nil="true"/>
+      <Description xsi:nil="true"/>
+    </Image>
+    <Status xmlns="71af3243-3dd4-4a8d-8c0d-dd76da1f02a5">Not started</Status>
+    <_ip_UnifiedCompliancePolicyProperties xmlns="http://schemas.microsoft.com/sharepoint/v3" xsi:nil="true"/>
+    <lcf76f155ced4ddcb4097134ff3c332f xmlns="71af3243-3dd4-4a8d-8c0d-dd76da1f02a5">
+      <Terms xmlns="http://schemas.microsoft.com/office/infopath/2007/PartnerControls"/>
+    </lcf76f155ced4ddcb4097134ff3c332f>
+    <TaxCatchAll xmlns="230e9df3-be65-4c73-a93b-d1236ebd677e"/>
+    <MediaServiceKeyPoints xmlns="71af3243-3dd4-4a8d-8c0d-dd76da1f02a5" xsi:nil="true"/>
+  </documentManagement>
+</p:properties>
+</file>
+
+<file path=customXml/item2.xml><?xml version="1.0" encoding="utf-8"?>
+<?mso-contentType ?>
+<FormTemplates xmlns="http://schemas.microsoft.com/sharepoint/v3/contenttype/forms">
+  <Display>DocumentLibraryForm</Display>
+  <Edit>DocumentLibraryForm</Edit>
+  <New>DocumentLibraryForm</New>
+</FormTemplates>
+</file>
+
+<file path=customXml/item3.xml><?xml version="1.0" encoding="utf-8"?>
 <ct:contentTypeSchema xmlns:ct="http://schemas.microsoft.com/office/2006/metadata/contentType" xmlns:ma="http://schemas.microsoft.com/office/2006/metadata/properties/metaAttributes" ct:_="" ma:_="" ma:contentTypeName="Document" ma:contentTypeID="0x01010079F111ED35F8CC479449609E8A0923A6" ma:contentTypeVersion="18" ma:contentTypeDescription="Create a new document." ma:contentTypeScope="" ma:versionID="22a266b9fa9a230c5a512669d8b298c3">
   <xsd:schema xmlns:xsd="http://www.w3.org/2001/XMLSchema" xmlns:xs="http://www.w3.org/2001/XMLSchema" xmlns:p="http://schemas.microsoft.com/office/2006/metadata/properties" xmlns:ns1="http://schemas.microsoft.com/sharepoint/v3" xmlns:ns2="71af3243-3dd4-4a8d-8c0d-dd76da1f02a5" xmlns:ns3="16c05727-aa75-4e4a-9b5f-8a80a1165891" xmlns:ns4="230e9df3-be65-4c73-a93b-d1236ebd677e" targetNamespace="http://schemas.microsoft.com/office/2006/metadata/properties" ma:root="true" ma:fieldsID="eddc33fff6b14141ee5c74a0d29ea6a1" ns1:_="" ns2:_="" ns3:_="" ns4:_="">
     <xsd:import namespace="http://schemas.microsoft.com/sharepoint/v3"/>
@@ -17450,35 +17562,27 @@
 </ct:contentTypeSchema>
 </file>
 
-<file path=customXml/item2.xml><?xml version="1.0" encoding="utf-8"?>
-<?mso-contentType ?>
-<FormTemplates xmlns="http://schemas.microsoft.com/sharepoint/v3/contenttype/forms">
-  <Display>DocumentLibraryForm</Display>
-  <Edit>DocumentLibraryForm</Edit>
-  <New>DocumentLibraryForm</New>
-</FormTemplates>
+<file path=customXml/itemProps1.xml><?xml version="1.0" encoding="utf-8"?>
+<ds:datastoreItem xmlns:ds="http://schemas.openxmlformats.org/officeDocument/2006/customXml" ds:itemID="{CF128D9D-8887-4AE7-BD39-EBCD268E911A}">
+  <ds:schemaRefs>
+    <ds:schemaRef ds:uri="http://schemas.microsoft.com/office/2006/metadata/properties"/>
+    <ds:schemaRef ds:uri="http://schemas.microsoft.com/office/infopath/2007/PartnerControls"/>
+    <ds:schemaRef ds:uri="http://schemas.microsoft.com/sharepoint/v3"/>
+    <ds:schemaRef ds:uri="71af3243-3dd4-4a8d-8c0d-dd76da1f02a5"/>
+    <ds:schemaRef ds:uri="230e9df3-be65-4c73-a93b-d1236ebd677e"/>
+  </ds:schemaRefs>
+</ds:datastoreItem>
 </file>
 
-<file path=customXml/item3.xml><?xml version="1.0" encoding="utf-8"?>
-<p:properties xmlns:p="http://schemas.microsoft.com/office/2006/metadata/properties" xmlns:xsi="http://www.w3.org/2001/XMLSchema-instance" xmlns:pc="http://schemas.microsoft.com/office/infopath/2007/PartnerControls">
-  <documentManagement>
-    <_ip_UnifiedCompliancePolicyUIAction xmlns="http://schemas.microsoft.com/sharepoint/v3" xsi:nil="true"/>
-    <Image xmlns="71af3243-3dd4-4a8d-8c0d-dd76da1f02a5">
-      <Url xsi:nil="true"/>
-      <Description xsi:nil="true"/>
-    </Image>
-    <Status xmlns="71af3243-3dd4-4a8d-8c0d-dd76da1f02a5">Not started</Status>
-    <_ip_UnifiedCompliancePolicyProperties xmlns="http://schemas.microsoft.com/sharepoint/v3" xsi:nil="true"/>
-    <lcf76f155ced4ddcb4097134ff3c332f xmlns="71af3243-3dd4-4a8d-8c0d-dd76da1f02a5">
-      <Terms xmlns="http://schemas.microsoft.com/office/infopath/2007/PartnerControls"/>
-    </lcf76f155ced4ddcb4097134ff3c332f>
-    <TaxCatchAll xmlns="230e9df3-be65-4c73-a93b-d1236ebd677e"/>
-    <MediaServiceKeyPoints xmlns="71af3243-3dd4-4a8d-8c0d-dd76da1f02a5" xsi:nil="true"/>
-  </documentManagement>
-</p:properties>
+<file path=customXml/itemProps2.xml><?xml version="1.0" encoding="utf-8"?>
+<ds:datastoreItem xmlns:ds="http://schemas.openxmlformats.org/officeDocument/2006/customXml" ds:itemID="{DF76BC85-9361-4044-951E-1D698143E543}">
+  <ds:schemaRefs>
+    <ds:schemaRef ds:uri="http://schemas.microsoft.com/sharepoint/v3/contenttype/forms"/>
+  </ds:schemaRefs>
+</ds:datastoreItem>
 </file>
 
-<file path=customXml/itemProps1.xml><?xml version="1.0" encoding="utf-8"?>
+<file path=customXml/itemProps3.xml><?xml version="1.0" encoding="utf-8"?>
 <ds:datastoreItem xmlns:ds="http://schemas.openxmlformats.org/officeDocument/2006/customXml" ds:itemID="{5A163FB7-958F-4794-B3EE-EC8933868F09}">
   <ds:schemaRefs>
     <ds:schemaRef ds:uri="http://schemas.microsoft.com/office/2006/metadata/contentType"/>
@@ -17499,26 +17603,6 @@
 </ds:datastoreItem>
 </file>
 
-<file path=customXml/itemProps2.xml><?xml version="1.0" encoding="utf-8"?>
-<ds:datastoreItem xmlns:ds="http://schemas.openxmlformats.org/officeDocument/2006/customXml" ds:itemID="{DF76BC85-9361-4044-951E-1D698143E543}">
-  <ds:schemaRefs>
-    <ds:schemaRef ds:uri="http://schemas.microsoft.com/sharepoint/v3/contenttype/forms"/>
-  </ds:schemaRefs>
-</ds:datastoreItem>
-</file>
-
-<file path=customXml/itemProps3.xml><?xml version="1.0" encoding="utf-8"?>
-<ds:datastoreItem xmlns:ds="http://schemas.openxmlformats.org/officeDocument/2006/customXml" ds:itemID="{CF128D9D-8887-4AE7-BD39-EBCD268E911A}">
-  <ds:schemaRefs>
-    <ds:schemaRef ds:uri="http://schemas.microsoft.com/office/2006/metadata/properties"/>
-    <ds:schemaRef ds:uri="http://schemas.microsoft.com/office/infopath/2007/PartnerControls"/>
-    <ds:schemaRef ds:uri="http://schemas.microsoft.com/sharepoint/v3"/>
-    <ds:schemaRef ds:uri="71af3243-3dd4-4a8d-8c0d-dd76da1f02a5"/>
-    <ds:schemaRef ds:uri="230e9df3-be65-4c73-a93b-d1236ebd677e"/>
-  </ds:schemaRefs>
-</ds:datastoreItem>
-</file>
-
 <file path=docMetadata/LabelInfo.xml><?xml version="1.0" encoding="utf-8"?>
 <clbl:labelList xmlns:clbl="http://schemas.microsoft.com/office/2020/mipLabelMetadata">
   <clbl:label id="{f42aa342-8706-4288-bd11-ebb85995028c}" enabled="1" method="Standard" siteId="{72f988bf-86f1-41af-91ab-2d7cd011db47}" contentBits="0" removed="0"/>

--- a/Clase 1/presentacionClase1.pptx
+++ b/Clase 1/presentacionClase1.pptx
@@ -5,10 +5,10 @@
     <p:sldMasterId id="2147483684" r:id="rId4"/>
   </p:sldMasterIdLst>
   <p:notesMasterIdLst>
-    <p:notesMasterId r:id="rId13"/>
+    <p:notesMasterId r:id="rId19"/>
   </p:notesMasterIdLst>
   <p:handoutMasterIdLst>
-    <p:handoutMasterId r:id="rId14"/>
+    <p:handoutMasterId r:id="rId20"/>
   </p:handoutMasterIdLst>
   <p:sldIdLst>
     <p:sldId id="257" r:id="rId5"/>
@@ -16,9 +16,15 @@
     <p:sldId id="394" r:id="rId7"/>
     <p:sldId id="317" r:id="rId8"/>
     <p:sldId id="278" r:id="rId9"/>
-    <p:sldId id="392" r:id="rId10"/>
-    <p:sldId id="393" r:id="rId11"/>
-    <p:sldId id="395" r:id="rId12"/>
+    <p:sldId id="396" r:id="rId10"/>
+    <p:sldId id="397" r:id="rId11"/>
+    <p:sldId id="398" r:id="rId12"/>
+    <p:sldId id="399" r:id="rId13"/>
+    <p:sldId id="400" r:id="rId14"/>
+    <p:sldId id="401" r:id="rId15"/>
+    <p:sldId id="392" r:id="rId16"/>
+    <p:sldId id="393" r:id="rId17"/>
+    <p:sldId id="395" r:id="rId18"/>
   </p:sldIdLst>
   <p:sldSz cx="12192000" cy="6858000"/>
   <p:notesSz cx="6858000" cy="9144000"/>
@@ -242,7 +248,7 @@
           <a:p>
             <a:fld id="{C17F2C1D-F243-42AB-ADF2-E7CB4E04900E}" type="datetimeFigureOut">
               <a:rPr lang="en-US" smtClean="0"/>
-              <a:t>9/30/2021</a:t>
+              <a:t>10/1/2021</a:t>
             </a:fld>
             <a:endParaRPr lang="en-US"/>
           </a:p>
@@ -320,7 +326,7 @@
           <a:p>
             <a:fld id="{023CDBB5-5B4A-4483-935D-A73935186B4D}" type="slidenum">
               <a:rPr lang="en-US" smtClean="0"/>
-              <a:t>‹Nº›</a:t>
+              <a:t>‹#›</a:t>
             </a:fld>
             <a:endParaRPr lang="en-US"/>
           </a:p>
@@ -419,7 +425,7 @@
           <a:p>
             <a:fld id="{020CE34E-5667-4A32-A6BA-10C7A552BC63}" type="datetimeFigureOut">
               <a:rPr lang="en-US" smtClean="0"/>
-              <a:t>9/30/2021</a:t>
+              <a:t>10/1/2021</a:t>
             </a:fld>
             <a:endParaRPr lang="en-US"/>
           </a:p>
@@ -577,7 +583,7 @@
           <a:p>
             <a:fld id="{E7CCE34D-CFF1-4FFE-815B-D050E7ED2DFD}" type="slidenum">
               <a:rPr lang="en-US" smtClean="0"/>
-              <a:t>‹Nº›</a:t>
+              <a:t>‹#›</a:t>
             </a:fld>
             <a:endParaRPr lang="en-US"/>
           </a:p>
@@ -1003,7 +1009,7 @@
           <a:p>
             <a:fld id="{1983A999-5E0E-42CA-8400-604AE921FF7C}" type="slidenum">
               <a:rPr lang="en-US" smtClean="0"/>
-              <a:t>6</a:t>
+              <a:t>12</a:t>
             </a:fld>
             <a:endParaRPr lang="en-US"/>
           </a:p>
@@ -2973,7 +2979,7 @@
           <a:p>
             <a:fld id="{DBA1B0FB-D917-4C8C-928F-313BD683BF39}" type="slidenum">
               <a:rPr lang="en-US" smtClean="0"/>
-              <a:t>‹Nº›</a:t>
+              <a:t>‹#›</a:t>
             </a:fld>
             <a:endParaRPr lang="en-US"/>
           </a:p>
@@ -3218,7 +3224,7 @@
           <a:p>
             <a:fld id="{DBA1B0FB-D917-4C8C-928F-313BD683BF39}" type="slidenum">
               <a:rPr lang="en-US" smtClean="0"/>
-              <a:t>‹Nº›</a:t>
+              <a:t>‹#›</a:t>
             </a:fld>
             <a:endParaRPr lang="en-US"/>
           </a:p>
@@ -4293,7 +4299,7 @@
           <a:p>
             <a:fld id="{DBA1B0FB-D917-4C8C-928F-313BD683BF39}" type="slidenum">
               <a:rPr lang="en-US" smtClean="0"/>
-              <a:t>‹Nº›</a:t>
+              <a:t>‹#›</a:t>
             </a:fld>
             <a:endParaRPr lang="en-US"/>
           </a:p>
@@ -4628,7 +4634,7 @@
           <a:p>
             <a:fld id="{DBA1B0FB-D917-4C8C-928F-313BD683BF39}" type="slidenum">
               <a:rPr lang="en-US" smtClean="0"/>
-              <a:t>‹Nº›</a:t>
+              <a:t>‹#›</a:t>
             </a:fld>
             <a:endParaRPr lang="en-US"/>
           </a:p>
@@ -6154,7 +6160,7 @@
           <a:p>
             <a:fld id="{DBA1B0FB-D917-4C8C-928F-313BD683BF39}" type="slidenum">
               <a:rPr lang="en-US" smtClean="0"/>
-              <a:t>‹Nº›</a:t>
+              <a:t>‹#›</a:t>
             </a:fld>
             <a:endParaRPr lang="en-US"/>
           </a:p>
@@ -6275,7 +6281,7 @@
           <a:p>
             <a:fld id="{DBA1B0FB-D917-4C8C-928F-313BD683BF39}" type="slidenum">
               <a:rPr lang="en-US" smtClean="0"/>
-              <a:t>‹Nº›</a:t>
+              <a:t>‹#›</a:t>
             </a:fld>
             <a:endParaRPr lang="en-US"/>
           </a:p>
@@ -6928,7 +6934,7 @@
           <a:p>
             <a:fld id="{DBA1B0FB-D917-4C8C-928F-313BD683BF39}" type="slidenum">
               <a:rPr lang="en-US" smtClean="0"/>
-              <a:t>‹Nº›</a:t>
+              <a:t>‹#›</a:t>
             </a:fld>
             <a:endParaRPr lang="en-US"/>
           </a:p>
@@ -7424,7 +7430,7 @@
           <a:p>
             <a:fld id="{DBA1B0FB-D917-4C8C-928F-313BD683BF39}" type="slidenum">
               <a:rPr lang="en-US" smtClean="0"/>
-              <a:t>‹Nº›</a:t>
+              <a:t>‹#›</a:t>
             </a:fld>
             <a:endParaRPr lang="en-US"/>
           </a:p>
@@ -8131,7 +8137,7 @@
           <a:p>
             <a:fld id="{DBA1B0FB-D917-4C8C-928F-313BD683BF39}" type="slidenum">
               <a:rPr lang="en-US" smtClean="0"/>
-              <a:t>‹Nº›</a:t>
+              <a:t>‹#›</a:t>
             </a:fld>
             <a:endParaRPr lang="en-US"/>
           </a:p>
@@ -9331,7 +9337,7 @@
           <a:p>
             <a:fld id="{DBA1B0FB-D917-4C8C-928F-313BD683BF39}" type="slidenum">
               <a:rPr lang="en-US" smtClean="0"/>
-              <a:t>‹Nº›</a:t>
+              <a:t>‹#›</a:t>
             </a:fld>
             <a:endParaRPr lang="en-US"/>
           </a:p>
@@ -10188,7 +10194,7 @@
           <a:p>
             <a:fld id="{DBA1B0FB-D917-4C8C-928F-313BD683BF39}" type="slidenum">
               <a:rPr lang="en-US" smtClean="0"/>
-              <a:t>‹Nº›</a:t>
+              <a:t>‹#›</a:t>
             </a:fld>
             <a:endParaRPr lang="en-US"/>
           </a:p>
@@ -11415,7 +11421,7 @@
           <a:p>
             <a:fld id="{DBA1B0FB-D917-4C8C-928F-313BD683BF39}" type="slidenum">
               <a:rPr lang="en-US" smtClean="0"/>
-              <a:t>‹Nº›</a:t>
+              <a:t>‹#›</a:t>
             </a:fld>
             <a:endParaRPr lang="en-US"/>
           </a:p>
@@ -12002,7 +12008,7 @@
           <a:p>
             <a:fld id="{DBA1B0FB-D917-4C8C-928F-313BD683BF39}" type="slidenum">
               <a:rPr lang="en-US" smtClean="0"/>
-              <a:t>‹Nº›</a:t>
+              <a:t>‹#›</a:t>
             </a:fld>
             <a:endParaRPr lang="en-US"/>
           </a:p>
@@ -12299,7 +12305,7 @@
             <a:fld id="{DBA1B0FB-D917-4C8C-928F-313BD683BF39}" type="slidenum">
               <a:rPr lang="en-US" smtClean="0"/>
               <a:pPr/>
-              <a:t>‹Nº›</a:t>
+              <a:t>‹#›</a:t>
             </a:fld>
             <a:endParaRPr lang="en-US"/>
           </a:p>
@@ -12965,7 +12971,7 @@
 </p:sld>
 </file>
 
-<file path=ppt/slides/slide2.xml><?xml version="1.0" encoding="utf-8"?>
+<file path=ppt/slides/slide10.xml><?xml version="1.0" encoding="utf-8"?>
 <p:sld xmlns:a="http://schemas.openxmlformats.org/drawingml/2006/main" xmlns:r="http://schemas.openxmlformats.org/officeDocument/2006/relationships" xmlns:p="http://schemas.openxmlformats.org/presentationml/2006/main">
   <p:cSld>
     <p:spTree>
@@ -12987,7 +12993,7 @@
           <p:cNvPr id="2" name="Title 1">
             <a:extLst>
               <a:ext uri="{FF2B5EF4-FFF2-40B4-BE49-F238E27FC236}">
-                <a16:creationId xmlns:a16="http://schemas.microsoft.com/office/drawing/2014/main" id="{0046426E-F6F6-4A7C-9181-8C3090996261}"/>
+                <a16:creationId xmlns:a16="http://schemas.microsoft.com/office/drawing/2014/main" id="{56FACF6C-4BE0-43E6-BFF8-5E313F0076AC}"/>
               </a:ext>
             </a:extLst>
           </p:cNvPr>
@@ -12998,29 +13004,54 @@
             <p:ph type="title"/>
           </p:nvPr>
         </p:nvSpPr>
-        <p:spPr>
-          <a:xfrm>
-            <a:off x="550864" y="549275"/>
-            <a:ext cx="3565524" cy="1997855"/>
-          </a:xfrm>
-        </p:spPr>
+        <p:spPr/>
         <p:txBody>
           <a:bodyPr/>
           <a:lstStyle/>
           <a:p>
             <a:r>
-              <a:rPr lang="en-US" dirty="0"/>
-              <a:t>Agenda</a:t>
+              <a:rPr lang="es-CR" dirty="0"/>
+              <a:t>Podemos tener muchos archivos</a:t>
             </a:r>
+            <a:endParaRPr lang="en-US" dirty="0"/>
           </a:p>
         </p:txBody>
       </p:sp>
+      <p:pic>
+        <p:nvPicPr>
+          <p:cNvPr id="8" name="Content Placeholder 7">
+            <a:extLst>
+              <a:ext uri="{FF2B5EF4-FFF2-40B4-BE49-F238E27FC236}">
+                <a16:creationId xmlns:a16="http://schemas.microsoft.com/office/drawing/2014/main" id="{E8E57F3E-D510-4642-A3A2-E75048C2983A}"/>
+              </a:ext>
+            </a:extLst>
+          </p:cNvPr>
+          <p:cNvPicPr>
+            <a:picLocks noGrp="1" noChangeAspect="1"/>
+          </p:cNvPicPr>
+          <p:nvPr>
+            <p:ph idx="1"/>
+          </p:nvPr>
+        </p:nvPicPr>
+        <p:blipFill>
+          <a:blip r:embed="rId2"/>
+          <a:stretch>
+            <a:fillRect/>
+          </a:stretch>
+        </p:blipFill>
+        <p:spPr>
+          <a:xfrm>
+            <a:off x="5512369" y="1275891"/>
+            <a:ext cx="1241742" cy="1790242"/>
+          </a:xfrm>
+        </p:spPr>
+      </p:pic>
       <p:sp>
         <p:nvSpPr>
-          <p:cNvPr id="3" name="Content Placeholder 2">
-            <a:extLst>
-              <a:ext uri="{FF2B5EF4-FFF2-40B4-BE49-F238E27FC236}">
-                <a16:creationId xmlns:a16="http://schemas.microsoft.com/office/drawing/2014/main" id="{D3B60D6F-4D0F-4D33-B2A7-159C8583FF00}"/>
+          <p:cNvPr id="4" name="Date Placeholder 3">
+            <a:extLst>
+              <a:ext uri="{FF2B5EF4-FFF2-40B4-BE49-F238E27FC236}">
+                <a16:creationId xmlns:a16="http://schemas.microsoft.com/office/drawing/2014/main" id="{F78684CB-F632-4C8F-87CE-88AB8FC89FEB}"/>
               </a:ext>
             </a:extLst>
           </p:cNvPr>
@@ -13028,187 +13059,55 @@
             <a:spLocks noGrp="1"/>
           </p:cNvSpPr>
           <p:nvPr>
-            <p:ph idx="1"/>
+            <p:ph type="dt" sz="half" idx="10"/>
           </p:nvPr>
         </p:nvSpPr>
-        <p:spPr>
-          <a:xfrm>
-            <a:off x="550863" y="2677306"/>
-            <a:ext cx="3565525" cy="3415519"/>
-          </a:xfrm>
-        </p:spPr>
+        <p:spPr/>
         <p:txBody>
           <a:bodyPr/>
           <a:lstStyle/>
           <a:p>
             <a:r>
-              <a:rPr lang="es-ES" dirty="0">
-                <a:ea typeface="+mn-lt"/>
-                <a:cs typeface="+mn-lt"/>
-              </a:rPr>
-              <a:t>Instalación del ambiente</a:t>
+              <a:rPr lang="en-US"/>
+              <a:t>Tuesday, February 2, 20XX</a:t>
             </a:r>
+          </a:p>
+        </p:txBody>
+      </p:sp>
+      <p:sp>
+        <p:nvSpPr>
+          <p:cNvPr id="5" name="Footer Placeholder 4">
+            <a:extLst>
+              <a:ext uri="{FF2B5EF4-FFF2-40B4-BE49-F238E27FC236}">
+                <a16:creationId xmlns:a16="http://schemas.microsoft.com/office/drawing/2014/main" id="{94162660-683B-4F27-BD13-E491687C612D}"/>
+              </a:ext>
+            </a:extLst>
+          </p:cNvPr>
+          <p:cNvSpPr>
+            <a:spLocks noGrp="1"/>
+          </p:cNvSpPr>
+          <p:nvPr>
+            <p:ph type="ftr" sz="quarter" idx="11"/>
+          </p:nvPr>
+        </p:nvSpPr>
+        <p:spPr/>
+        <p:txBody>
+          <a:bodyPr/>
+          <a:lstStyle/>
+          <a:p>
             <a:r>
-              <a:rPr lang="es-ES" dirty="0"/>
-              <a:t> </a:t>
+              <a:rPr lang="en-US"/>
+              <a:t>Sample Footer Text</a:t>
             </a:r>
-            <a:endParaRPr lang="es-ES" dirty="0">
-              <a:solidFill>
-                <a:srgbClr val="FFFFFF">
-                  <a:alpha val="60000"/>
-                </a:srgbClr>
-              </a:solidFill>
-            </a:endParaRPr>
-          </a:p>
-          <a:p>
-            <a:r>
-              <a:rPr lang="es-ES" dirty="0">
-                <a:solidFill>
-                  <a:srgbClr val="FFFFFF">
-                    <a:alpha val="60000"/>
-                  </a:srgbClr>
-                </a:solidFill>
-              </a:rPr>
-              <a:t>Introducción a GIT</a:t>
-            </a:r>
-          </a:p>
-          <a:p>
-            <a:r>
-              <a:rPr lang="es-ES" dirty="0"/>
-              <a:t>Taller de GIT</a:t>
-            </a:r>
-            <a:endParaRPr lang="es-ES" dirty="0">
-              <a:solidFill>
-                <a:srgbClr val="FFFFFF">
-                  <a:alpha val="60000"/>
-                </a:srgbClr>
-              </a:solidFill>
-            </a:endParaRPr>
-          </a:p>
-          <a:p>
-            <a:r>
-              <a:rPr lang="es-ES" dirty="0"/>
-              <a:t>Introducción a HTML y CSS</a:t>
-            </a:r>
-            <a:endParaRPr lang="es-ES" dirty="0">
-              <a:solidFill>
-                <a:srgbClr val="FFFFFF">
-                  <a:alpha val="60000"/>
-                </a:srgbClr>
-              </a:solidFill>
-            </a:endParaRPr>
-          </a:p>
-          <a:p>
-            <a:r>
-              <a:rPr lang="es-ES" dirty="0"/>
-              <a:t>Taller HTML y CSS</a:t>
-            </a:r>
-            <a:endParaRPr lang="es-ES" dirty="0">
-              <a:solidFill>
-                <a:srgbClr val="FFFFFF">
-                  <a:alpha val="60000"/>
-                </a:srgbClr>
-              </a:solidFill>
-            </a:endParaRPr>
-          </a:p>
-          <a:p>
-            <a:endParaRPr lang="en-US" dirty="0"/>
           </a:p>
         </p:txBody>
       </p:sp>
-      <p:pic>
-        <p:nvPicPr>
-          <p:cNvPr id="8" name="Picture Placeholder 7" descr="Logotipo, Icono&#10;&#10;Descripción generada automáticamente">
-            <a:extLst>
-              <a:ext uri="{FF2B5EF4-FFF2-40B4-BE49-F238E27FC236}">
-                <a16:creationId xmlns:a16="http://schemas.microsoft.com/office/drawing/2014/main" id="{06D2324F-3B7B-45EF-9584-C8EADD2C8C0B}"/>
-              </a:ext>
-            </a:extLst>
-          </p:cNvPr>
-          <p:cNvPicPr>
-            <a:picLocks noGrp="1" noChangeAspect="1"/>
-          </p:cNvPicPr>
-          <p:nvPr>
-            <p:ph type="pic" sz="quarter" idx="13"/>
-          </p:nvPr>
-        </p:nvPicPr>
-        <p:blipFill rotWithShape="1">
-          <a:blip r:embed="rId2"/>
-          <a:srcRect/>
-          <a:stretch/>
-        </p:blipFill>
-        <p:spPr>
-          <a:xfrm>
-            <a:off x="5208928" y="1596771"/>
-            <a:ext cx="3448558" cy="3448558"/>
-          </a:xfrm>
-          <a:ln>
-            <a:noFill/>
-          </a:ln>
-        </p:spPr>
-      </p:pic>
-      <p:pic>
-        <p:nvPicPr>
-          <p:cNvPr id="10" name="Picture Placeholder 9" descr="Icono&#10;&#10;Descripción generada automáticamente">
-            <a:extLst>
-              <a:ext uri="{FF2B5EF4-FFF2-40B4-BE49-F238E27FC236}">
-                <a16:creationId xmlns:a16="http://schemas.microsoft.com/office/drawing/2014/main" id="{71F862F9-0E8A-4DB9-8083-1C3AA6E5D777}"/>
-              </a:ext>
-            </a:extLst>
-          </p:cNvPr>
-          <p:cNvPicPr>
-            <a:picLocks noGrp="1" noChangeAspect="1"/>
-          </p:cNvPicPr>
-          <p:nvPr>
-            <p:ph type="pic" sz="quarter" idx="14"/>
-          </p:nvPr>
-        </p:nvPicPr>
-        <p:blipFill rotWithShape="1">
-          <a:blip r:embed="rId3"/>
-          <a:srcRect/>
-          <a:stretch/>
-        </p:blipFill>
-        <p:spPr>
-          <a:xfrm>
-            <a:off x="8918575" y="596392"/>
-            <a:ext cx="2263776" cy="2263776"/>
-          </a:xfrm>
-        </p:spPr>
-      </p:pic>
-      <p:pic>
-        <p:nvPicPr>
-          <p:cNvPr id="12" name="Picture Placeholder 11" descr="Icono&#10;&#10;Descripción generada automáticamente">
-            <a:extLst>
-              <a:ext uri="{FF2B5EF4-FFF2-40B4-BE49-F238E27FC236}">
-                <a16:creationId xmlns:a16="http://schemas.microsoft.com/office/drawing/2014/main" id="{A63F39B9-0715-40B5-8ECB-9B983F99C690}"/>
-              </a:ext>
-            </a:extLst>
-          </p:cNvPr>
-          <p:cNvPicPr>
-            <a:picLocks noGrp="1" noChangeAspect="1"/>
-          </p:cNvPicPr>
-          <p:nvPr>
-            <p:ph type="pic" sz="quarter" idx="15"/>
-          </p:nvPr>
-        </p:nvPicPr>
-        <p:blipFill rotWithShape="1">
-          <a:blip r:embed="rId4"/>
-          <a:srcRect/>
-          <a:stretch/>
-        </p:blipFill>
-        <p:spPr>
-          <a:xfrm>
-            <a:off x="9091612" y="3324733"/>
-            <a:ext cx="2936876" cy="2936876"/>
-          </a:xfrm>
-        </p:spPr>
-      </p:pic>
       <p:sp>
         <p:nvSpPr>
-          <p:cNvPr id="15" name="Slide Number Placeholder 14">
-            <a:extLst>
-              <a:ext uri="{FF2B5EF4-FFF2-40B4-BE49-F238E27FC236}">
-                <a16:creationId xmlns:a16="http://schemas.microsoft.com/office/drawing/2014/main" id="{3B199C97-F175-437D-8311-DB662925C063}"/>
+          <p:cNvPr id="6" name="Slide Number Placeholder 5">
+            <a:extLst>
+              <a:ext uri="{FF2B5EF4-FFF2-40B4-BE49-F238E27FC236}">
+                <a16:creationId xmlns:a16="http://schemas.microsoft.com/office/drawing/2014/main" id="{4A5AF829-CFD4-4BFA-875E-1835A8BF90DA}"/>
               </a:ext>
             </a:extLst>
           </p:cNvPr>
@@ -13219,29 +13118,113 @@
             <p:ph type="sldNum" sz="quarter" idx="12"/>
           </p:nvPr>
         </p:nvSpPr>
-        <p:spPr>
-          <a:xfrm>
-            <a:off x="9948863" y="6507212"/>
-            <a:ext cx="1692274" cy="153888"/>
-          </a:xfrm>
-        </p:spPr>
+        <p:spPr/>
         <p:txBody>
           <a:bodyPr/>
           <a:lstStyle/>
           <a:p>
             <a:fld id="{DBA1B0FB-D917-4C8C-928F-313BD683BF39}" type="slidenum">
               <a:rPr lang="en-US" smtClean="0"/>
-              <a:pPr/>
-              <a:t>2</a:t>
+              <a:t>10</a:t>
             </a:fld>
             <a:endParaRPr lang="en-US"/>
           </a:p>
         </p:txBody>
       </p:sp>
+      <p:pic>
+        <p:nvPicPr>
+          <p:cNvPr id="10" name="Picture 9">
+            <a:extLst>
+              <a:ext uri="{FF2B5EF4-FFF2-40B4-BE49-F238E27FC236}">
+                <a16:creationId xmlns:a16="http://schemas.microsoft.com/office/drawing/2014/main" id="{CF8C4830-2108-4DF8-AC3A-BF972D038B09}"/>
+              </a:ext>
+            </a:extLst>
+          </p:cNvPr>
+          <p:cNvPicPr>
+            <a:picLocks noChangeAspect="1"/>
+          </p:cNvPicPr>
+          <p:nvPr/>
+        </p:nvPicPr>
+        <p:blipFill>
+          <a:blip r:embed="rId2"/>
+          <a:stretch>
+            <a:fillRect/>
+          </a:stretch>
+        </p:blipFill>
+        <p:spPr>
+          <a:xfrm>
+            <a:off x="1698049" y="2268349"/>
+            <a:ext cx="1633173" cy="2354575"/>
+          </a:xfrm>
+          <a:prstGeom prst="rect">
+            <a:avLst/>
+          </a:prstGeom>
+        </p:spPr>
+      </p:pic>
+      <p:pic>
+        <p:nvPicPr>
+          <p:cNvPr id="12" name="Picture 11">
+            <a:extLst>
+              <a:ext uri="{FF2B5EF4-FFF2-40B4-BE49-F238E27FC236}">
+                <a16:creationId xmlns:a16="http://schemas.microsoft.com/office/drawing/2014/main" id="{BB6C807E-D45A-4B38-B602-564B5AF45026}"/>
+              </a:ext>
+            </a:extLst>
+          </p:cNvPr>
+          <p:cNvPicPr>
+            <a:picLocks noChangeAspect="1"/>
+          </p:cNvPicPr>
+          <p:nvPr/>
+        </p:nvPicPr>
+        <p:blipFill>
+          <a:blip r:embed="rId2"/>
+          <a:stretch>
+            <a:fillRect/>
+          </a:stretch>
+        </p:blipFill>
+        <p:spPr>
+          <a:xfrm>
+            <a:off x="8760815" y="2460749"/>
+            <a:ext cx="1499721" cy="2162175"/>
+          </a:xfrm>
+          <a:prstGeom prst="rect">
+            <a:avLst/>
+          </a:prstGeom>
+        </p:spPr>
+      </p:pic>
+      <p:pic>
+        <p:nvPicPr>
+          <p:cNvPr id="14" name="Picture 13">
+            <a:extLst>
+              <a:ext uri="{FF2B5EF4-FFF2-40B4-BE49-F238E27FC236}">
+                <a16:creationId xmlns:a16="http://schemas.microsoft.com/office/drawing/2014/main" id="{6288484F-7ACC-4D03-9232-FFF3343C7799}"/>
+              </a:ext>
+            </a:extLst>
+          </p:cNvPr>
+          <p:cNvPicPr>
+            <a:picLocks noChangeAspect="1"/>
+          </p:cNvPicPr>
+          <p:nvPr/>
+        </p:nvPicPr>
+        <p:blipFill>
+          <a:blip r:embed="rId2"/>
+          <a:stretch>
+            <a:fillRect/>
+          </a:stretch>
+        </p:blipFill>
+        <p:spPr>
+          <a:xfrm>
+            <a:off x="5481889" y="4441936"/>
+            <a:ext cx="1499721" cy="2162175"/>
+          </a:xfrm>
+          <a:prstGeom prst="rect">
+            <a:avLst/>
+          </a:prstGeom>
+        </p:spPr>
+      </p:pic>
     </p:spTree>
     <p:extLst>
       <p:ext uri="{BB962C8B-B14F-4D97-AF65-F5344CB8AC3E}">
-        <p14:creationId xmlns:p14="http://schemas.microsoft.com/office/powerpoint/2010/main" val="2313234867"/>
+        <p14:creationId xmlns:p14="http://schemas.microsoft.com/office/powerpoint/2010/main" val="3222072007"/>
       </p:ext>
     </p:extLst>
   </p:cSld>
@@ -13251,7 +13234,7 @@
 </p:sld>
 </file>
 
-<file path=ppt/slides/slide3.xml><?xml version="1.0" encoding="utf-8"?>
+<file path=ppt/slides/slide11.xml><?xml version="1.0" encoding="utf-8"?>
 <p:sld xmlns:a="http://schemas.openxmlformats.org/drawingml/2006/main" xmlns:r="http://schemas.openxmlformats.org/officeDocument/2006/relationships" xmlns:p="http://schemas.openxmlformats.org/presentationml/2006/main">
   <p:cSld>
     <p:spTree>
@@ -13270,10 +13253,96 @@
       </p:grpSpPr>
       <p:sp>
         <p:nvSpPr>
-          <p:cNvPr id="16" name="Slide Number Placeholder 15">
-            <a:extLst>
-              <a:ext uri="{FF2B5EF4-FFF2-40B4-BE49-F238E27FC236}">
-                <a16:creationId xmlns:a16="http://schemas.microsoft.com/office/drawing/2014/main" id="{3F8A62C8-5437-4C47-AC0F-0605F84CBA57}"/>
+          <p:cNvPr id="2" name="Title 1">
+            <a:extLst>
+              <a:ext uri="{FF2B5EF4-FFF2-40B4-BE49-F238E27FC236}">
+                <a16:creationId xmlns:a16="http://schemas.microsoft.com/office/drawing/2014/main" id="{6A8CEB0B-431C-49CC-882F-6D00D479BB6D}"/>
+              </a:ext>
+            </a:extLst>
+          </p:cNvPr>
+          <p:cNvSpPr>
+            <a:spLocks noGrp="1"/>
+          </p:cNvSpPr>
+          <p:nvPr>
+            <p:ph type="title"/>
+          </p:nvPr>
+        </p:nvSpPr>
+        <p:spPr/>
+        <p:txBody>
+          <a:bodyPr/>
+          <a:lstStyle/>
+          <a:p>
+            <a:pPr algn="ctr"/>
+            <a:r>
+              <a:rPr lang="es-CR" dirty="0"/>
+              <a:t>Ramas (Branch)</a:t>
+            </a:r>
+            <a:endParaRPr lang="en-US" dirty="0"/>
+          </a:p>
+        </p:txBody>
+      </p:sp>
+      <p:sp>
+        <p:nvSpPr>
+          <p:cNvPr id="4" name="Date Placeholder 3">
+            <a:extLst>
+              <a:ext uri="{FF2B5EF4-FFF2-40B4-BE49-F238E27FC236}">
+                <a16:creationId xmlns:a16="http://schemas.microsoft.com/office/drawing/2014/main" id="{5F56F9B4-0881-487E-B044-0373AD1FA600}"/>
+              </a:ext>
+            </a:extLst>
+          </p:cNvPr>
+          <p:cNvSpPr>
+            <a:spLocks noGrp="1"/>
+          </p:cNvSpPr>
+          <p:nvPr>
+            <p:ph type="dt" sz="half" idx="10"/>
+          </p:nvPr>
+        </p:nvSpPr>
+        <p:spPr/>
+        <p:txBody>
+          <a:bodyPr/>
+          <a:lstStyle/>
+          <a:p>
+            <a:r>
+              <a:rPr lang="en-US"/>
+              <a:t>Tuesday, February 2, 20XX</a:t>
+            </a:r>
+          </a:p>
+        </p:txBody>
+      </p:sp>
+      <p:sp>
+        <p:nvSpPr>
+          <p:cNvPr id="5" name="Footer Placeholder 4">
+            <a:extLst>
+              <a:ext uri="{FF2B5EF4-FFF2-40B4-BE49-F238E27FC236}">
+                <a16:creationId xmlns:a16="http://schemas.microsoft.com/office/drawing/2014/main" id="{F6DCBE72-8C14-4328-BF65-4AA35D16ED9A}"/>
+              </a:ext>
+            </a:extLst>
+          </p:cNvPr>
+          <p:cNvSpPr>
+            <a:spLocks noGrp="1"/>
+          </p:cNvSpPr>
+          <p:nvPr>
+            <p:ph type="ftr" sz="quarter" idx="11"/>
+          </p:nvPr>
+        </p:nvSpPr>
+        <p:spPr/>
+        <p:txBody>
+          <a:bodyPr/>
+          <a:lstStyle/>
+          <a:p>
+            <a:r>
+              <a:rPr lang="en-US"/>
+              <a:t>Sample Footer Text</a:t>
+            </a:r>
+          </a:p>
+        </p:txBody>
+      </p:sp>
+      <p:sp>
+        <p:nvSpPr>
+          <p:cNvPr id="6" name="Slide Number Placeholder 5">
+            <a:extLst>
+              <a:ext uri="{FF2B5EF4-FFF2-40B4-BE49-F238E27FC236}">
+                <a16:creationId xmlns:a16="http://schemas.microsoft.com/office/drawing/2014/main" id="{3F7C694D-4AE2-435B-B562-9CA2B07AA9E3}"/>
               </a:ext>
             </a:extLst>
           </p:cNvPr>
@@ -13284,59 +13353,54 @@
             <p:ph type="sldNum" sz="quarter" idx="12"/>
           </p:nvPr>
         </p:nvSpPr>
-        <p:spPr>
-          <a:xfrm>
-            <a:off x="9948863" y="6507212"/>
-            <a:ext cx="1692274" cy="153888"/>
-          </a:xfrm>
-        </p:spPr>
-        <p:txBody>
-          <a:bodyPr/>
-          <a:lstStyle/>
-          <a:p>
-            <a:fld id="{DBA1B0FB-D917-4C8C-928F-313BD683BF39}" type="slidenum">
-              <a:rPr lang="en-US" smtClean="0"/>
-              <a:pPr/>
-              <a:t>3</a:t>
-            </a:fld>
-            <a:endParaRPr lang="en-US"/>
-          </a:p>
-        </p:txBody>
-      </p:sp>
-      <p:sp>
-        <p:nvSpPr>
-          <p:cNvPr id="4" name="Título 3">
-            <a:extLst>
-              <a:ext uri="{FF2B5EF4-FFF2-40B4-BE49-F238E27FC236}">
-                <a16:creationId xmlns:a16="http://schemas.microsoft.com/office/drawing/2014/main" id="{D1CB2412-9BCA-414A-8E8E-8613F2F2851D}"/>
-              </a:ext>
-            </a:extLst>
-          </p:cNvPr>
-          <p:cNvSpPr>
-            <a:spLocks noGrp="1"/>
-          </p:cNvSpPr>
-          <p:nvPr>
-            <p:ph type="title"/>
-          </p:nvPr>
-        </p:nvSpPr>
         <p:spPr/>
         <p:txBody>
           <a:bodyPr/>
           <a:lstStyle/>
           <a:p>
-            <a:r>
-              <a:rPr lang="es-ES"/>
-              <a:t>Instalación del Ambiente</a:t>
-            </a:r>
+            <a:fld id="{DBA1B0FB-D917-4C8C-928F-313BD683BF39}" type="slidenum">
+              <a:rPr lang="en-US" smtClean="0"/>
+              <a:t>11</a:t>
+            </a:fld>
+            <a:endParaRPr lang="en-US"/>
           </a:p>
         </p:txBody>
       </p:sp>
       <p:pic>
         <p:nvPicPr>
-          <p:cNvPr id="2" name="Imagen 2" descr="Icono&#10;&#10;Descripción generada automáticamente">
-            <a:extLst>
-              <a:ext uri="{FF2B5EF4-FFF2-40B4-BE49-F238E27FC236}">
-                <a16:creationId xmlns:a16="http://schemas.microsoft.com/office/drawing/2014/main" id="{19C3B544-E309-4006-AD1C-77EC078E4CF4}"/>
+          <p:cNvPr id="7" name="Content Placeholder 7">
+            <a:extLst>
+              <a:ext uri="{FF2B5EF4-FFF2-40B4-BE49-F238E27FC236}">
+                <a16:creationId xmlns:a16="http://schemas.microsoft.com/office/drawing/2014/main" id="{846C943C-C15A-4053-A629-1BFEA5557CEC}"/>
+              </a:ext>
+            </a:extLst>
+          </p:cNvPr>
+          <p:cNvPicPr>
+            <a:picLocks noGrp="1" noChangeAspect="1"/>
+          </p:cNvPicPr>
+          <p:nvPr>
+            <p:ph idx="1"/>
+          </p:nvPr>
+        </p:nvPicPr>
+        <p:blipFill>
+          <a:blip r:embed="rId2"/>
+          <a:stretch>
+            <a:fillRect/>
+          </a:stretch>
+        </p:blipFill>
+        <p:spPr>
+          <a:xfrm>
+            <a:off x="3434398" y="2452523"/>
+            <a:ext cx="1550737" cy="2230381"/>
+          </a:xfrm>
+        </p:spPr>
+      </p:pic>
+      <p:pic>
+        <p:nvPicPr>
+          <p:cNvPr id="8" name="Content Placeholder 7">
+            <a:extLst>
+              <a:ext uri="{FF2B5EF4-FFF2-40B4-BE49-F238E27FC236}">
+                <a16:creationId xmlns:a16="http://schemas.microsoft.com/office/drawing/2014/main" id="{9B5884A5-E66C-459A-88A6-7DD43BAEC9A1}"/>
               </a:ext>
             </a:extLst>
           </p:cNvPr>
@@ -13346,15 +13410,15 @@
           <p:nvPr/>
         </p:nvPicPr>
         <p:blipFill>
-          <a:blip r:embed="rId3"/>
+          <a:blip r:embed="rId2"/>
           <a:stretch>
             <a:fillRect/>
           </a:stretch>
         </p:blipFill>
         <p:spPr>
           <a:xfrm>
-            <a:off x="553357" y="2476500"/>
-            <a:ext cx="1905000" cy="1905000"/>
+            <a:off x="6684620" y="3299510"/>
+            <a:ext cx="1550737" cy="2230381"/>
           </a:xfrm>
           <a:prstGeom prst="rect">
             <a:avLst/>
@@ -13363,10 +13427,104 @@
       </p:pic>
       <p:pic>
         <p:nvPicPr>
-          <p:cNvPr id="3" name="Imagen 4" descr="Logotipo, Icono&#10;&#10;Descripción generada automáticamente">
-            <a:extLst>
-              <a:ext uri="{FF2B5EF4-FFF2-40B4-BE49-F238E27FC236}">
-                <a16:creationId xmlns:a16="http://schemas.microsoft.com/office/drawing/2014/main" id="{463F8C0B-569F-49DB-B02F-915E2194BAB3}"/>
+          <p:cNvPr id="2050" name="Picture 2" descr="Programmer Icon #379821 - Free Icons Library">
+            <a:extLst>
+              <a:ext uri="{FF2B5EF4-FFF2-40B4-BE49-F238E27FC236}">
+                <a16:creationId xmlns:a16="http://schemas.microsoft.com/office/drawing/2014/main" id="{813368A9-97A3-4418-860E-D037DCB41CAC}"/>
+              </a:ext>
+            </a:extLst>
+          </p:cNvPr>
+          <p:cNvPicPr>
+            <a:picLocks noChangeAspect="1" noChangeArrowheads="1"/>
+          </p:cNvPicPr>
+          <p:nvPr/>
+        </p:nvPicPr>
+        <p:blipFill>
+          <a:blip r:embed="rId3">
+            <a:extLst>
+              <a:ext uri="{28A0092B-C50C-407E-A947-70E740481C1C}">
+                <a14:useLocalDpi xmlns:a14="http://schemas.microsoft.com/office/drawing/2010/main" val="0"/>
+              </a:ext>
+            </a:extLst>
+          </a:blip>
+          <a:srcRect/>
+          <a:stretch>
+            <a:fillRect/>
+          </a:stretch>
+        </p:blipFill>
+        <p:spPr bwMode="auto">
+          <a:xfrm>
+            <a:off x="626110" y="1858465"/>
+            <a:ext cx="2733040" cy="2733040"/>
+          </a:xfrm>
+          <a:prstGeom prst="rect">
+            <a:avLst/>
+          </a:prstGeom>
+          <a:noFill/>
+          <a:extLst>
+            <a:ext uri="{909E8E84-426E-40DD-AFC4-6F175D3DCCD1}">
+              <a14:hiddenFill xmlns:a14="http://schemas.microsoft.com/office/drawing/2010/main">
+                <a:solidFill>
+                  <a:srgbClr val="FFFFFF"/>
+                </a:solidFill>
+              </a14:hiddenFill>
+            </a:ext>
+          </a:extLst>
+        </p:spPr>
+      </p:pic>
+      <p:pic>
+        <p:nvPicPr>
+          <p:cNvPr id="2052" name="Picture 4" descr="Cartoon,Nose,Pug,Snout,Clip art,Illustration,Puppy,Animated  cartoon,Canidae,Fawn,Art #171648 - Free Icon Library">
+            <a:extLst>
+              <a:ext uri="{FF2B5EF4-FFF2-40B4-BE49-F238E27FC236}">
+                <a16:creationId xmlns:a16="http://schemas.microsoft.com/office/drawing/2014/main" id="{701AF862-3227-4A06-BC4C-8B667A1669D9}"/>
+              </a:ext>
+            </a:extLst>
+          </p:cNvPr>
+          <p:cNvPicPr>
+            <a:picLocks noChangeAspect="1" noChangeArrowheads="1"/>
+          </p:cNvPicPr>
+          <p:nvPr/>
+        </p:nvPicPr>
+        <p:blipFill>
+          <a:blip r:embed="rId4">
+            <a:extLst>
+              <a:ext uri="{28A0092B-C50C-407E-A947-70E740481C1C}">
+                <a14:useLocalDpi xmlns:a14="http://schemas.microsoft.com/office/drawing/2010/main" val="0"/>
+              </a:ext>
+            </a:extLst>
+          </a:blip>
+          <a:srcRect/>
+          <a:stretch>
+            <a:fillRect/>
+          </a:stretch>
+        </p:blipFill>
+        <p:spPr bwMode="auto">
+          <a:xfrm>
+            <a:off x="8357878" y="2175489"/>
+            <a:ext cx="2913488" cy="2913488"/>
+          </a:xfrm>
+          <a:prstGeom prst="rect">
+            <a:avLst/>
+          </a:prstGeom>
+          <a:noFill/>
+          <a:extLst>
+            <a:ext uri="{909E8E84-426E-40DD-AFC4-6F175D3DCCD1}">
+              <a14:hiddenFill xmlns:a14="http://schemas.microsoft.com/office/drawing/2010/main">
+                <a:solidFill>
+                  <a:srgbClr val="FFFFFF"/>
+                </a:solidFill>
+              </a14:hiddenFill>
+            </a:ext>
+          </a:extLst>
+        </p:spPr>
+      </p:pic>
+      <p:pic>
+        <p:nvPicPr>
+          <p:cNvPr id="11" name="Content Placeholder 11">
+            <a:extLst>
+              <a:ext uri="{FF2B5EF4-FFF2-40B4-BE49-F238E27FC236}">
+                <a16:creationId xmlns:a16="http://schemas.microsoft.com/office/drawing/2014/main" id="{6507708D-B8C6-4E87-A210-C7F2C721DBB0}"/>
               </a:ext>
             </a:extLst>
           </p:cNvPr>
@@ -13375,76 +13533,15 @@
           </p:cNvPicPr>
           <p:nvPr/>
         </p:nvPicPr>
-        <p:blipFill>
-          <a:blip r:embed="rId4"/>
-          <a:stretch>
-            <a:fillRect/>
-          </a:stretch>
+        <p:blipFill rotWithShape="1">
+          <a:blip r:embed="rId5"/>
+          <a:srcRect l="5267" t="24887" r="3947" b="58807"/>
+          <a:stretch/>
         </p:blipFill>
         <p:spPr>
           <a:xfrm>
-            <a:off x="3319153" y="2478751"/>
-            <a:ext cx="1892137" cy="1900499"/>
-          </a:xfrm>
-          <a:prstGeom prst="rect">
-            <a:avLst/>
-          </a:prstGeom>
-        </p:spPr>
-      </p:pic>
-      <p:pic>
-        <p:nvPicPr>
-          <p:cNvPr id="5" name="Imagen 6" descr="Icono&#10;&#10;Descripción generada automáticamente">
-            <a:extLst>
-              <a:ext uri="{FF2B5EF4-FFF2-40B4-BE49-F238E27FC236}">
-                <a16:creationId xmlns:a16="http://schemas.microsoft.com/office/drawing/2014/main" id="{0D149583-5C1E-4591-B65A-6D3E6A37EFB6}"/>
-              </a:ext>
-            </a:extLst>
-          </p:cNvPr>
-          <p:cNvPicPr>
-            <a:picLocks noChangeAspect="1"/>
-          </p:cNvPicPr>
-          <p:nvPr/>
-        </p:nvPicPr>
-        <p:blipFill>
-          <a:blip r:embed="rId5"/>
-          <a:stretch>
-            <a:fillRect/>
-          </a:stretch>
-        </p:blipFill>
-        <p:spPr>
-          <a:xfrm>
-            <a:off x="5516089" y="2421923"/>
-            <a:ext cx="3881251" cy="2033945"/>
-          </a:xfrm>
-          <a:prstGeom prst="rect">
-            <a:avLst/>
-          </a:prstGeom>
-        </p:spPr>
-      </p:pic>
-      <p:pic>
-        <p:nvPicPr>
-          <p:cNvPr id="7" name="Imagen 7" descr="Icono&#10;&#10;Descripción generada automáticamente">
-            <a:extLst>
-              <a:ext uri="{FF2B5EF4-FFF2-40B4-BE49-F238E27FC236}">
-                <a16:creationId xmlns:a16="http://schemas.microsoft.com/office/drawing/2014/main" id="{E6743951-123C-4F62-8959-70BF7F1E1C7B}"/>
-              </a:ext>
-            </a:extLst>
-          </p:cNvPr>
-          <p:cNvPicPr>
-            <a:picLocks noChangeAspect="1"/>
-          </p:cNvPicPr>
-          <p:nvPr/>
-        </p:nvPicPr>
-        <p:blipFill>
-          <a:blip r:embed="rId6"/>
-          <a:stretch>
-            <a:fillRect/>
-          </a:stretch>
-        </p:blipFill>
-        <p:spPr>
-          <a:xfrm>
-            <a:off x="9128166" y="2017697"/>
-            <a:ext cx="2327565" cy="2525724"/>
+            <a:off x="6731893" y="3487755"/>
+            <a:ext cx="1503463" cy="434005"/>
           </a:xfrm>
           <a:prstGeom prst="rect">
             <a:avLst/>
@@ -13454,7 +13551,7 @@
     </p:spTree>
     <p:extLst>
       <p:ext uri="{BB962C8B-B14F-4D97-AF65-F5344CB8AC3E}">
-        <p14:creationId xmlns:p14="http://schemas.microsoft.com/office/powerpoint/2010/main" val="330979428"/>
+        <p14:creationId xmlns:p14="http://schemas.microsoft.com/office/powerpoint/2010/main" val="275676391"/>
       </p:ext>
     </p:extLst>
   </p:cSld>
@@ -13464,7 +13561,7 @@
 </p:sld>
 </file>
 
-<file path=ppt/slides/slide4.xml><?xml version="1.0" encoding="utf-8"?>
+<file path=ppt/slides/slide12.xml><?xml version="1.0" encoding="utf-8"?>
 <p:sld xmlns:a="http://schemas.openxmlformats.org/drawingml/2006/main" xmlns:r="http://schemas.openxmlformats.org/officeDocument/2006/relationships" xmlns:p="http://schemas.openxmlformats.org/presentationml/2006/main">
   <p:cSld>
     <p:bg>
@@ -14593,11 +14690,22 @@
               </a:lnSpc>
             </a:pPr>
             <a:r>
-              <a:rPr lang="en-US" dirty="0"/>
-              <a:t>GIT</a:t>
+              <a:rPr lang="es-BO" dirty="0" err="1">
+                <a:ea typeface="+mj-lt"/>
+                <a:cs typeface="+mj-lt"/>
+              </a:rPr>
+              <a:t>Página</a:t>
             </a:r>
-            <a:endParaRPr lang="en-US" sz="6400" kern="1200" dirty="0">
-              <a:latin typeface="+mj-lt"/>
+            <a:r>
+              <a:rPr lang="en-US" dirty="0">
+                <a:ea typeface="+mj-lt"/>
+                <a:cs typeface="+mj-lt"/>
+              </a:rPr>
+              <a:t> Web </a:t>
+            </a:r>
+            <a:endParaRPr lang="es-ES">
+              <a:ea typeface="+mj-lt"/>
+              <a:cs typeface="+mj-lt"/>
             </a:endParaRPr>
           </a:p>
         </p:txBody>
@@ -14605,7 +14713,7 @@
     </p:spTree>
     <p:extLst>
       <p:ext uri="{BB962C8B-B14F-4D97-AF65-F5344CB8AC3E}">
-        <p14:creationId xmlns:p14="http://schemas.microsoft.com/office/powerpoint/2010/main" val="560021826"/>
+        <p14:creationId xmlns:p14="http://schemas.microsoft.com/office/powerpoint/2010/main" val="423468124"/>
       </p:ext>
     </p:extLst>
   </p:cSld>
@@ -14615,7 +14723,7 @@
 </p:sld>
 </file>
 
-<file path=ppt/slides/slide5.xml><?xml version="1.0" encoding="utf-8"?>
+<file path=ppt/slides/slide13.xml><?xml version="1.0" encoding="utf-8"?>
 <p:sld xmlns:a="http://schemas.openxmlformats.org/drawingml/2006/main" xmlns:r="http://schemas.openxmlformats.org/officeDocument/2006/relationships" xmlns:p="http://schemas.openxmlformats.org/presentationml/2006/main">
   <p:cSld>
     <p:spTree>
@@ -14661,7 +14769,7 @@
             <a:fld id="{DBA1B0FB-D917-4C8C-928F-313BD683BF39}" type="slidenum">
               <a:rPr lang="en-US" smtClean="0"/>
               <a:pPr/>
-              <a:t>5</a:t>
+              <a:t>13</a:t>
             </a:fld>
             <a:endParaRPr lang="en-US"/>
           </a:p>
@@ -14669,58 +14777,223 @@
       </p:sp>
       <p:sp>
         <p:nvSpPr>
-          <p:cNvPr id="4" name="Título 3">
-            <a:extLst>
-              <a:ext uri="{FF2B5EF4-FFF2-40B4-BE49-F238E27FC236}">
-                <a16:creationId xmlns:a16="http://schemas.microsoft.com/office/drawing/2014/main" id="{D1CB2412-9BCA-414A-8E8E-8613F2F2851D}"/>
-              </a:ext>
-            </a:extLst>
-          </p:cNvPr>
-          <p:cNvSpPr>
-            <a:spLocks noGrp="1"/>
-          </p:cNvSpPr>
-          <p:nvPr>
-            <p:ph type="title"/>
-          </p:nvPr>
-        </p:nvSpPr>
-        <p:spPr/>
+          <p:cNvPr id="10" name="CuadroTexto 9">
+            <a:extLst>
+              <a:ext uri="{FF2B5EF4-FFF2-40B4-BE49-F238E27FC236}">
+                <a16:creationId xmlns:a16="http://schemas.microsoft.com/office/drawing/2014/main" id="{485C0798-399F-4728-BF36-0D1242AC8332}"/>
+              </a:ext>
+            </a:extLst>
+          </p:cNvPr>
+          <p:cNvSpPr txBox="1"/>
+          <p:nvPr/>
+        </p:nvSpPr>
+        <p:spPr>
+          <a:xfrm>
+            <a:off x="7663543" y="1161802"/>
+            <a:ext cx="2733304" cy="646331"/>
+          </a:xfrm>
+          <a:prstGeom prst="rect">
+            <a:avLst/>
+          </a:prstGeom>
+          <a:noFill/>
+        </p:spPr>
         <p:txBody>
-          <a:bodyPr/>
+          <a:bodyPr rot="0" spcFirstLastPara="0" vertOverflow="overflow" horzOverflow="overflow" vert="horz" wrap="square" lIns="91440" tIns="45720" rIns="91440" bIns="45720" numCol="1" spcCol="0" rtlCol="0" fromWordArt="0" anchor="t" anchorCtr="0" forceAA="0" compatLnSpc="1">
+            <a:prstTxWarp prst="textNoShape">
+              <a:avLst/>
+            </a:prstTxWarp>
+            <a:spAutoFit/>
+          </a:bodyPr>
           <a:lstStyle/>
           <a:p>
+            <a:pPr algn="l"/>
+            <a:r>
+              <a:rPr lang="es-ES" dirty="0" err="1"/>
+              <a:t>Backend</a:t>
+            </a:r>
+            <a:endParaRPr lang="es-ES" dirty="0"/>
+          </a:p>
+          <a:p>
+            <a:endParaRPr lang="es-ES" dirty="0"/>
+          </a:p>
+        </p:txBody>
+      </p:sp>
+      <p:sp>
+        <p:nvSpPr>
+          <p:cNvPr id="12" name="CuadroTexto 11">
+            <a:extLst>
+              <a:ext uri="{FF2B5EF4-FFF2-40B4-BE49-F238E27FC236}">
+                <a16:creationId xmlns:a16="http://schemas.microsoft.com/office/drawing/2014/main" id="{951E7D88-BA06-41BA-AD45-4E30A41A003A}"/>
+              </a:ext>
+            </a:extLst>
+          </p:cNvPr>
+          <p:cNvSpPr txBox="1"/>
+          <p:nvPr/>
+        </p:nvSpPr>
+        <p:spPr>
+          <a:xfrm>
+            <a:off x="10434452" y="4595750"/>
+            <a:ext cx="1387434" cy="369332"/>
+          </a:xfrm>
+          <a:prstGeom prst="rect">
+            <a:avLst/>
+          </a:prstGeom>
+          <a:noFill/>
+        </p:spPr>
+        <p:txBody>
+          <a:bodyPr rot="0" spcFirstLastPara="0" vertOverflow="overflow" horzOverflow="overflow" vert="horz" wrap="square" lIns="91440" tIns="45720" rIns="91440" bIns="45720" numCol="1" spcCol="0" rtlCol="0" fromWordArt="0" anchor="t" anchorCtr="0" forceAA="0" compatLnSpc="1">
+            <a:prstTxWarp prst="textNoShape">
+              <a:avLst/>
+            </a:prstTxWarp>
+            <a:spAutoFit/>
+          </a:bodyPr>
+          <a:lstStyle/>
+          <a:p>
+            <a:r>
+              <a:rPr lang="es-ES" dirty="0" err="1"/>
+              <a:t>Frontend</a:t>
+            </a:r>
+          </a:p>
+        </p:txBody>
+      </p:sp>
+      <p:sp>
+        <p:nvSpPr>
+          <p:cNvPr id="11" name="Rectángulo: esquinas redondeadas 10">
+            <a:extLst>
+              <a:ext uri="{FF2B5EF4-FFF2-40B4-BE49-F238E27FC236}">
+                <a16:creationId xmlns:a16="http://schemas.microsoft.com/office/drawing/2014/main" id="{EE27C9B5-B1B6-4E24-9FF9-D750C34E7098}"/>
+              </a:ext>
+            </a:extLst>
+          </p:cNvPr>
+          <p:cNvSpPr/>
+          <p:nvPr/>
+        </p:nvSpPr>
+        <p:spPr>
+          <a:xfrm>
+            <a:off x="2416999" y="3837090"/>
+            <a:ext cx="7847609" cy="2058389"/>
+          </a:xfrm>
+          <a:prstGeom prst="roundRect">
+            <a:avLst/>
+          </a:prstGeom>
+          <a:noFill/>
+          <a:ln>
+            <a:solidFill>
+              <a:srgbClr val="FF0000"/>
+            </a:solidFill>
+          </a:ln>
+        </p:spPr>
+        <p:style>
+          <a:lnRef idx="2">
+            <a:schemeClr val="accent1">
+              <a:shade val="50000"/>
+            </a:schemeClr>
+          </a:lnRef>
+          <a:fillRef idx="1">
+            <a:schemeClr val="accent1"/>
+          </a:fillRef>
+          <a:effectRef idx="0">
+            <a:schemeClr val="accent1"/>
+          </a:effectRef>
+          <a:fontRef idx="minor">
+            <a:schemeClr val="lt1"/>
+          </a:fontRef>
+        </p:style>
+        <p:txBody>
+          <a:bodyPr rtlCol="0" anchor="ctr"/>
+          <a:lstStyle/>
+          <a:p>
+            <a:pPr algn="ctr"/>
             <a:endParaRPr lang="es-ES"/>
           </a:p>
         </p:txBody>
       </p:sp>
       <p:sp>
         <p:nvSpPr>
-          <p:cNvPr id="6" name="Marcador de contenido 5">
-            <a:extLst>
-              <a:ext uri="{FF2B5EF4-FFF2-40B4-BE49-F238E27FC236}">
-                <a16:creationId xmlns:a16="http://schemas.microsoft.com/office/drawing/2014/main" id="{4DDB4B5A-613F-4F66-9B9F-C20540CAC145}"/>
-              </a:ext>
-            </a:extLst>
-          </p:cNvPr>
-          <p:cNvSpPr>
-            <a:spLocks noGrp="1"/>
-          </p:cNvSpPr>
-          <p:nvPr>
-            <p:ph idx="1"/>
-          </p:nvPr>
-        </p:nvSpPr>
-        <p:spPr/>
+          <p:cNvPr id="14" name="Rectángulo: esquinas redondeadas 13">
+            <a:extLst>
+              <a:ext uri="{FF2B5EF4-FFF2-40B4-BE49-F238E27FC236}">
+                <a16:creationId xmlns:a16="http://schemas.microsoft.com/office/drawing/2014/main" id="{26CF3A86-A08D-4078-8818-458D5EA7B879}"/>
+              </a:ext>
+            </a:extLst>
+          </p:cNvPr>
+          <p:cNvSpPr/>
+          <p:nvPr/>
+        </p:nvSpPr>
+        <p:spPr>
+          <a:xfrm>
+            <a:off x="5326452" y="670336"/>
+            <a:ext cx="2167247" cy="1632857"/>
+          </a:xfrm>
+          <a:prstGeom prst="roundRect">
+            <a:avLst/>
+          </a:prstGeom>
+          <a:noFill/>
+          <a:ln>
+            <a:solidFill>
+              <a:srgbClr val="FF0000"/>
+            </a:solidFill>
+          </a:ln>
+        </p:spPr>
+        <p:style>
+          <a:lnRef idx="2">
+            <a:schemeClr val="accent1">
+              <a:shade val="50000"/>
+            </a:schemeClr>
+          </a:lnRef>
+          <a:fillRef idx="1">
+            <a:schemeClr val="accent1"/>
+          </a:fillRef>
+          <a:effectRef idx="0">
+            <a:schemeClr val="accent1"/>
+          </a:effectRef>
+          <a:fontRef idx="minor">
+            <a:schemeClr val="lt1"/>
+          </a:fontRef>
+        </p:style>
         <p:txBody>
-          <a:bodyPr/>
+          <a:bodyPr rtlCol="0" anchor="ctr"/>
           <a:lstStyle/>
           <a:p>
+            <a:pPr algn="ctr"/>
             <a:endParaRPr lang="es-ES"/>
           </a:p>
         </p:txBody>
       </p:sp>
+      <p:pic>
+        <p:nvPicPr>
+          <p:cNvPr id="9" name="Imagen 9" descr="Icono&#10;&#10;Descripción generada automáticamente">
+            <a:extLst>
+              <a:ext uri="{FF2B5EF4-FFF2-40B4-BE49-F238E27FC236}">
+                <a16:creationId xmlns:a16="http://schemas.microsoft.com/office/drawing/2014/main" id="{97E0411C-8793-4FF3-99F2-98D83C519A3D}"/>
+              </a:ext>
+            </a:extLst>
+          </p:cNvPr>
+          <p:cNvPicPr>
+            <a:picLocks noChangeAspect="1"/>
+          </p:cNvPicPr>
+          <p:nvPr/>
+        </p:nvPicPr>
+        <p:blipFill>
+          <a:blip r:embed="rId2"/>
+          <a:stretch>
+            <a:fillRect/>
+          </a:stretch>
+        </p:blipFill>
+        <p:spPr>
+          <a:xfrm>
+            <a:off x="2210790" y="564948"/>
+            <a:ext cx="7770420" cy="5619244"/>
+          </a:xfrm>
+          <a:prstGeom prst="rect">
+            <a:avLst/>
+          </a:prstGeom>
+        </p:spPr>
+      </p:pic>
     </p:spTree>
     <p:extLst>
       <p:ext uri="{BB962C8B-B14F-4D97-AF65-F5344CB8AC3E}">
-        <p14:creationId xmlns:p14="http://schemas.microsoft.com/office/powerpoint/2010/main" val="2496947791"/>
+        <p14:creationId xmlns:p14="http://schemas.microsoft.com/office/powerpoint/2010/main" val="1247350036"/>
       </p:ext>
     </p:extLst>
   </p:cSld>
@@ -14730,7 +15003,801 @@
 </p:sld>
 </file>
 
-<file path=ppt/slides/slide6.xml><?xml version="1.0" encoding="utf-8"?>
+<file path=ppt/slides/slide14.xml><?xml version="1.0" encoding="utf-8"?>
+<p:sld xmlns:a="http://schemas.openxmlformats.org/drawingml/2006/main" xmlns:r="http://schemas.openxmlformats.org/officeDocument/2006/relationships" xmlns:p="http://schemas.openxmlformats.org/presentationml/2006/main">
+  <p:cSld>
+    <p:spTree>
+      <p:nvGrpSpPr>
+        <p:cNvPr id="1" name=""/>
+        <p:cNvGrpSpPr/>
+        <p:nvPr/>
+      </p:nvGrpSpPr>
+      <p:grpSpPr>
+        <a:xfrm>
+          <a:off x="0" y="0"/>
+          <a:ext cx="0" cy="0"/>
+          <a:chOff x="0" y="0"/>
+          <a:chExt cx="0" cy="0"/>
+        </a:xfrm>
+      </p:grpSpPr>
+      <p:sp>
+        <p:nvSpPr>
+          <p:cNvPr id="2" name="Título 1">
+            <a:extLst>
+              <a:ext uri="{FF2B5EF4-FFF2-40B4-BE49-F238E27FC236}">
+                <a16:creationId xmlns:a16="http://schemas.microsoft.com/office/drawing/2014/main" id="{9A833A5C-0BFD-4225-80CA-2AA9437A19F6}"/>
+              </a:ext>
+            </a:extLst>
+          </p:cNvPr>
+          <p:cNvSpPr>
+            <a:spLocks noGrp="1"/>
+          </p:cNvSpPr>
+          <p:nvPr>
+            <p:ph type="title"/>
+          </p:nvPr>
+        </p:nvSpPr>
+        <p:spPr/>
+        <p:txBody>
+          <a:bodyPr/>
+          <a:lstStyle/>
+          <a:p>
+            <a:r>
+              <a:rPr lang="es-ES"/>
+              <a:t>Composición de una página web</a:t>
+            </a:r>
+          </a:p>
+        </p:txBody>
+      </p:sp>
+      <p:sp>
+        <p:nvSpPr>
+          <p:cNvPr id="4" name="Marcador de fecha 3">
+            <a:extLst>
+              <a:ext uri="{FF2B5EF4-FFF2-40B4-BE49-F238E27FC236}">
+                <a16:creationId xmlns:a16="http://schemas.microsoft.com/office/drawing/2014/main" id="{937BF704-7DF0-4E04-A518-30853FE3307D}"/>
+              </a:ext>
+            </a:extLst>
+          </p:cNvPr>
+          <p:cNvSpPr>
+            <a:spLocks noGrp="1"/>
+          </p:cNvSpPr>
+          <p:nvPr>
+            <p:ph type="dt" sz="half" idx="10"/>
+          </p:nvPr>
+        </p:nvSpPr>
+        <p:spPr/>
+        <p:txBody>
+          <a:bodyPr/>
+          <a:lstStyle/>
+          <a:p>
+            <a:r>
+              <a:rPr lang="en-US"/>
+              <a:t>Tuesday, February 2, 20XX</a:t>
+            </a:r>
+          </a:p>
+        </p:txBody>
+      </p:sp>
+      <p:sp>
+        <p:nvSpPr>
+          <p:cNvPr id="6" name="Marcador de número de diapositiva 5">
+            <a:extLst>
+              <a:ext uri="{FF2B5EF4-FFF2-40B4-BE49-F238E27FC236}">
+                <a16:creationId xmlns:a16="http://schemas.microsoft.com/office/drawing/2014/main" id="{7A1B33F7-DCC4-4309-A40E-1DE9DC5DE73E}"/>
+              </a:ext>
+            </a:extLst>
+          </p:cNvPr>
+          <p:cNvSpPr>
+            <a:spLocks noGrp="1"/>
+          </p:cNvSpPr>
+          <p:nvPr>
+            <p:ph type="sldNum" sz="quarter" idx="12"/>
+          </p:nvPr>
+        </p:nvSpPr>
+        <p:spPr/>
+        <p:txBody>
+          <a:bodyPr/>
+          <a:lstStyle/>
+          <a:p>
+            <a:fld id="{DBA1B0FB-D917-4C8C-928F-313BD683BF39}" type="slidenum">
+              <a:rPr lang="en-US" smtClean="0"/>
+              <a:t>14</a:t>
+            </a:fld>
+            <a:endParaRPr lang="en-US"/>
+          </a:p>
+        </p:txBody>
+      </p:sp>
+      <p:pic>
+        <p:nvPicPr>
+          <p:cNvPr id="7" name="Imagen 7" descr="Logotipo, Icono&#10;&#10;Descripción generada automáticamente">
+            <a:extLst>
+              <a:ext uri="{FF2B5EF4-FFF2-40B4-BE49-F238E27FC236}">
+                <a16:creationId xmlns:a16="http://schemas.microsoft.com/office/drawing/2014/main" id="{0BA42913-1ED7-4569-89A5-4C7583DC463A}"/>
+              </a:ext>
+            </a:extLst>
+          </p:cNvPr>
+          <p:cNvPicPr>
+            <a:picLocks noChangeAspect="1"/>
+          </p:cNvPicPr>
+          <p:nvPr/>
+        </p:nvPicPr>
+        <p:blipFill>
+          <a:blip r:embed="rId2"/>
+          <a:stretch>
+            <a:fillRect/>
+          </a:stretch>
+        </p:blipFill>
+        <p:spPr>
+          <a:xfrm>
+            <a:off x="4714504" y="1661556"/>
+            <a:ext cx="2743200" cy="2743200"/>
+          </a:xfrm>
+          <a:prstGeom prst="rect">
+            <a:avLst/>
+          </a:prstGeom>
+        </p:spPr>
+      </p:pic>
+      <p:pic>
+        <p:nvPicPr>
+          <p:cNvPr id="8" name="Imagen 8" descr="Icono&#10;&#10;Descripción generada automáticamente">
+            <a:extLst>
+              <a:ext uri="{FF2B5EF4-FFF2-40B4-BE49-F238E27FC236}">
+                <a16:creationId xmlns:a16="http://schemas.microsoft.com/office/drawing/2014/main" id="{AD277E8C-05BF-4316-ABB6-F4B9A031D3C0}"/>
+              </a:ext>
+            </a:extLst>
+          </p:cNvPr>
+          <p:cNvPicPr>
+            <a:picLocks noChangeAspect="1"/>
+          </p:cNvPicPr>
+          <p:nvPr/>
+        </p:nvPicPr>
+        <p:blipFill>
+          <a:blip r:embed="rId3"/>
+          <a:stretch>
+            <a:fillRect/>
+          </a:stretch>
+        </p:blipFill>
+        <p:spPr>
+          <a:xfrm>
+            <a:off x="548244" y="1661557"/>
+            <a:ext cx="2743200" cy="2743200"/>
+          </a:xfrm>
+          <a:prstGeom prst="rect">
+            <a:avLst/>
+          </a:prstGeom>
+        </p:spPr>
+      </p:pic>
+      <p:pic>
+        <p:nvPicPr>
+          <p:cNvPr id="9" name="Imagen 9" descr="Logotipo, Icono&#10;&#10;Descripción generada automáticamente">
+            <a:extLst>
+              <a:ext uri="{FF2B5EF4-FFF2-40B4-BE49-F238E27FC236}">
+                <a16:creationId xmlns:a16="http://schemas.microsoft.com/office/drawing/2014/main" id="{F6082E90-5D52-4CB0-B3E4-B79AE1F0AC63}"/>
+              </a:ext>
+            </a:extLst>
+          </p:cNvPr>
+          <p:cNvPicPr>
+            <a:picLocks noChangeAspect="1"/>
+          </p:cNvPicPr>
+          <p:nvPr/>
+        </p:nvPicPr>
+        <p:blipFill>
+          <a:blip r:embed="rId4"/>
+          <a:stretch>
+            <a:fillRect/>
+          </a:stretch>
+        </p:blipFill>
+        <p:spPr>
+          <a:xfrm>
+            <a:off x="8880764" y="1821527"/>
+            <a:ext cx="2466110" cy="2482634"/>
+          </a:xfrm>
+          <a:prstGeom prst="rect">
+            <a:avLst/>
+          </a:prstGeom>
+        </p:spPr>
+      </p:pic>
+      <p:pic>
+        <p:nvPicPr>
+          <p:cNvPr id="10" name="Imagen 10" descr="Texto&#10;&#10;Descripción generada automáticamente">
+            <a:extLst>
+              <a:ext uri="{FF2B5EF4-FFF2-40B4-BE49-F238E27FC236}">
+                <a16:creationId xmlns:a16="http://schemas.microsoft.com/office/drawing/2014/main" id="{18EA8FDB-23E8-4028-9221-5B1BC46ABB72}"/>
+              </a:ext>
+            </a:extLst>
+          </p:cNvPr>
+          <p:cNvPicPr>
+            <a:picLocks noChangeAspect="1"/>
+          </p:cNvPicPr>
+          <p:nvPr/>
+        </p:nvPicPr>
+        <p:blipFill>
+          <a:blip r:embed="rId5"/>
+          <a:stretch>
+            <a:fillRect/>
+          </a:stretch>
+        </p:blipFill>
+        <p:spPr>
+          <a:xfrm>
+            <a:off x="548244" y="4405869"/>
+            <a:ext cx="2743200" cy="1885950"/>
+          </a:xfrm>
+          <a:prstGeom prst="rect">
+            <a:avLst/>
+          </a:prstGeom>
+        </p:spPr>
+      </p:pic>
+      <p:pic>
+        <p:nvPicPr>
+          <p:cNvPr id="11" name="Imagen 11" descr="Texto&#10;&#10;Descripción generada automáticamente">
+            <a:extLst>
+              <a:ext uri="{FF2B5EF4-FFF2-40B4-BE49-F238E27FC236}">
+                <a16:creationId xmlns:a16="http://schemas.microsoft.com/office/drawing/2014/main" id="{7F9850D7-4FAD-4DD4-8852-BE1C20EBB6E1}"/>
+              </a:ext>
+            </a:extLst>
+          </p:cNvPr>
+          <p:cNvPicPr>
+            <a:picLocks noChangeAspect="1"/>
+          </p:cNvPicPr>
+          <p:nvPr/>
+        </p:nvPicPr>
+        <p:blipFill>
+          <a:blip r:embed="rId6"/>
+          <a:stretch>
+            <a:fillRect/>
+          </a:stretch>
+        </p:blipFill>
+        <p:spPr>
+          <a:xfrm>
+            <a:off x="4506686" y="4402235"/>
+            <a:ext cx="3133271" cy="1871776"/>
+          </a:xfrm>
+          <a:prstGeom prst="rect">
+            <a:avLst/>
+          </a:prstGeom>
+        </p:spPr>
+      </p:pic>
+      <p:pic>
+        <p:nvPicPr>
+          <p:cNvPr id="12" name="Imagen 12" descr="Texto&#10;&#10;Descripción generada automáticamente">
+            <a:extLst>
+              <a:ext uri="{FF2B5EF4-FFF2-40B4-BE49-F238E27FC236}">
+                <a16:creationId xmlns:a16="http://schemas.microsoft.com/office/drawing/2014/main" id="{4CD8C28E-897F-43FC-982B-AAF0D6E12FED}"/>
+              </a:ext>
+            </a:extLst>
+          </p:cNvPr>
+          <p:cNvPicPr>
+            <a:picLocks noChangeAspect="1"/>
+          </p:cNvPicPr>
+          <p:nvPr/>
+        </p:nvPicPr>
+        <p:blipFill>
+          <a:blip r:embed="rId7"/>
+          <a:stretch>
+            <a:fillRect/>
+          </a:stretch>
+        </p:blipFill>
+        <p:spPr>
+          <a:xfrm>
+            <a:off x="8271329" y="4815332"/>
+            <a:ext cx="3686628" cy="565622"/>
+          </a:xfrm>
+          <a:prstGeom prst="rect">
+            <a:avLst/>
+          </a:prstGeom>
+        </p:spPr>
+      </p:pic>
+    </p:spTree>
+    <p:extLst>
+      <p:ext uri="{BB962C8B-B14F-4D97-AF65-F5344CB8AC3E}">
+        <p14:creationId xmlns:p14="http://schemas.microsoft.com/office/powerpoint/2010/main" val="2134012263"/>
+      </p:ext>
+    </p:extLst>
+  </p:cSld>
+  <p:clrMapOvr>
+    <a:masterClrMapping/>
+  </p:clrMapOvr>
+</p:sld>
+</file>
+
+<file path=ppt/slides/slide2.xml><?xml version="1.0" encoding="utf-8"?>
+<p:sld xmlns:a="http://schemas.openxmlformats.org/drawingml/2006/main" xmlns:r="http://schemas.openxmlformats.org/officeDocument/2006/relationships" xmlns:p="http://schemas.openxmlformats.org/presentationml/2006/main">
+  <p:cSld>
+    <p:spTree>
+      <p:nvGrpSpPr>
+        <p:cNvPr id="1" name=""/>
+        <p:cNvGrpSpPr/>
+        <p:nvPr/>
+      </p:nvGrpSpPr>
+      <p:grpSpPr>
+        <a:xfrm>
+          <a:off x="0" y="0"/>
+          <a:ext cx="0" cy="0"/>
+          <a:chOff x="0" y="0"/>
+          <a:chExt cx="0" cy="0"/>
+        </a:xfrm>
+      </p:grpSpPr>
+      <p:sp>
+        <p:nvSpPr>
+          <p:cNvPr id="2" name="Title 1">
+            <a:extLst>
+              <a:ext uri="{FF2B5EF4-FFF2-40B4-BE49-F238E27FC236}">
+                <a16:creationId xmlns:a16="http://schemas.microsoft.com/office/drawing/2014/main" id="{0046426E-F6F6-4A7C-9181-8C3090996261}"/>
+              </a:ext>
+            </a:extLst>
+          </p:cNvPr>
+          <p:cNvSpPr>
+            <a:spLocks noGrp="1"/>
+          </p:cNvSpPr>
+          <p:nvPr>
+            <p:ph type="title"/>
+          </p:nvPr>
+        </p:nvSpPr>
+        <p:spPr>
+          <a:xfrm>
+            <a:off x="550864" y="549275"/>
+            <a:ext cx="3565524" cy="1997855"/>
+          </a:xfrm>
+        </p:spPr>
+        <p:txBody>
+          <a:bodyPr/>
+          <a:lstStyle/>
+          <a:p>
+            <a:r>
+              <a:rPr lang="en-US" dirty="0"/>
+              <a:t>Agenda</a:t>
+            </a:r>
+          </a:p>
+        </p:txBody>
+      </p:sp>
+      <p:sp>
+        <p:nvSpPr>
+          <p:cNvPr id="3" name="Content Placeholder 2">
+            <a:extLst>
+              <a:ext uri="{FF2B5EF4-FFF2-40B4-BE49-F238E27FC236}">
+                <a16:creationId xmlns:a16="http://schemas.microsoft.com/office/drawing/2014/main" id="{D3B60D6F-4D0F-4D33-B2A7-159C8583FF00}"/>
+              </a:ext>
+            </a:extLst>
+          </p:cNvPr>
+          <p:cNvSpPr>
+            <a:spLocks noGrp="1"/>
+          </p:cNvSpPr>
+          <p:nvPr>
+            <p:ph idx="1"/>
+          </p:nvPr>
+        </p:nvSpPr>
+        <p:spPr>
+          <a:xfrm>
+            <a:off x="550863" y="2677306"/>
+            <a:ext cx="3565525" cy="3415519"/>
+          </a:xfrm>
+        </p:spPr>
+        <p:txBody>
+          <a:bodyPr/>
+          <a:lstStyle/>
+          <a:p>
+            <a:r>
+              <a:rPr lang="es-ES" dirty="0">
+                <a:ea typeface="+mn-lt"/>
+                <a:cs typeface="+mn-lt"/>
+              </a:rPr>
+              <a:t>Instalación del ambiente</a:t>
+            </a:r>
+            <a:r>
+              <a:rPr lang="es-ES" dirty="0"/>
+              <a:t> </a:t>
+            </a:r>
+            <a:endParaRPr lang="es-ES" dirty="0">
+              <a:solidFill>
+                <a:srgbClr val="FFFFFF">
+                  <a:alpha val="60000"/>
+                </a:srgbClr>
+              </a:solidFill>
+            </a:endParaRPr>
+          </a:p>
+          <a:p>
+            <a:r>
+              <a:rPr lang="es-ES" dirty="0">
+                <a:solidFill>
+                  <a:srgbClr val="FFFFFF">
+                    <a:alpha val="60000"/>
+                  </a:srgbClr>
+                </a:solidFill>
+              </a:rPr>
+              <a:t>Introducción a GIT</a:t>
+            </a:r>
+          </a:p>
+          <a:p>
+            <a:r>
+              <a:rPr lang="es-ES" dirty="0"/>
+              <a:t>Taller de GIT</a:t>
+            </a:r>
+            <a:endParaRPr lang="es-ES" dirty="0">
+              <a:solidFill>
+                <a:srgbClr val="FFFFFF">
+                  <a:alpha val="60000"/>
+                </a:srgbClr>
+              </a:solidFill>
+            </a:endParaRPr>
+          </a:p>
+          <a:p>
+            <a:r>
+              <a:rPr lang="es-ES" dirty="0"/>
+              <a:t>Introducción a HTML y CSS</a:t>
+            </a:r>
+            <a:endParaRPr lang="es-ES" dirty="0">
+              <a:solidFill>
+                <a:srgbClr val="FFFFFF">
+                  <a:alpha val="60000"/>
+                </a:srgbClr>
+              </a:solidFill>
+            </a:endParaRPr>
+          </a:p>
+          <a:p>
+            <a:r>
+              <a:rPr lang="es-ES" dirty="0"/>
+              <a:t>Taller HTML y CSS</a:t>
+            </a:r>
+            <a:endParaRPr lang="es-ES" dirty="0">
+              <a:solidFill>
+                <a:srgbClr val="FFFFFF">
+                  <a:alpha val="60000"/>
+                </a:srgbClr>
+              </a:solidFill>
+            </a:endParaRPr>
+          </a:p>
+          <a:p>
+            <a:endParaRPr lang="en-US" dirty="0"/>
+          </a:p>
+        </p:txBody>
+      </p:sp>
+      <p:pic>
+        <p:nvPicPr>
+          <p:cNvPr id="8" name="Picture Placeholder 7" descr="Logotipo, Icono&#10;&#10;Descripción generada automáticamente">
+            <a:extLst>
+              <a:ext uri="{FF2B5EF4-FFF2-40B4-BE49-F238E27FC236}">
+                <a16:creationId xmlns:a16="http://schemas.microsoft.com/office/drawing/2014/main" id="{06D2324F-3B7B-45EF-9584-C8EADD2C8C0B}"/>
+              </a:ext>
+            </a:extLst>
+          </p:cNvPr>
+          <p:cNvPicPr>
+            <a:picLocks noGrp="1" noChangeAspect="1"/>
+          </p:cNvPicPr>
+          <p:nvPr>
+            <p:ph type="pic" sz="quarter" idx="13"/>
+          </p:nvPr>
+        </p:nvPicPr>
+        <p:blipFill rotWithShape="1">
+          <a:blip r:embed="rId2"/>
+          <a:srcRect/>
+          <a:stretch/>
+        </p:blipFill>
+        <p:spPr>
+          <a:xfrm>
+            <a:off x="5208928" y="1596771"/>
+            <a:ext cx="3448558" cy="3448558"/>
+          </a:xfrm>
+          <a:ln>
+            <a:noFill/>
+          </a:ln>
+        </p:spPr>
+      </p:pic>
+      <p:pic>
+        <p:nvPicPr>
+          <p:cNvPr id="10" name="Picture Placeholder 9" descr="Icono&#10;&#10;Descripción generada automáticamente">
+            <a:extLst>
+              <a:ext uri="{FF2B5EF4-FFF2-40B4-BE49-F238E27FC236}">
+                <a16:creationId xmlns:a16="http://schemas.microsoft.com/office/drawing/2014/main" id="{71F862F9-0E8A-4DB9-8083-1C3AA6E5D777}"/>
+              </a:ext>
+            </a:extLst>
+          </p:cNvPr>
+          <p:cNvPicPr>
+            <a:picLocks noGrp="1" noChangeAspect="1"/>
+          </p:cNvPicPr>
+          <p:nvPr>
+            <p:ph type="pic" sz="quarter" idx="14"/>
+          </p:nvPr>
+        </p:nvPicPr>
+        <p:blipFill rotWithShape="1">
+          <a:blip r:embed="rId3"/>
+          <a:srcRect/>
+          <a:stretch/>
+        </p:blipFill>
+        <p:spPr>
+          <a:xfrm>
+            <a:off x="8918575" y="596392"/>
+            <a:ext cx="2263776" cy="2263776"/>
+          </a:xfrm>
+        </p:spPr>
+      </p:pic>
+      <p:pic>
+        <p:nvPicPr>
+          <p:cNvPr id="12" name="Picture Placeholder 11" descr="Icono&#10;&#10;Descripción generada automáticamente">
+            <a:extLst>
+              <a:ext uri="{FF2B5EF4-FFF2-40B4-BE49-F238E27FC236}">
+                <a16:creationId xmlns:a16="http://schemas.microsoft.com/office/drawing/2014/main" id="{A63F39B9-0715-40B5-8ECB-9B983F99C690}"/>
+              </a:ext>
+            </a:extLst>
+          </p:cNvPr>
+          <p:cNvPicPr>
+            <a:picLocks noGrp="1" noChangeAspect="1"/>
+          </p:cNvPicPr>
+          <p:nvPr>
+            <p:ph type="pic" sz="quarter" idx="15"/>
+          </p:nvPr>
+        </p:nvPicPr>
+        <p:blipFill rotWithShape="1">
+          <a:blip r:embed="rId4"/>
+          <a:srcRect/>
+          <a:stretch/>
+        </p:blipFill>
+        <p:spPr>
+          <a:xfrm>
+            <a:off x="9091612" y="3324733"/>
+            <a:ext cx="2936876" cy="2936876"/>
+          </a:xfrm>
+        </p:spPr>
+      </p:pic>
+      <p:sp>
+        <p:nvSpPr>
+          <p:cNvPr id="15" name="Slide Number Placeholder 14">
+            <a:extLst>
+              <a:ext uri="{FF2B5EF4-FFF2-40B4-BE49-F238E27FC236}">
+                <a16:creationId xmlns:a16="http://schemas.microsoft.com/office/drawing/2014/main" id="{3B199C97-F175-437D-8311-DB662925C063}"/>
+              </a:ext>
+            </a:extLst>
+          </p:cNvPr>
+          <p:cNvSpPr>
+            <a:spLocks noGrp="1"/>
+          </p:cNvSpPr>
+          <p:nvPr>
+            <p:ph type="sldNum" sz="quarter" idx="12"/>
+          </p:nvPr>
+        </p:nvSpPr>
+        <p:spPr>
+          <a:xfrm>
+            <a:off x="9948863" y="6507212"/>
+            <a:ext cx="1692274" cy="153888"/>
+          </a:xfrm>
+        </p:spPr>
+        <p:txBody>
+          <a:bodyPr/>
+          <a:lstStyle/>
+          <a:p>
+            <a:fld id="{DBA1B0FB-D917-4C8C-928F-313BD683BF39}" type="slidenum">
+              <a:rPr lang="en-US" smtClean="0"/>
+              <a:pPr/>
+              <a:t>2</a:t>
+            </a:fld>
+            <a:endParaRPr lang="en-US"/>
+          </a:p>
+        </p:txBody>
+      </p:sp>
+    </p:spTree>
+    <p:extLst>
+      <p:ext uri="{BB962C8B-B14F-4D97-AF65-F5344CB8AC3E}">
+        <p14:creationId xmlns:p14="http://schemas.microsoft.com/office/powerpoint/2010/main" val="2313234867"/>
+      </p:ext>
+    </p:extLst>
+  </p:cSld>
+  <p:clrMapOvr>
+    <a:masterClrMapping/>
+  </p:clrMapOvr>
+</p:sld>
+</file>
+
+<file path=ppt/slides/slide3.xml><?xml version="1.0" encoding="utf-8"?>
+<p:sld xmlns:a="http://schemas.openxmlformats.org/drawingml/2006/main" xmlns:r="http://schemas.openxmlformats.org/officeDocument/2006/relationships" xmlns:p="http://schemas.openxmlformats.org/presentationml/2006/main">
+  <p:cSld>
+    <p:spTree>
+      <p:nvGrpSpPr>
+        <p:cNvPr id="1" name=""/>
+        <p:cNvGrpSpPr/>
+        <p:nvPr/>
+      </p:nvGrpSpPr>
+      <p:grpSpPr>
+        <a:xfrm>
+          <a:off x="0" y="0"/>
+          <a:ext cx="0" cy="0"/>
+          <a:chOff x="0" y="0"/>
+          <a:chExt cx="0" cy="0"/>
+        </a:xfrm>
+      </p:grpSpPr>
+      <p:sp>
+        <p:nvSpPr>
+          <p:cNvPr id="16" name="Slide Number Placeholder 15">
+            <a:extLst>
+              <a:ext uri="{FF2B5EF4-FFF2-40B4-BE49-F238E27FC236}">
+                <a16:creationId xmlns:a16="http://schemas.microsoft.com/office/drawing/2014/main" id="{3F8A62C8-5437-4C47-AC0F-0605F84CBA57}"/>
+              </a:ext>
+            </a:extLst>
+          </p:cNvPr>
+          <p:cNvSpPr>
+            <a:spLocks noGrp="1"/>
+          </p:cNvSpPr>
+          <p:nvPr>
+            <p:ph type="sldNum" sz="quarter" idx="12"/>
+          </p:nvPr>
+        </p:nvSpPr>
+        <p:spPr>
+          <a:xfrm>
+            <a:off x="9948863" y="6507212"/>
+            <a:ext cx="1692274" cy="153888"/>
+          </a:xfrm>
+        </p:spPr>
+        <p:txBody>
+          <a:bodyPr/>
+          <a:lstStyle/>
+          <a:p>
+            <a:fld id="{DBA1B0FB-D917-4C8C-928F-313BD683BF39}" type="slidenum">
+              <a:rPr lang="en-US" smtClean="0"/>
+              <a:pPr/>
+              <a:t>3</a:t>
+            </a:fld>
+            <a:endParaRPr lang="en-US"/>
+          </a:p>
+        </p:txBody>
+      </p:sp>
+      <p:sp>
+        <p:nvSpPr>
+          <p:cNvPr id="4" name="Título 3">
+            <a:extLst>
+              <a:ext uri="{FF2B5EF4-FFF2-40B4-BE49-F238E27FC236}">
+                <a16:creationId xmlns:a16="http://schemas.microsoft.com/office/drawing/2014/main" id="{D1CB2412-9BCA-414A-8E8E-8613F2F2851D}"/>
+              </a:ext>
+            </a:extLst>
+          </p:cNvPr>
+          <p:cNvSpPr>
+            <a:spLocks noGrp="1"/>
+          </p:cNvSpPr>
+          <p:nvPr>
+            <p:ph type="title"/>
+          </p:nvPr>
+        </p:nvSpPr>
+        <p:spPr/>
+        <p:txBody>
+          <a:bodyPr/>
+          <a:lstStyle/>
+          <a:p>
+            <a:r>
+              <a:rPr lang="es-ES"/>
+              <a:t>Instalación del Ambiente</a:t>
+            </a:r>
+          </a:p>
+        </p:txBody>
+      </p:sp>
+      <p:pic>
+        <p:nvPicPr>
+          <p:cNvPr id="2" name="Imagen 2" descr="Icono&#10;&#10;Descripción generada automáticamente">
+            <a:extLst>
+              <a:ext uri="{FF2B5EF4-FFF2-40B4-BE49-F238E27FC236}">
+                <a16:creationId xmlns:a16="http://schemas.microsoft.com/office/drawing/2014/main" id="{19C3B544-E309-4006-AD1C-77EC078E4CF4}"/>
+              </a:ext>
+            </a:extLst>
+          </p:cNvPr>
+          <p:cNvPicPr>
+            <a:picLocks noChangeAspect="1"/>
+          </p:cNvPicPr>
+          <p:nvPr/>
+        </p:nvPicPr>
+        <p:blipFill>
+          <a:blip r:embed="rId3"/>
+          <a:stretch>
+            <a:fillRect/>
+          </a:stretch>
+        </p:blipFill>
+        <p:spPr>
+          <a:xfrm>
+            <a:off x="553357" y="2476500"/>
+            <a:ext cx="1905000" cy="1905000"/>
+          </a:xfrm>
+          <a:prstGeom prst="rect">
+            <a:avLst/>
+          </a:prstGeom>
+        </p:spPr>
+      </p:pic>
+      <p:pic>
+        <p:nvPicPr>
+          <p:cNvPr id="3" name="Imagen 4" descr="Logotipo, Icono&#10;&#10;Descripción generada automáticamente">
+            <a:extLst>
+              <a:ext uri="{FF2B5EF4-FFF2-40B4-BE49-F238E27FC236}">
+                <a16:creationId xmlns:a16="http://schemas.microsoft.com/office/drawing/2014/main" id="{463F8C0B-569F-49DB-B02F-915E2194BAB3}"/>
+              </a:ext>
+            </a:extLst>
+          </p:cNvPr>
+          <p:cNvPicPr>
+            <a:picLocks noChangeAspect="1"/>
+          </p:cNvPicPr>
+          <p:nvPr/>
+        </p:nvPicPr>
+        <p:blipFill>
+          <a:blip r:embed="rId4"/>
+          <a:stretch>
+            <a:fillRect/>
+          </a:stretch>
+        </p:blipFill>
+        <p:spPr>
+          <a:xfrm>
+            <a:off x="3319153" y="2478751"/>
+            <a:ext cx="1892137" cy="1900499"/>
+          </a:xfrm>
+          <a:prstGeom prst="rect">
+            <a:avLst/>
+          </a:prstGeom>
+        </p:spPr>
+      </p:pic>
+      <p:pic>
+        <p:nvPicPr>
+          <p:cNvPr id="5" name="Imagen 6" descr="Icono&#10;&#10;Descripción generada automáticamente">
+            <a:extLst>
+              <a:ext uri="{FF2B5EF4-FFF2-40B4-BE49-F238E27FC236}">
+                <a16:creationId xmlns:a16="http://schemas.microsoft.com/office/drawing/2014/main" id="{0D149583-5C1E-4591-B65A-6D3E6A37EFB6}"/>
+              </a:ext>
+            </a:extLst>
+          </p:cNvPr>
+          <p:cNvPicPr>
+            <a:picLocks noChangeAspect="1"/>
+          </p:cNvPicPr>
+          <p:nvPr/>
+        </p:nvPicPr>
+        <p:blipFill>
+          <a:blip r:embed="rId5"/>
+          <a:stretch>
+            <a:fillRect/>
+          </a:stretch>
+        </p:blipFill>
+        <p:spPr>
+          <a:xfrm>
+            <a:off x="5516089" y="2421923"/>
+            <a:ext cx="3881251" cy="2033945"/>
+          </a:xfrm>
+          <a:prstGeom prst="rect">
+            <a:avLst/>
+          </a:prstGeom>
+        </p:spPr>
+      </p:pic>
+      <p:pic>
+        <p:nvPicPr>
+          <p:cNvPr id="7" name="Imagen 7" descr="Icono&#10;&#10;Descripción generada automáticamente">
+            <a:extLst>
+              <a:ext uri="{FF2B5EF4-FFF2-40B4-BE49-F238E27FC236}">
+                <a16:creationId xmlns:a16="http://schemas.microsoft.com/office/drawing/2014/main" id="{E6743951-123C-4F62-8959-70BF7F1E1C7B}"/>
+              </a:ext>
+            </a:extLst>
+          </p:cNvPr>
+          <p:cNvPicPr>
+            <a:picLocks noChangeAspect="1"/>
+          </p:cNvPicPr>
+          <p:nvPr/>
+        </p:nvPicPr>
+        <p:blipFill>
+          <a:blip r:embed="rId6"/>
+          <a:stretch>
+            <a:fillRect/>
+          </a:stretch>
+        </p:blipFill>
+        <p:spPr>
+          <a:xfrm>
+            <a:off x="9128166" y="2017697"/>
+            <a:ext cx="2327565" cy="2525724"/>
+          </a:xfrm>
+          <a:prstGeom prst="rect">
+            <a:avLst/>
+          </a:prstGeom>
+        </p:spPr>
+      </p:pic>
+    </p:spTree>
+    <p:extLst>
+      <p:ext uri="{BB962C8B-B14F-4D97-AF65-F5344CB8AC3E}">
+        <p14:creationId xmlns:p14="http://schemas.microsoft.com/office/powerpoint/2010/main" val="330979428"/>
+      </p:ext>
+    </p:extLst>
+  </p:cSld>
+  <p:clrMapOvr>
+    <a:masterClrMapping/>
+  </p:clrMapOvr>
+</p:sld>
+</file>
+
+<file path=ppt/slides/slide4.xml><?xml version="1.0" encoding="utf-8"?>
 <p:sld xmlns:a="http://schemas.openxmlformats.org/drawingml/2006/main" xmlns:r="http://schemas.openxmlformats.org/officeDocument/2006/relationships" xmlns:p="http://schemas.openxmlformats.org/presentationml/2006/main">
   <p:cSld>
     <p:bg>
@@ -15671,7 +16738,12 @@
             <a:fillRect/>
           </a:stretch>
         </p:blipFill>
-        <p:spPr/>
+        <p:spPr>
+          <a:xfrm>
+            <a:off x="0" y="0"/>
+            <a:ext cx="12192000" cy="6858000"/>
+          </a:xfrm>
+        </p:spPr>
       </p:pic>
       <p:sp>
         <p:nvSpPr>
@@ -15843,8 +16915,8 @@
         </p:nvSpPr>
         <p:spPr>
           <a:xfrm>
-            <a:off x="550863" y="549275"/>
-            <a:ext cx="5437187" cy="2986234"/>
+            <a:off x="6590948" y="3757671"/>
+            <a:ext cx="5437187" cy="1084271"/>
           </a:xfrm>
         </p:spPr>
         <p:txBody>
@@ -15859,30 +16931,1963 @@
               </a:lnSpc>
             </a:pPr>
             <a:r>
-              <a:rPr lang="es-BO" dirty="0" err="1">
-                <a:ea typeface="+mj-lt"/>
-                <a:cs typeface="+mj-lt"/>
-              </a:rPr>
-              <a:t>Página</a:t>
+              <a:rPr lang="en-US" dirty="0" err="1"/>
+              <a:t>Introducci</a:t>
             </a:r>
             <a:r>
-              <a:rPr lang="en-US" dirty="0">
-                <a:ea typeface="+mj-lt"/>
-                <a:cs typeface="+mj-lt"/>
-              </a:rPr>
-              <a:t> Web </a:t>
+              <a:rPr lang="es-CR" dirty="0" err="1"/>
+              <a:t>ón</a:t>
             </a:r>
-            <a:endParaRPr lang="es-ES">
-              <a:ea typeface="+mj-lt"/>
-              <a:cs typeface="+mj-lt"/>
+            <a:endParaRPr lang="en-US" sz="6400" kern="1200" dirty="0">
+              <a:latin typeface="+mj-lt"/>
             </a:endParaRPr>
           </a:p>
         </p:txBody>
       </p:sp>
+      <p:pic>
+        <p:nvPicPr>
+          <p:cNvPr id="3" name="Picture 2">
+            <a:extLst>
+              <a:ext uri="{FF2B5EF4-FFF2-40B4-BE49-F238E27FC236}">
+                <a16:creationId xmlns:a16="http://schemas.microsoft.com/office/drawing/2014/main" id="{1ADE5407-6119-4523-92C8-B09ACD6110B9}"/>
+              </a:ext>
+            </a:extLst>
+          </p:cNvPr>
+          <p:cNvPicPr>
+            <a:picLocks noChangeAspect="1"/>
+          </p:cNvPicPr>
+          <p:nvPr/>
+        </p:nvPicPr>
+        <p:blipFill>
+          <a:blip r:embed="rId4"/>
+          <a:stretch>
+            <a:fillRect/>
+          </a:stretch>
+        </p:blipFill>
+        <p:spPr>
+          <a:xfrm>
+            <a:off x="657784" y="1568961"/>
+            <a:ext cx="5057775" cy="2628900"/>
+          </a:xfrm>
+          <a:prstGeom prst="rect">
+            <a:avLst/>
+          </a:prstGeom>
+        </p:spPr>
+      </p:pic>
     </p:spTree>
     <p:extLst>
       <p:ext uri="{BB962C8B-B14F-4D97-AF65-F5344CB8AC3E}">
-        <p14:creationId xmlns:p14="http://schemas.microsoft.com/office/powerpoint/2010/main" val="423468124"/>
+        <p14:creationId xmlns:p14="http://schemas.microsoft.com/office/powerpoint/2010/main" val="560021826"/>
+      </p:ext>
+    </p:extLst>
+  </p:cSld>
+  <p:clrMapOvr>
+    <a:masterClrMapping/>
+  </p:clrMapOvr>
+</p:sld>
+</file>
+
+<file path=ppt/slides/slide5.xml><?xml version="1.0" encoding="utf-8"?>
+<p:sld xmlns:a="http://schemas.openxmlformats.org/drawingml/2006/main" xmlns:r="http://schemas.openxmlformats.org/officeDocument/2006/relationships" xmlns:p="http://schemas.openxmlformats.org/presentationml/2006/main">
+  <p:cSld>
+    <p:bg>
+      <p:bgPr>
+        <a:solidFill>
+          <a:schemeClr val="bg2"/>
+        </a:solidFill>
+        <a:effectLst/>
+      </p:bgPr>
+    </p:bg>
+    <p:spTree>
+      <p:nvGrpSpPr>
+        <p:cNvPr id="1" name=""/>
+        <p:cNvGrpSpPr/>
+        <p:nvPr/>
+      </p:nvGrpSpPr>
+      <p:grpSpPr>
+        <a:xfrm>
+          <a:off x="0" y="0"/>
+          <a:ext cx="0" cy="0"/>
+          <a:chOff x="0" y="0"/>
+          <a:chExt cx="0" cy="0"/>
+        </a:xfrm>
+      </p:grpSpPr>
+      <p:sp useBgFill="1">
+        <p:nvSpPr>
+          <p:cNvPr id="21" name="Rectangle 20">
+            <a:extLst>
+              <a:ext uri="{FF2B5EF4-FFF2-40B4-BE49-F238E27FC236}">
+                <a16:creationId xmlns:a16="http://schemas.microsoft.com/office/drawing/2014/main" id="{A5931BE0-4B93-4D6C-878E-ACC59D6B4587}"/>
+              </a:ext>
+              <a:ext uri="{C183D7F6-B498-43B3-948B-1728B52AA6E4}">
+                <adec:decorative xmlns:adec="http://schemas.microsoft.com/office/drawing/2017/decorative" val="1"/>
+              </a:ext>
+            </a:extLst>
+          </p:cNvPr>
+          <p:cNvSpPr>
+            <a:spLocks noGrp="1" noRot="1" noChangeAspect="1" noMove="1" noResize="1" noEditPoints="1" noAdjustHandles="1" noChangeArrowheads="1" noChangeShapeType="1" noTextEdit="1"/>
+          </p:cNvSpPr>
+          <p:nvPr>
+            <p:extLst>
+              <p:ext uri="{386F3935-93C4-4BCD-93E2-E3B085C9AB24}">
+                <p16:designElem xmlns:p16="http://schemas.microsoft.com/office/powerpoint/2015/main" val="1"/>
+              </p:ext>
+            </p:extLst>
+          </p:nvPr>
+        </p:nvSpPr>
+        <p:spPr>
+          <a:xfrm>
+            <a:off x="0" y="0"/>
+            <a:ext cx="12192000" cy="6858000"/>
+          </a:xfrm>
+          <a:prstGeom prst="rect">
+            <a:avLst/>
+          </a:prstGeom>
+          <a:ln w="12700" cap="flat" cmpd="sng" algn="ctr">
+            <a:noFill/>
+            <a:prstDash val="solid"/>
+            <a:miter lim="800000"/>
+          </a:ln>
+          <a:effectLst/>
+          <a:extLst>
+            <a:ext uri="{91240B29-F687-4F45-9708-019B960494DF}">
+              <a14:hiddenLine xmlns:a14="http://schemas.microsoft.com/office/drawing/2010/main" w="12700" cap="flat" cmpd="sng" algn="ctr">
+                <a:solidFill>
+                  <a:schemeClr val="accent1">
+                    <a:shade val="50000"/>
+                  </a:schemeClr>
+                </a:solidFill>
+                <a:prstDash val="solid"/>
+                <a:miter lim="800000"/>
+              </a14:hiddenLine>
+            </a:ext>
+          </a:extLst>
+        </p:spPr>
+        <p:style>
+          <a:lnRef idx="2">
+            <a:schemeClr val="accent1">
+              <a:shade val="50000"/>
+            </a:schemeClr>
+          </a:lnRef>
+          <a:fillRef idx="1">
+            <a:schemeClr val="accent1"/>
+          </a:fillRef>
+          <a:effectRef idx="0">
+            <a:schemeClr val="accent1"/>
+          </a:effectRef>
+          <a:fontRef idx="minor">
+            <a:schemeClr val="lt1"/>
+          </a:fontRef>
+        </p:style>
+        <p:txBody>
+          <a:bodyPr rtlCol="0" anchor="ctr"/>
+          <a:lstStyle/>
+          <a:p>
+            <a:pPr algn="ctr"/>
+            <a:endParaRPr lang="en-US"/>
+          </a:p>
+        </p:txBody>
+      </p:sp>
+      <p:sp>
+        <p:nvSpPr>
+          <p:cNvPr id="4" name="Título 3">
+            <a:extLst>
+              <a:ext uri="{FF2B5EF4-FFF2-40B4-BE49-F238E27FC236}">
+                <a16:creationId xmlns:a16="http://schemas.microsoft.com/office/drawing/2014/main" id="{D1CB2412-9BCA-414A-8E8E-8613F2F2851D}"/>
+              </a:ext>
+            </a:extLst>
+          </p:cNvPr>
+          <p:cNvSpPr>
+            <a:spLocks noGrp="1"/>
+          </p:cNvSpPr>
+          <p:nvPr>
+            <p:ph type="title"/>
+          </p:nvPr>
+        </p:nvSpPr>
+        <p:spPr>
+          <a:xfrm>
+            <a:off x="550864" y="549275"/>
+            <a:ext cx="3565524" cy="1997855"/>
+          </a:xfrm>
+        </p:spPr>
+        <p:txBody>
+          <a:bodyPr wrap="square" anchor="b">
+            <a:normAutofit/>
+          </a:bodyPr>
+          <a:lstStyle/>
+          <a:p>
+            <a:r>
+              <a:rPr lang="es-ES" sz="6000" dirty="0"/>
+              <a:t>Git</a:t>
+            </a:r>
+          </a:p>
+        </p:txBody>
+      </p:sp>
+      <p:sp>
+        <p:nvSpPr>
+          <p:cNvPr id="6" name="Marcador de contenido 5">
+            <a:extLst>
+              <a:ext uri="{FF2B5EF4-FFF2-40B4-BE49-F238E27FC236}">
+                <a16:creationId xmlns:a16="http://schemas.microsoft.com/office/drawing/2014/main" id="{4DDB4B5A-613F-4F66-9B9F-C20540CAC145}"/>
+              </a:ext>
+            </a:extLst>
+          </p:cNvPr>
+          <p:cNvSpPr>
+            <a:spLocks noGrp="1"/>
+          </p:cNvSpPr>
+          <p:nvPr>
+            <p:ph idx="1"/>
+          </p:nvPr>
+        </p:nvSpPr>
+        <p:spPr>
+          <a:xfrm>
+            <a:off x="550863" y="2678400"/>
+            <a:ext cx="3565525" cy="3414425"/>
+          </a:xfrm>
+        </p:spPr>
+        <p:txBody>
+          <a:bodyPr anchor="t">
+            <a:normAutofit/>
+          </a:bodyPr>
+          <a:lstStyle/>
+          <a:p>
+            <a:r>
+              <a:rPr lang="en-AU" sz="2800" b="1" dirty="0">
+                <a:effectLst/>
+                <a:latin typeface="Calibri" panose="020F0502020204030204" pitchFamily="34" charset="0"/>
+                <a:ea typeface="Calibri" panose="020F0502020204030204" pitchFamily="34" charset="0"/>
+                <a:cs typeface="Times New Roman" panose="02020603050405020304" pitchFamily="18" charset="0"/>
+              </a:rPr>
+              <a:t>Que es Git</a:t>
+            </a:r>
+            <a:endParaRPr lang="en-US" sz="2800" dirty="0">
+              <a:effectLst/>
+              <a:latin typeface="Calibri" panose="020F0502020204030204" pitchFamily="34" charset="0"/>
+              <a:ea typeface="Calibri" panose="020F0502020204030204" pitchFamily="34" charset="0"/>
+              <a:cs typeface="Times New Roman" panose="02020603050405020304" pitchFamily="18" charset="0"/>
+            </a:endParaRPr>
+          </a:p>
+          <a:p>
+            <a:r>
+              <a:rPr lang="es-CR" sz="2800" b="1" dirty="0">
+                <a:effectLst/>
+                <a:latin typeface="Calibri" panose="020F0502020204030204" pitchFamily="34" charset="0"/>
+                <a:ea typeface="Calibri" panose="020F0502020204030204" pitchFamily="34" charset="0"/>
+                <a:cs typeface="Times New Roman" panose="02020603050405020304" pitchFamily="18" charset="0"/>
+              </a:rPr>
+              <a:t>Para qué sirve</a:t>
+            </a:r>
+            <a:endParaRPr lang="en-US" sz="2800" dirty="0">
+              <a:effectLst/>
+              <a:latin typeface="Calibri" panose="020F0502020204030204" pitchFamily="34" charset="0"/>
+              <a:ea typeface="Calibri" panose="020F0502020204030204" pitchFamily="34" charset="0"/>
+              <a:cs typeface="Times New Roman" panose="02020603050405020304" pitchFamily="18" charset="0"/>
+            </a:endParaRPr>
+          </a:p>
+        </p:txBody>
+      </p:sp>
+      <p:pic>
+        <p:nvPicPr>
+          <p:cNvPr id="5" name="Picture Placeholder 7" descr="Data Points Digital background">
+            <a:extLst>
+              <a:ext uri="{FF2B5EF4-FFF2-40B4-BE49-F238E27FC236}">
+                <a16:creationId xmlns:a16="http://schemas.microsoft.com/office/drawing/2014/main" id="{55F8424C-95C5-46CE-B579-4D769616A6A6}"/>
+              </a:ext>
+            </a:extLst>
+          </p:cNvPr>
+          <p:cNvPicPr>
+            <a:picLocks noChangeAspect="1"/>
+          </p:cNvPicPr>
+          <p:nvPr/>
+        </p:nvPicPr>
+        <p:blipFill rotWithShape="1">
+          <a:blip r:embed="rId2">
+            <a:extLst>
+              <a:ext uri="{28A0092B-C50C-407E-A947-70E740481C1C}">
+                <a14:useLocalDpi xmlns:a14="http://schemas.microsoft.com/office/drawing/2010/main" val="0"/>
+              </a:ext>
+            </a:extLst>
+          </a:blip>
+          <a:srcRect l="38744" r="5007" b="2"/>
+          <a:stretch/>
+        </p:blipFill>
+        <p:spPr>
+          <a:xfrm>
+            <a:off x="5588000" y="862806"/>
+            <a:ext cx="5132388" cy="5132388"/>
+          </a:xfrm>
+          <a:custGeom>
+            <a:avLst/>
+            <a:gdLst/>
+            <a:ahLst/>
+            <a:cxnLst/>
+            <a:rect l="l" t="t" r="r" b="b"/>
+            <a:pathLst>
+              <a:path w="5132388" h="5132388">
+                <a:moveTo>
+                  <a:pt x="2566194" y="0"/>
+                </a:moveTo>
+                <a:cubicBezTo>
+                  <a:pt x="3983464" y="0"/>
+                  <a:pt x="5132388" y="1148924"/>
+                  <a:pt x="5132388" y="2566194"/>
+                </a:cubicBezTo>
+                <a:cubicBezTo>
+                  <a:pt x="5132388" y="3983464"/>
+                  <a:pt x="3983464" y="5132388"/>
+                  <a:pt x="2566194" y="5132388"/>
+                </a:cubicBezTo>
+                <a:cubicBezTo>
+                  <a:pt x="1148924" y="5132388"/>
+                  <a:pt x="0" y="3983464"/>
+                  <a:pt x="0" y="2566194"/>
+                </a:cubicBezTo>
+                <a:cubicBezTo>
+                  <a:pt x="0" y="1148924"/>
+                  <a:pt x="1148924" y="0"/>
+                  <a:pt x="2566194" y="0"/>
+                </a:cubicBezTo>
+                <a:close/>
+              </a:path>
+            </a:pathLst>
+          </a:custGeom>
+        </p:spPr>
+      </p:pic>
+      <p:grpSp>
+        <p:nvGrpSpPr>
+          <p:cNvPr id="23" name="Group 22">
+            <a:extLst>
+              <a:ext uri="{FF2B5EF4-FFF2-40B4-BE49-F238E27FC236}">
+                <a16:creationId xmlns:a16="http://schemas.microsoft.com/office/drawing/2014/main" id="{183B29DA-9BB8-4BA8-B8E1-8C2B544078C7}"/>
+              </a:ext>
+              <a:ext uri="{C183D7F6-B498-43B3-948B-1728B52AA6E4}">
+                <adec:decorative xmlns:adec="http://schemas.microsoft.com/office/drawing/2017/decorative" val="1"/>
+              </a:ext>
+            </a:extLst>
+          </p:cNvPr>
+          <p:cNvGrpSpPr>
+            <a:grpSpLocks noGrp="1" noUngrp="1" noRot="1" noChangeAspect="1" noMove="1" noResize="1"/>
+          </p:cNvGrpSpPr>
+          <p:nvPr>
+            <p:extLst>
+              <p:ext uri="{386F3935-93C4-4BCD-93E2-E3B085C9AB24}">
+                <p16:designElem xmlns:p16="http://schemas.microsoft.com/office/powerpoint/2015/main" val="1"/>
+              </p:ext>
+            </p:extLst>
+          </p:nvPr>
+        </p:nvGrpSpPr>
+        <p:grpSpPr>
+          <a:xfrm>
+            <a:off x="10822156" y="4143453"/>
+            <a:ext cx="734257" cy="760506"/>
+            <a:chOff x="5243759" y="1363788"/>
+            <a:chExt cx="734257" cy="760506"/>
+          </a:xfrm>
+        </p:grpSpPr>
+        <p:sp>
+          <p:nvSpPr>
+            <p:cNvPr id="24" name="Freeform 5">
+              <a:extLst>
+                <a:ext uri="{FF2B5EF4-FFF2-40B4-BE49-F238E27FC236}">
+                  <a16:creationId xmlns:a16="http://schemas.microsoft.com/office/drawing/2014/main" id="{D02496F8-166D-469A-8040-08608013BF72}"/>
+                </a:ext>
+                <a:ext uri="{C183D7F6-B498-43B3-948B-1728B52AA6E4}">
+                  <adec:decorative xmlns:adec="http://schemas.microsoft.com/office/drawing/2017/decorative" val="1"/>
+                </a:ext>
+              </a:extLst>
+            </p:cNvPr>
+            <p:cNvSpPr>
+              <a:spLocks/>
+            </p:cNvSpPr>
+            <p:nvPr>
+              <p:extLst>
+                <p:ext uri="{386F3935-93C4-4BCD-93E2-E3B085C9AB24}">
+                  <p16:designElem xmlns:p16="http://schemas.microsoft.com/office/powerpoint/2015/main" val="1"/>
+                </p:ext>
+              </p:extLst>
+            </p:nvPr>
+          </p:nvSpPr>
+          <p:spPr bwMode="auto">
+            <a:xfrm rot="1800000">
+              <a:off x="5356930" y="1363788"/>
+              <a:ext cx="621086" cy="364601"/>
+            </a:xfrm>
+            <a:custGeom>
+              <a:avLst/>
+              <a:gdLst>
+                <a:gd name="T0" fmla="*/ 266 w 540"/>
+                <a:gd name="T1" fmla="*/ 0 h 317"/>
+                <a:gd name="T2" fmla="*/ 0 w 540"/>
+                <a:gd name="T3" fmla="*/ 158 h 317"/>
+                <a:gd name="T4" fmla="*/ 266 w 540"/>
+                <a:gd name="T5" fmla="*/ 317 h 317"/>
+                <a:gd name="T6" fmla="*/ 540 w 540"/>
+                <a:gd name="T7" fmla="*/ 158 h 317"/>
+                <a:gd name="T8" fmla="*/ 266 w 540"/>
+                <a:gd name="T9" fmla="*/ 0 h 317"/>
+              </a:gdLst>
+              <a:ahLst/>
+              <a:cxnLst>
+                <a:cxn ang="0">
+                  <a:pos x="T0" y="T1"/>
+                </a:cxn>
+                <a:cxn ang="0">
+                  <a:pos x="T2" y="T3"/>
+                </a:cxn>
+                <a:cxn ang="0">
+                  <a:pos x="T4" y="T5"/>
+                </a:cxn>
+                <a:cxn ang="0">
+                  <a:pos x="T6" y="T7"/>
+                </a:cxn>
+                <a:cxn ang="0">
+                  <a:pos x="T8" y="T9"/>
+                </a:cxn>
+              </a:cxnLst>
+              <a:rect l="0" t="0" r="r" b="b"/>
+              <a:pathLst>
+                <a:path w="540" h="317">
+                  <a:moveTo>
+                    <a:pt x="266" y="0"/>
+                  </a:moveTo>
+                  <a:lnTo>
+                    <a:pt x="0" y="158"/>
+                  </a:lnTo>
+                  <a:lnTo>
+                    <a:pt x="266" y="317"/>
+                  </a:lnTo>
+                  <a:lnTo>
+                    <a:pt x="540" y="158"/>
+                  </a:lnTo>
+                  <a:lnTo>
+                    <a:pt x="266" y="0"/>
+                  </a:lnTo>
+                  <a:close/>
+                </a:path>
+              </a:pathLst>
+            </a:custGeom>
+            <a:gradFill flip="none" rotWithShape="1">
+              <a:gsLst>
+                <a:gs pos="20000">
+                  <a:schemeClr val="bg2">
+                    <a:lumMod val="90000"/>
+                    <a:lumOff val="10000"/>
+                    <a:alpha val="20000"/>
+                  </a:schemeClr>
+                </a:gs>
+                <a:gs pos="100000">
+                  <a:schemeClr val="accent1">
+                    <a:lumMod val="60000"/>
+                    <a:lumOff val="40000"/>
+                    <a:alpha val="20000"/>
+                  </a:schemeClr>
+                </a:gs>
+              </a:gsLst>
+              <a:lin ang="0" scaled="0"/>
+              <a:tileRect/>
+            </a:gradFill>
+            <a:ln>
+              <a:noFill/>
+            </a:ln>
+            <a:effectLst>
+              <a:innerShdw blurRad="254000">
+                <a:schemeClr val="bg2">
+                  <a:lumMod val="90000"/>
+                  <a:lumOff val="10000"/>
+                </a:schemeClr>
+              </a:innerShdw>
+            </a:effectLst>
+          </p:spPr>
+          <p:style>
+            <a:lnRef idx="2">
+              <a:schemeClr val="accent1">
+                <a:shade val="50000"/>
+              </a:schemeClr>
+            </a:lnRef>
+            <a:fillRef idx="1">
+              <a:schemeClr val="accent1"/>
+            </a:fillRef>
+            <a:effectRef idx="0">
+              <a:schemeClr val="accent1"/>
+            </a:effectRef>
+            <a:fontRef idx="minor">
+              <a:schemeClr val="lt1"/>
+            </a:fontRef>
+          </p:style>
+          <p:txBody>
+            <a:bodyPr rot="0" spcFirstLastPara="0" vertOverflow="overflow" horzOverflow="overflow" vert="horz" wrap="square" lIns="91440" tIns="45720" rIns="91440" bIns="45720" numCol="1" spcCol="0" rtlCol="0" fromWordArt="0" anchor="ctr" anchorCtr="0" forceAA="0" compatLnSpc="1">
+              <a:prstTxWarp prst="textNoShape">
+                <a:avLst/>
+              </a:prstTxWarp>
+              <a:noAutofit/>
+            </a:bodyPr>
+            <a:lstStyle/>
+            <a:p>
+              <a:pPr algn="ctr"/>
+              <a:endParaRPr lang="en-US"/>
+            </a:p>
+          </p:txBody>
+        </p:sp>
+        <p:sp>
+          <p:nvSpPr>
+            <p:cNvPr id="25" name="Freeform 6">
+              <a:extLst>
+                <a:ext uri="{FF2B5EF4-FFF2-40B4-BE49-F238E27FC236}">
+                  <a16:creationId xmlns:a16="http://schemas.microsoft.com/office/drawing/2014/main" id="{23E648A7-A02A-4DC7-9FEC-489F1BA6F77F}"/>
+                </a:ext>
+                <a:ext uri="{C183D7F6-B498-43B3-948B-1728B52AA6E4}">
+                  <adec:decorative xmlns:adec="http://schemas.microsoft.com/office/drawing/2017/decorative" val="1"/>
+                </a:ext>
+              </a:extLst>
+            </p:cNvPr>
+            <p:cNvSpPr>
+              <a:spLocks/>
+            </p:cNvSpPr>
+            <p:nvPr>
+              <p:extLst>
+                <p:ext uri="{386F3935-93C4-4BCD-93E2-E3B085C9AB24}">
+                  <p16:designElem xmlns:p16="http://schemas.microsoft.com/office/powerpoint/2015/main" val="1"/>
+                </p:ext>
+              </p:extLst>
+            </p:nvPr>
+          </p:nvSpPr>
+          <p:spPr bwMode="auto">
+            <a:xfrm rot="1800000">
+              <a:off x="5243759" y="1430747"/>
+              <a:ext cx="305942" cy="538275"/>
+            </a:xfrm>
+            <a:custGeom>
+              <a:avLst/>
+              <a:gdLst>
+                <a:gd name="T0" fmla="*/ 266 w 266"/>
+                <a:gd name="T1" fmla="*/ 468 h 468"/>
+                <a:gd name="T2" fmla="*/ 0 w 266"/>
+                <a:gd name="T3" fmla="*/ 310 h 468"/>
+                <a:gd name="T4" fmla="*/ 0 w 266"/>
+                <a:gd name="T5" fmla="*/ 310 h 468"/>
+                <a:gd name="T6" fmla="*/ 0 w 266"/>
+                <a:gd name="T7" fmla="*/ 0 h 468"/>
+                <a:gd name="T8" fmla="*/ 0 w 266"/>
+                <a:gd name="T9" fmla="*/ 0 h 468"/>
+                <a:gd name="T10" fmla="*/ 266 w 266"/>
+                <a:gd name="T11" fmla="*/ 159 h 468"/>
+                <a:gd name="T12" fmla="*/ 266 w 266"/>
+                <a:gd name="T13" fmla="*/ 468 h 468"/>
+              </a:gdLst>
+              <a:ahLst/>
+              <a:cxnLst>
+                <a:cxn ang="0">
+                  <a:pos x="T0" y="T1"/>
+                </a:cxn>
+                <a:cxn ang="0">
+                  <a:pos x="T2" y="T3"/>
+                </a:cxn>
+                <a:cxn ang="0">
+                  <a:pos x="T4" y="T5"/>
+                </a:cxn>
+                <a:cxn ang="0">
+                  <a:pos x="T6" y="T7"/>
+                </a:cxn>
+                <a:cxn ang="0">
+                  <a:pos x="T8" y="T9"/>
+                </a:cxn>
+                <a:cxn ang="0">
+                  <a:pos x="T10" y="T11"/>
+                </a:cxn>
+                <a:cxn ang="0">
+                  <a:pos x="T12" y="T13"/>
+                </a:cxn>
+              </a:cxnLst>
+              <a:rect l="0" t="0" r="r" b="b"/>
+              <a:pathLst>
+                <a:path w="266" h="468">
+                  <a:moveTo>
+                    <a:pt x="266" y="468"/>
+                  </a:moveTo>
+                  <a:lnTo>
+                    <a:pt x="0" y="310"/>
+                  </a:lnTo>
+                  <a:lnTo>
+                    <a:pt x="0" y="310"/>
+                  </a:lnTo>
+                  <a:lnTo>
+                    <a:pt x="0" y="0"/>
+                  </a:lnTo>
+                  <a:lnTo>
+                    <a:pt x="0" y="0"/>
+                  </a:lnTo>
+                  <a:lnTo>
+                    <a:pt x="266" y="159"/>
+                  </a:lnTo>
+                  <a:lnTo>
+                    <a:pt x="266" y="468"/>
+                  </a:lnTo>
+                  <a:close/>
+                </a:path>
+              </a:pathLst>
+            </a:custGeom>
+            <a:gradFill flip="none" rotWithShape="1">
+              <a:gsLst>
+                <a:gs pos="20000">
+                  <a:schemeClr val="bg2">
+                    <a:lumMod val="90000"/>
+                    <a:lumOff val="10000"/>
+                    <a:alpha val="20000"/>
+                  </a:schemeClr>
+                </a:gs>
+                <a:gs pos="100000">
+                  <a:schemeClr val="accent1">
+                    <a:lumMod val="60000"/>
+                    <a:lumOff val="40000"/>
+                    <a:alpha val="20000"/>
+                  </a:schemeClr>
+                </a:gs>
+              </a:gsLst>
+              <a:lin ang="19800000" scaled="0"/>
+              <a:tileRect/>
+            </a:gradFill>
+            <a:ln>
+              <a:noFill/>
+            </a:ln>
+            <a:effectLst>
+              <a:innerShdw blurRad="254000">
+                <a:schemeClr val="bg2">
+                  <a:lumMod val="90000"/>
+                  <a:lumOff val="10000"/>
+                </a:schemeClr>
+              </a:innerShdw>
+            </a:effectLst>
+          </p:spPr>
+          <p:style>
+            <a:lnRef idx="2">
+              <a:schemeClr val="accent1">
+                <a:shade val="50000"/>
+              </a:schemeClr>
+            </a:lnRef>
+            <a:fillRef idx="1">
+              <a:schemeClr val="accent1"/>
+            </a:fillRef>
+            <a:effectRef idx="0">
+              <a:schemeClr val="accent1"/>
+            </a:effectRef>
+            <a:fontRef idx="minor">
+              <a:schemeClr val="lt1"/>
+            </a:fontRef>
+          </p:style>
+          <p:txBody>
+            <a:bodyPr rot="0" spcFirstLastPara="0" vertOverflow="overflow" horzOverflow="overflow" vert="horz" wrap="square" lIns="91440" tIns="45720" rIns="91440" bIns="45720" numCol="1" spcCol="0" rtlCol="0" fromWordArt="0" anchor="ctr" anchorCtr="0" forceAA="0" compatLnSpc="1">
+              <a:prstTxWarp prst="textNoShape">
+                <a:avLst/>
+              </a:prstTxWarp>
+              <a:noAutofit/>
+            </a:bodyPr>
+            <a:lstStyle/>
+            <a:p>
+              <a:pPr algn="ctr"/>
+              <a:endParaRPr lang="en-US"/>
+            </a:p>
+          </p:txBody>
+        </p:sp>
+        <p:sp>
+          <p:nvSpPr>
+            <p:cNvPr id="26" name="Freeform 8">
+              <a:extLst>
+                <a:ext uri="{FF2B5EF4-FFF2-40B4-BE49-F238E27FC236}">
+                  <a16:creationId xmlns:a16="http://schemas.microsoft.com/office/drawing/2014/main" id="{4EF573B1-38BC-4C7B-894C-BE3864A04ADD}"/>
+                </a:ext>
+                <a:ext uri="{C183D7F6-B498-43B3-948B-1728B52AA6E4}">
+                  <adec:decorative xmlns:adec="http://schemas.microsoft.com/office/drawing/2017/decorative" val="1"/>
+                </a:ext>
+              </a:extLst>
+            </p:cNvPr>
+            <p:cNvSpPr>
+              <a:spLocks/>
+            </p:cNvSpPr>
+            <p:nvPr>
+              <p:extLst>
+                <p:ext uri="{386F3935-93C4-4BCD-93E2-E3B085C9AB24}">
+                  <p16:designElem xmlns:p16="http://schemas.microsoft.com/office/powerpoint/2015/main" val="1"/>
+                </p:ext>
+              </p:extLst>
+            </p:nvPr>
+          </p:nvSpPr>
+          <p:spPr bwMode="auto">
+            <a:xfrm rot="1800000">
+              <a:off x="5508097" y="1586019"/>
+              <a:ext cx="315144" cy="538275"/>
+            </a:xfrm>
+            <a:custGeom>
+              <a:avLst/>
+              <a:gdLst>
+                <a:gd name="T0" fmla="*/ 274 w 274"/>
+                <a:gd name="T1" fmla="*/ 0 h 468"/>
+                <a:gd name="T2" fmla="*/ 274 w 274"/>
+                <a:gd name="T3" fmla="*/ 310 h 468"/>
+                <a:gd name="T4" fmla="*/ 274 w 274"/>
+                <a:gd name="T5" fmla="*/ 310 h 468"/>
+                <a:gd name="T6" fmla="*/ 0 w 274"/>
+                <a:gd name="T7" fmla="*/ 468 h 468"/>
+                <a:gd name="T8" fmla="*/ 0 w 274"/>
+                <a:gd name="T9" fmla="*/ 159 h 468"/>
+                <a:gd name="T10" fmla="*/ 274 w 274"/>
+                <a:gd name="T11" fmla="*/ 0 h 468"/>
+                <a:gd name="T12" fmla="*/ 274 w 274"/>
+                <a:gd name="T13" fmla="*/ 0 h 468"/>
+              </a:gdLst>
+              <a:ahLst/>
+              <a:cxnLst>
+                <a:cxn ang="0">
+                  <a:pos x="T0" y="T1"/>
+                </a:cxn>
+                <a:cxn ang="0">
+                  <a:pos x="T2" y="T3"/>
+                </a:cxn>
+                <a:cxn ang="0">
+                  <a:pos x="T4" y="T5"/>
+                </a:cxn>
+                <a:cxn ang="0">
+                  <a:pos x="T6" y="T7"/>
+                </a:cxn>
+                <a:cxn ang="0">
+                  <a:pos x="T8" y="T9"/>
+                </a:cxn>
+                <a:cxn ang="0">
+                  <a:pos x="T10" y="T11"/>
+                </a:cxn>
+                <a:cxn ang="0">
+                  <a:pos x="T12" y="T13"/>
+                </a:cxn>
+              </a:cxnLst>
+              <a:rect l="0" t="0" r="r" b="b"/>
+              <a:pathLst>
+                <a:path w="274" h="468">
+                  <a:moveTo>
+                    <a:pt x="274" y="0"/>
+                  </a:moveTo>
+                  <a:lnTo>
+                    <a:pt x="274" y="310"/>
+                  </a:lnTo>
+                  <a:lnTo>
+                    <a:pt x="274" y="310"/>
+                  </a:lnTo>
+                  <a:lnTo>
+                    <a:pt x="0" y="468"/>
+                  </a:lnTo>
+                  <a:lnTo>
+                    <a:pt x="0" y="159"/>
+                  </a:lnTo>
+                  <a:lnTo>
+                    <a:pt x="274" y="0"/>
+                  </a:lnTo>
+                  <a:lnTo>
+                    <a:pt x="274" y="0"/>
+                  </a:lnTo>
+                  <a:close/>
+                </a:path>
+              </a:pathLst>
+            </a:custGeom>
+            <a:gradFill flip="none" rotWithShape="1">
+              <a:gsLst>
+                <a:gs pos="20000">
+                  <a:schemeClr val="bg2">
+                    <a:lumMod val="90000"/>
+                    <a:lumOff val="10000"/>
+                    <a:alpha val="20000"/>
+                  </a:schemeClr>
+                </a:gs>
+                <a:gs pos="100000">
+                  <a:schemeClr val="accent1">
+                    <a:lumMod val="60000"/>
+                    <a:lumOff val="40000"/>
+                    <a:alpha val="20000"/>
+                  </a:schemeClr>
+                </a:gs>
+              </a:gsLst>
+              <a:lin ang="18000000" scaled="0"/>
+              <a:tileRect/>
+            </a:gradFill>
+            <a:ln>
+              <a:noFill/>
+            </a:ln>
+            <a:effectLst>
+              <a:innerShdw blurRad="254000">
+                <a:schemeClr val="accent1">
+                  <a:lumMod val="60000"/>
+                  <a:lumOff val="40000"/>
+                  <a:alpha val="60000"/>
+                </a:schemeClr>
+              </a:innerShdw>
+            </a:effectLst>
+          </p:spPr>
+          <p:style>
+            <a:lnRef idx="2">
+              <a:schemeClr val="accent1">
+                <a:shade val="50000"/>
+              </a:schemeClr>
+            </a:lnRef>
+            <a:fillRef idx="1">
+              <a:schemeClr val="accent1"/>
+            </a:fillRef>
+            <a:effectRef idx="0">
+              <a:schemeClr val="accent1"/>
+            </a:effectRef>
+            <a:fontRef idx="minor">
+              <a:schemeClr val="lt1"/>
+            </a:fontRef>
+          </p:style>
+          <p:txBody>
+            <a:bodyPr rot="0" spcFirstLastPara="0" vertOverflow="overflow" horzOverflow="overflow" vert="horz" wrap="square" lIns="91440" tIns="45720" rIns="91440" bIns="45720" numCol="1" spcCol="0" rtlCol="0" fromWordArt="0" anchor="ctr" anchorCtr="0" forceAA="0" compatLnSpc="1">
+              <a:prstTxWarp prst="textNoShape">
+                <a:avLst/>
+              </a:prstTxWarp>
+              <a:noAutofit/>
+            </a:bodyPr>
+            <a:lstStyle/>
+            <a:p>
+              <a:pPr algn="ctr"/>
+              <a:endParaRPr lang="en-US"/>
+            </a:p>
+          </p:txBody>
+        </p:sp>
+      </p:grpSp>
+      <p:sp>
+        <p:nvSpPr>
+          <p:cNvPr id="28" name="Oval 27">
+            <a:extLst>
+              <a:ext uri="{FF2B5EF4-FFF2-40B4-BE49-F238E27FC236}">
+                <a16:creationId xmlns:a16="http://schemas.microsoft.com/office/drawing/2014/main" id="{647A77D8-817B-4A9F-86AA-FE781E813DBC}"/>
+              </a:ext>
+              <a:ext uri="{C183D7F6-B498-43B3-948B-1728B52AA6E4}">
+                <adec:decorative xmlns:adec="http://schemas.microsoft.com/office/drawing/2017/decorative" val="1"/>
+              </a:ext>
+            </a:extLst>
+          </p:cNvPr>
+          <p:cNvSpPr>
+            <a:spLocks noGrp="1" noRot="1" noChangeAspect="1" noMove="1" noResize="1" noEditPoints="1" noAdjustHandles="1" noChangeArrowheads="1" noChangeShapeType="1" noTextEdit="1"/>
+          </p:cNvSpPr>
+          <p:nvPr>
+            <p:extLst>
+              <p:ext uri="{386F3935-93C4-4BCD-93E2-E3B085C9AB24}">
+                <p16:designElem xmlns:p16="http://schemas.microsoft.com/office/powerpoint/2015/main" val="1"/>
+              </p:ext>
+            </p:extLst>
+          </p:nvPr>
+        </p:nvSpPr>
+        <p:spPr>
+          <a:xfrm>
+            <a:off x="5668780" y="5059009"/>
+            <a:ext cx="1080000" cy="1080000"/>
+          </a:xfrm>
+          <a:prstGeom prst="ellipse">
+            <a:avLst/>
+          </a:prstGeom>
+          <a:gradFill flip="none" rotWithShape="1">
+            <a:gsLst>
+              <a:gs pos="100000">
+                <a:schemeClr val="bg2">
+                  <a:lumMod val="50000"/>
+                  <a:lumOff val="50000"/>
+                </a:schemeClr>
+              </a:gs>
+              <a:gs pos="60000">
+                <a:schemeClr val="bg2">
+                  <a:lumMod val="100000"/>
+                </a:schemeClr>
+              </a:gs>
+            </a:gsLst>
+            <a:path path="circle">
+              <a:fillToRect l="100000" b="100000"/>
+            </a:path>
+            <a:tileRect t="-100000" r="-100000"/>
+          </a:gradFill>
+          <a:ln>
+            <a:noFill/>
+          </a:ln>
+          <a:effectLst>
+            <a:innerShdw blurRad="254000" dist="127000" dir="2700000">
+              <a:schemeClr val="accent1">
+                <a:lumMod val="60000"/>
+                <a:lumOff val="40000"/>
+                <a:alpha val="40000"/>
+              </a:schemeClr>
+            </a:innerShdw>
+            <a:softEdge rad="0"/>
+          </a:effectLst>
+        </p:spPr>
+        <p:style>
+          <a:lnRef idx="2">
+            <a:schemeClr val="accent1">
+              <a:shade val="50000"/>
+            </a:schemeClr>
+          </a:lnRef>
+          <a:fillRef idx="1">
+            <a:schemeClr val="accent1"/>
+          </a:fillRef>
+          <a:effectRef idx="0">
+            <a:schemeClr val="accent1"/>
+          </a:effectRef>
+          <a:fontRef idx="minor">
+            <a:schemeClr val="lt1"/>
+          </a:fontRef>
+        </p:style>
+        <p:txBody>
+          <a:bodyPr rot="0" spcFirstLastPara="0" vertOverflow="overflow" horzOverflow="overflow" vert="horz" wrap="square" lIns="91440" tIns="45720" rIns="91440" bIns="45720" numCol="1" spcCol="0" rtlCol="0" fromWordArt="0" anchor="ctr" anchorCtr="0" forceAA="0" compatLnSpc="1">
+            <a:prstTxWarp prst="textNoShape">
+              <a:avLst/>
+            </a:prstTxWarp>
+            <a:noAutofit/>
+          </a:bodyPr>
+          <a:lstStyle/>
+          <a:p>
+            <a:pPr algn="ctr"/>
+            <a:endParaRPr lang="en-US"/>
+          </a:p>
+        </p:txBody>
+      </p:sp>
+      <p:sp>
+        <p:nvSpPr>
+          <p:cNvPr id="16" name="Slide Number Placeholder 15">
+            <a:extLst>
+              <a:ext uri="{FF2B5EF4-FFF2-40B4-BE49-F238E27FC236}">
+                <a16:creationId xmlns:a16="http://schemas.microsoft.com/office/drawing/2014/main" id="{3F8A62C8-5437-4C47-AC0F-0605F84CBA57}"/>
+              </a:ext>
+            </a:extLst>
+          </p:cNvPr>
+          <p:cNvSpPr>
+            <a:spLocks noGrp="1"/>
+          </p:cNvSpPr>
+          <p:nvPr>
+            <p:ph type="sldNum" sz="quarter" idx="12"/>
+          </p:nvPr>
+        </p:nvSpPr>
+        <p:spPr>
+          <a:xfrm>
+            <a:off x="9948863" y="6507212"/>
+            <a:ext cx="1692274" cy="153888"/>
+          </a:xfrm>
+        </p:spPr>
+        <p:txBody>
+          <a:bodyPr>
+            <a:normAutofit/>
+          </a:bodyPr>
+          <a:lstStyle/>
+          <a:p>
+            <a:pPr>
+              <a:spcAft>
+                <a:spcPts val="600"/>
+              </a:spcAft>
+            </a:pPr>
+            <a:fld id="{DBA1B0FB-D917-4C8C-928F-313BD683BF39}" type="slidenum">
+              <a:rPr lang="en-US" smtClean="0"/>
+              <a:pPr>
+                <a:spcAft>
+                  <a:spcPts val="600"/>
+                </a:spcAft>
+              </a:pPr>
+              <a:t>5</a:t>
+            </a:fld>
+            <a:endParaRPr lang="en-US"/>
+          </a:p>
+        </p:txBody>
+      </p:sp>
+    </p:spTree>
+    <p:extLst>
+      <p:ext uri="{BB962C8B-B14F-4D97-AF65-F5344CB8AC3E}">
+        <p14:creationId xmlns:p14="http://schemas.microsoft.com/office/powerpoint/2010/main" val="2496947791"/>
+      </p:ext>
+    </p:extLst>
+  </p:cSld>
+  <p:clrMapOvr>
+    <a:masterClrMapping/>
+  </p:clrMapOvr>
+</p:sld>
+</file>
+
+<file path=ppt/slides/slide6.xml><?xml version="1.0" encoding="utf-8"?>
+<p:sld xmlns:a="http://schemas.openxmlformats.org/drawingml/2006/main" xmlns:r="http://schemas.openxmlformats.org/officeDocument/2006/relationships" xmlns:p="http://schemas.openxmlformats.org/presentationml/2006/main">
+  <p:cSld>
+    <p:bg>
+      <p:bgPr>
+        <a:solidFill>
+          <a:schemeClr val="bg2"/>
+        </a:solidFill>
+        <a:effectLst/>
+      </p:bgPr>
+    </p:bg>
+    <p:spTree>
+      <p:nvGrpSpPr>
+        <p:cNvPr id="1" name=""/>
+        <p:cNvGrpSpPr/>
+        <p:nvPr/>
+      </p:nvGrpSpPr>
+      <p:grpSpPr>
+        <a:xfrm>
+          <a:off x="0" y="0"/>
+          <a:ext cx="0" cy="0"/>
+          <a:chOff x="0" y="0"/>
+          <a:chExt cx="0" cy="0"/>
+        </a:xfrm>
+      </p:grpSpPr>
+      <p:sp useBgFill="1">
+        <p:nvSpPr>
+          <p:cNvPr id="23" name="Rectangle 16">
+            <a:extLst>
+              <a:ext uri="{FF2B5EF4-FFF2-40B4-BE49-F238E27FC236}">
+                <a16:creationId xmlns:a16="http://schemas.microsoft.com/office/drawing/2014/main" id="{A5931BE0-4B93-4D6C-878E-ACC59D6B4587}"/>
+              </a:ext>
+              <a:ext uri="{C183D7F6-B498-43B3-948B-1728B52AA6E4}">
+                <adec:decorative xmlns:adec="http://schemas.microsoft.com/office/drawing/2017/decorative" val="1"/>
+              </a:ext>
+            </a:extLst>
+          </p:cNvPr>
+          <p:cNvSpPr>
+            <a:spLocks noGrp="1" noRot="1" noChangeAspect="1" noMove="1" noResize="1" noEditPoints="1" noAdjustHandles="1" noChangeArrowheads="1" noChangeShapeType="1" noTextEdit="1"/>
+          </p:cNvSpPr>
+          <p:nvPr>
+            <p:extLst>
+              <p:ext uri="{386F3935-93C4-4BCD-93E2-E3B085C9AB24}">
+                <p16:designElem xmlns:p16="http://schemas.microsoft.com/office/powerpoint/2015/main" val="1"/>
+              </p:ext>
+            </p:extLst>
+          </p:nvPr>
+        </p:nvSpPr>
+        <p:spPr>
+          <a:xfrm>
+            <a:off x="0" y="0"/>
+            <a:ext cx="12192000" cy="6858000"/>
+          </a:xfrm>
+          <a:prstGeom prst="rect">
+            <a:avLst/>
+          </a:prstGeom>
+          <a:ln w="12700" cap="flat" cmpd="sng" algn="ctr">
+            <a:noFill/>
+            <a:prstDash val="solid"/>
+            <a:miter lim="800000"/>
+          </a:ln>
+          <a:effectLst/>
+          <a:extLst>
+            <a:ext uri="{91240B29-F687-4F45-9708-019B960494DF}">
+              <a14:hiddenLine xmlns:a14="http://schemas.microsoft.com/office/drawing/2010/main" w="12700" cap="flat" cmpd="sng" algn="ctr">
+                <a:solidFill>
+                  <a:schemeClr val="accent1">
+                    <a:shade val="50000"/>
+                  </a:schemeClr>
+                </a:solidFill>
+                <a:prstDash val="solid"/>
+                <a:miter lim="800000"/>
+              </a14:hiddenLine>
+            </a:ext>
+          </a:extLst>
+        </p:spPr>
+        <p:style>
+          <a:lnRef idx="2">
+            <a:schemeClr val="accent1">
+              <a:shade val="50000"/>
+            </a:schemeClr>
+          </a:lnRef>
+          <a:fillRef idx="1">
+            <a:schemeClr val="accent1"/>
+          </a:fillRef>
+          <a:effectRef idx="0">
+            <a:schemeClr val="accent1"/>
+          </a:effectRef>
+          <a:fontRef idx="minor">
+            <a:schemeClr val="lt1"/>
+          </a:fontRef>
+        </p:style>
+        <p:txBody>
+          <a:bodyPr rtlCol="0" anchor="ctr"/>
+          <a:lstStyle/>
+          <a:p>
+            <a:pPr algn="ctr"/>
+            <a:endParaRPr lang="en-US"/>
+          </a:p>
+        </p:txBody>
+      </p:sp>
+      <p:sp>
+        <p:nvSpPr>
+          <p:cNvPr id="2" name="Title 1">
+            <a:extLst>
+              <a:ext uri="{FF2B5EF4-FFF2-40B4-BE49-F238E27FC236}">
+                <a16:creationId xmlns:a16="http://schemas.microsoft.com/office/drawing/2014/main" id="{F5024517-2E1A-4103-9850-618038845385}"/>
+              </a:ext>
+            </a:extLst>
+          </p:cNvPr>
+          <p:cNvSpPr>
+            <a:spLocks noGrp="1"/>
+          </p:cNvSpPr>
+          <p:nvPr>
+            <p:ph type="title"/>
+          </p:nvPr>
+        </p:nvSpPr>
+        <p:spPr>
+          <a:xfrm>
+            <a:off x="481369" y="832303"/>
+            <a:ext cx="5200974" cy="1997855"/>
+          </a:xfrm>
+        </p:spPr>
+        <p:txBody>
+          <a:bodyPr vert="horz" wrap="square" lIns="0" tIns="0" rIns="0" bIns="0" rtlCol="0" anchor="b" anchorCtr="0">
+            <a:normAutofit/>
+          </a:bodyPr>
+          <a:lstStyle/>
+          <a:p>
+            <a:pPr>
+              <a:lnSpc>
+                <a:spcPct val="100000"/>
+              </a:lnSpc>
+            </a:pPr>
+            <a:r>
+              <a:rPr lang="en-US" dirty="0" err="1"/>
+              <a:t>Ejemplo</a:t>
+            </a:r>
+            <a:r>
+              <a:rPr lang="en-US" dirty="0"/>
+              <a:t> </a:t>
+            </a:r>
+            <a:r>
+              <a:rPr lang="en-US" dirty="0" err="1"/>
+              <a:t>básico</a:t>
+            </a:r>
+            <a:endParaRPr lang="en-US" dirty="0"/>
+          </a:p>
+        </p:txBody>
+      </p:sp>
+      <p:grpSp>
+        <p:nvGrpSpPr>
+          <p:cNvPr id="19" name="Group 18">
+            <a:extLst>
+              <a:ext uri="{FF2B5EF4-FFF2-40B4-BE49-F238E27FC236}">
+                <a16:creationId xmlns:a16="http://schemas.microsoft.com/office/drawing/2014/main" id="{9F2D4ED5-DC78-4C88-97AA-483206C53E90}"/>
+              </a:ext>
+              <a:ext uri="{C183D7F6-B498-43B3-948B-1728B52AA6E4}">
+                <adec:decorative xmlns:adec="http://schemas.microsoft.com/office/drawing/2017/decorative" val="1"/>
+              </a:ext>
+            </a:extLst>
+          </p:cNvPr>
+          <p:cNvGrpSpPr>
+            <a:grpSpLocks noGrp="1" noUngrp="1" noRot="1" noChangeAspect="1" noMove="1" noResize="1"/>
+          </p:cNvGrpSpPr>
+          <p:nvPr>
+            <p:extLst>
+              <p:ext uri="{386F3935-93C4-4BCD-93E2-E3B085C9AB24}">
+                <p16:designElem xmlns:p16="http://schemas.microsoft.com/office/powerpoint/2015/main" val="1"/>
+              </p:ext>
+            </p:extLst>
+          </p:nvPr>
+        </p:nvGrpSpPr>
+        <p:grpSpPr>
+          <a:xfrm>
+            <a:off x="10570793" y="0"/>
+            <a:ext cx="1468514" cy="1521012"/>
+            <a:chOff x="5236793" y="2432482"/>
+            <a:chExt cx="1468514" cy="1521012"/>
+          </a:xfrm>
+        </p:grpSpPr>
+        <p:sp>
+          <p:nvSpPr>
+            <p:cNvPr id="20" name="Freeform 5">
+              <a:extLst>
+                <a:ext uri="{FF2B5EF4-FFF2-40B4-BE49-F238E27FC236}">
+                  <a16:creationId xmlns:a16="http://schemas.microsoft.com/office/drawing/2014/main" id="{0DE0B65A-4839-40B2-BA92-1464FEADBA4A}"/>
+                </a:ext>
+                <a:ext uri="{C183D7F6-B498-43B3-948B-1728B52AA6E4}">
+                  <adec:decorative xmlns:adec="http://schemas.microsoft.com/office/drawing/2017/decorative" val="1"/>
+                </a:ext>
+              </a:extLst>
+            </p:cNvPr>
+            <p:cNvSpPr>
+              <a:spLocks/>
+            </p:cNvSpPr>
+            <p:nvPr>
+              <p:extLst>
+                <p:ext uri="{386F3935-93C4-4BCD-93E2-E3B085C9AB24}">
+                  <p16:designElem xmlns:p16="http://schemas.microsoft.com/office/powerpoint/2015/main" val="1"/>
+                </p:ext>
+              </p:extLst>
+            </p:nvPr>
+          </p:nvSpPr>
+          <p:spPr bwMode="auto">
+            <a:xfrm rot="1800000">
+              <a:off x="5463135" y="2432482"/>
+              <a:ext cx="1242172" cy="729202"/>
+            </a:xfrm>
+            <a:custGeom>
+              <a:avLst/>
+              <a:gdLst>
+                <a:gd name="T0" fmla="*/ 266 w 540"/>
+                <a:gd name="T1" fmla="*/ 0 h 317"/>
+                <a:gd name="T2" fmla="*/ 0 w 540"/>
+                <a:gd name="T3" fmla="*/ 158 h 317"/>
+                <a:gd name="T4" fmla="*/ 266 w 540"/>
+                <a:gd name="T5" fmla="*/ 317 h 317"/>
+                <a:gd name="T6" fmla="*/ 540 w 540"/>
+                <a:gd name="T7" fmla="*/ 158 h 317"/>
+                <a:gd name="T8" fmla="*/ 266 w 540"/>
+                <a:gd name="T9" fmla="*/ 0 h 317"/>
+              </a:gdLst>
+              <a:ahLst/>
+              <a:cxnLst>
+                <a:cxn ang="0">
+                  <a:pos x="T0" y="T1"/>
+                </a:cxn>
+                <a:cxn ang="0">
+                  <a:pos x="T2" y="T3"/>
+                </a:cxn>
+                <a:cxn ang="0">
+                  <a:pos x="T4" y="T5"/>
+                </a:cxn>
+                <a:cxn ang="0">
+                  <a:pos x="T6" y="T7"/>
+                </a:cxn>
+                <a:cxn ang="0">
+                  <a:pos x="T8" y="T9"/>
+                </a:cxn>
+              </a:cxnLst>
+              <a:rect l="0" t="0" r="r" b="b"/>
+              <a:pathLst>
+                <a:path w="540" h="317">
+                  <a:moveTo>
+                    <a:pt x="266" y="0"/>
+                  </a:moveTo>
+                  <a:lnTo>
+                    <a:pt x="0" y="158"/>
+                  </a:lnTo>
+                  <a:lnTo>
+                    <a:pt x="266" y="317"/>
+                  </a:lnTo>
+                  <a:lnTo>
+                    <a:pt x="540" y="158"/>
+                  </a:lnTo>
+                  <a:lnTo>
+                    <a:pt x="266" y="0"/>
+                  </a:lnTo>
+                  <a:close/>
+                </a:path>
+              </a:pathLst>
+            </a:custGeom>
+            <a:gradFill flip="none" rotWithShape="1">
+              <a:gsLst>
+                <a:gs pos="20000">
+                  <a:schemeClr val="bg2">
+                    <a:lumMod val="90000"/>
+                    <a:lumOff val="10000"/>
+                    <a:alpha val="20000"/>
+                  </a:schemeClr>
+                </a:gs>
+                <a:gs pos="100000">
+                  <a:schemeClr val="accent1">
+                    <a:lumMod val="60000"/>
+                    <a:lumOff val="40000"/>
+                    <a:alpha val="40000"/>
+                  </a:schemeClr>
+                </a:gs>
+              </a:gsLst>
+              <a:lin ang="0" scaled="0"/>
+              <a:tileRect/>
+            </a:gradFill>
+            <a:ln>
+              <a:noFill/>
+            </a:ln>
+            <a:effectLst>
+              <a:innerShdw blurRad="254000">
+                <a:schemeClr val="bg2">
+                  <a:lumMod val="90000"/>
+                  <a:lumOff val="10000"/>
+                </a:schemeClr>
+              </a:innerShdw>
+            </a:effectLst>
+          </p:spPr>
+          <p:style>
+            <a:lnRef idx="2">
+              <a:schemeClr val="accent1">
+                <a:shade val="50000"/>
+              </a:schemeClr>
+            </a:lnRef>
+            <a:fillRef idx="1">
+              <a:schemeClr val="accent1"/>
+            </a:fillRef>
+            <a:effectRef idx="0">
+              <a:schemeClr val="accent1"/>
+            </a:effectRef>
+            <a:fontRef idx="minor">
+              <a:schemeClr val="lt1"/>
+            </a:fontRef>
+          </p:style>
+          <p:txBody>
+            <a:bodyPr rot="0" spcFirstLastPara="0" vertOverflow="overflow" horzOverflow="overflow" vert="horz" wrap="square" lIns="91440" tIns="45720" rIns="91440" bIns="45720" numCol="1" spcCol="0" rtlCol="0" fromWordArt="0" anchor="ctr" anchorCtr="0" forceAA="0" compatLnSpc="1">
+              <a:prstTxWarp prst="textNoShape">
+                <a:avLst/>
+              </a:prstTxWarp>
+              <a:noAutofit/>
+            </a:bodyPr>
+            <a:lstStyle/>
+            <a:p>
+              <a:pPr algn="ctr"/>
+              <a:endParaRPr lang="en-US"/>
+            </a:p>
+          </p:txBody>
+        </p:sp>
+        <p:sp>
+          <p:nvSpPr>
+            <p:cNvPr id="21" name="Freeform 6">
+              <a:extLst>
+                <a:ext uri="{FF2B5EF4-FFF2-40B4-BE49-F238E27FC236}">
+                  <a16:creationId xmlns:a16="http://schemas.microsoft.com/office/drawing/2014/main" id="{842A0A68-39DD-4DA7-BAD5-63B9C1398718}"/>
+                </a:ext>
+                <a:ext uri="{C183D7F6-B498-43B3-948B-1728B52AA6E4}">
+                  <adec:decorative xmlns:adec="http://schemas.microsoft.com/office/drawing/2017/decorative" val="1"/>
+                </a:ext>
+              </a:extLst>
+            </p:cNvPr>
+            <p:cNvSpPr>
+              <a:spLocks/>
+            </p:cNvSpPr>
+            <p:nvPr>
+              <p:extLst>
+                <p:ext uri="{386F3935-93C4-4BCD-93E2-E3B085C9AB24}">
+                  <p16:designElem xmlns:p16="http://schemas.microsoft.com/office/powerpoint/2015/main" val="1"/>
+                </p:ext>
+              </p:extLst>
+            </p:nvPr>
+          </p:nvSpPr>
+          <p:spPr bwMode="auto">
+            <a:xfrm rot="1800000">
+              <a:off x="5236793" y="2566400"/>
+              <a:ext cx="611884" cy="1076550"/>
+            </a:xfrm>
+            <a:custGeom>
+              <a:avLst/>
+              <a:gdLst>
+                <a:gd name="T0" fmla="*/ 266 w 266"/>
+                <a:gd name="T1" fmla="*/ 468 h 468"/>
+                <a:gd name="T2" fmla="*/ 0 w 266"/>
+                <a:gd name="T3" fmla="*/ 310 h 468"/>
+                <a:gd name="T4" fmla="*/ 0 w 266"/>
+                <a:gd name="T5" fmla="*/ 310 h 468"/>
+                <a:gd name="T6" fmla="*/ 0 w 266"/>
+                <a:gd name="T7" fmla="*/ 0 h 468"/>
+                <a:gd name="T8" fmla="*/ 0 w 266"/>
+                <a:gd name="T9" fmla="*/ 0 h 468"/>
+                <a:gd name="T10" fmla="*/ 266 w 266"/>
+                <a:gd name="T11" fmla="*/ 159 h 468"/>
+                <a:gd name="T12" fmla="*/ 266 w 266"/>
+                <a:gd name="T13" fmla="*/ 468 h 468"/>
+              </a:gdLst>
+              <a:ahLst/>
+              <a:cxnLst>
+                <a:cxn ang="0">
+                  <a:pos x="T0" y="T1"/>
+                </a:cxn>
+                <a:cxn ang="0">
+                  <a:pos x="T2" y="T3"/>
+                </a:cxn>
+                <a:cxn ang="0">
+                  <a:pos x="T4" y="T5"/>
+                </a:cxn>
+                <a:cxn ang="0">
+                  <a:pos x="T6" y="T7"/>
+                </a:cxn>
+                <a:cxn ang="0">
+                  <a:pos x="T8" y="T9"/>
+                </a:cxn>
+                <a:cxn ang="0">
+                  <a:pos x="T10" y="T11"/>
+                </a:cxn>
+                <a:cxn ang="0">
+                  <a:pos x="T12" y="T13"/>
+                </a:cxn>
+              </a:cxnLst>
+              <a:rect l="0" t="0" r="r" b="b"/>
+              <a:pathLst>
+                <a:path w="266" h="468">
+                  <a:moveTo>
+                    <a:pt x="266" y="468"/>
+                  </a:moveTo>
+                  <a:lnTo>
+                    <a:pt x="0" y="310"/>
+                  </a:lnTo>
+                  <a:lnTo>
+                    <a:pt x="0" y="310"/>
+                  </a:lnTo>
+                  <a:lnTo>
+                    <a:pt x="0" y="0"/>
+                  </a:lnTo>
+                  <a:lnTo>
+                    <a:pt x="0" y="0"/>
+                  </a:lnTo>
+                  <a:lnTo>
+                    <a:pt x="266" y="159"/>
+                  </a:lnTo>
+                  <a:lnTo>
+                    <a:pt x="266" y="468"/>
+                  </a:lnTo>
+                  <a:close/>
+                </a:path>
+              </a:pathLst>
+            </a:custGeom>
+            <a:gradFill flip="none" rotWithShape="1">
+              <a:gsLst>
+                <a:gs pos="20000">
+                  <a:schemeClr val="bg2">
+                    <a:lumMod val="90000"/>
+                    <a:lumOff val="10000"/>
+                    <a:alpha val="20000"/>
+                  </a:schemeClr>
+                </a:gs>
+                <a:gs pos="100000">
+                  <a:schemeClr val="accent1">
+                    <a:lumMod val="60000"/>
+                    <a:lumOff val="40000"/>
+                    <a:alpha val="40000"/>
+                  </a:schemeClr>
+                </a:gs>
+              </a:gsLst>
+              <a:lin ang="19800000" scaled="0"/>
+              <a:tileRect/>
+            </a:gradFill>
+            <a:ln>
+              <a:noFill/>
+            </a:ln>
+            <a:effectLst>
+              <a:innerShdw blurRad="254000">
+                <a:schemeClr val="bg2">
+                  <a:lumMod val="90000"/>
+                  <a:lumOff val="10000"/>
+                </a:schemeClr>
+              </a:innerShdw>
+            </a:effectLst>
+          </p:spPr>
+          <p:style>
+            <a:lnRef idx="2">
+              <a:schemeClr val="accent1">
+                <a:shade val="50000"/>
+              </a:schemeClr>
+            </a:lnRef>
+            <a:fillRef idx="1">
+              <a:schemeClr val="accent1"/>
+            </a:fillRef>
+            <a:effectRef idx="0">
+              <a:schemeClr val="accent1"/>
+            </a:effectRef>
+            <a:fontRef idx="minor">
+              <a:schemeClr val="lt1"/>
+            </a:fontRef>
+          </p:style>
+          <p:txBody>
+            <a:bodyPr rot="0" spcFirstLastPara="0" vertOverflow="overflow" horzOverflow="overflow" vert="horz" wrap="square" lIns="91440" tIns="45720" rIns="91440" bIns="45720" numCol="1" spcCol="0" rtlCol="0" fromWordArt="0" anchor="ctr" anchorCtr="0" forceAA="0" compatLnSpc="1">
+              <a:prstTxWarp prst="textNoShape">
+                <a:avLst/>
+              </a:prstTxWarp>
+              <a:noAutofit/>
+            </a:bodyPr>
+            <a:lstStyle/>
+            <a:p>
+              <a:pPr algn="ctr"/>
+              <a:endParaRPr lang="en-US"/>
+            </a:p>
+          </p:txBody>
+        </p:sp>
+        <p:sp>
+          <p:nvSpPr>
+            <p:cNvPr id="22" name="Freeform 8">
+              <a:extLst>
+                <a:ext uri="{FF2B5EF4-FFF2-40B4-BE49-F238E27FC236}">
+                  <a16:creationId xmlns:a16="http://schemas.microsoft.com/office/drawing/2014/main" id="{21A69E50-7E10-45C3-B4F2-19DBA7748498}"/>
+                </a:ext>
+                <a:ext uri="{C183D7F6-B498-43B3-948B-1728B52AA6E4}">
+                  <adec:decorative xmlns:adec="http://schemas.microsoft.com/office/drawing/2017/decorative" val="1"/>
+                </a:ext>
+              </a:extLst>
+            </p:cNvPr>
+            <p:cNvSpPr>
+              <a:spLocks/>
+            </p:cNvSpPr>
+            <p:nvPr>
+              <p:extLst>
+                <p:ext uri="{386F3935-93C4-4BCD-93E2-E3B085C9AB24}">
+                  <p16:designElem xmlns:p16="http://schemas.microsoft.com/office/powerpoint/2015/main" val="1"/>
+                </p:ext>
+              </p:extLst>
+            </p:nvPr>
+          </p:nvSpPr>
+          <p:spPr bwMode="auto">
+            <a:xfrm rot="1800000">
+              <a:off x="5765469" y="2876944"/>
+              <a:ext cx="630288" cy="1076550"/>
+            </a:xfrm>
+            <a:custGeom>
+              <a:avLst/>
+              <a:gdLst>
+                <a:gd name="T0" fmla="*/ 274 w 274"/>
+                <a:gd name="T1" fmla="*/ 0 h 468"/>
+                <a:gd name="T2" fmla="*/ 274 w 274"/>
+                <a:gd name="T3" fmla="*/ 310 h 468"/>
+                <a:gd name="T4" fmla="*/ 274 w 274"/>
+                <a:gd name="T5" fmla="*/ 310 h 468"/>
+                <a:gd name="T6" fmla="*/ 0 w 274"/>
+                <a:gd name="T7" fmla="*/ 468 h 468"/>
+                <a:gd name="T8" fmla="*/ 0 w 274"/>
+                <a:gd name="T9" fmla="*/ 159 h 468"/>
+                <a:gd name="T10" fmla="*/ 274 w 274"/>
+                <a:gd name="T11" fmla="*/ 0 h 468"/>
+                <a:gd name="T12" fmla="*/ 274 w 274"/>
+                <a:gd name="T13" fmla="*/ 0 h 468"/>
+              </a:gdLst>
+              <a:ahLst/>
+              <a:cxnLst>
+                <a:cxn ang="0">
+                  <a:pos x="T0" y="T1"/>
+                </a:cxn>
+                <a:cxn ang="0">
+                  <a:pos x="T2" y="T3"/>
+                </a:cxn>
+                <a:cxn ang="0">
+                  <a:pos x="T4" y="T5"/>
+                </a:cxn>
+                <a:cxn ang="0">
+                  <a:pos x="T6" y="T7"/>
+                </a:cxn>
+                <a:cxn ang="0">
+                  <a:pos x="T8" y="T9"/>
+                </a:cxn>
+                <a:cxn ang="0">
+                  <a:pos x="T10" y="T11"/>
+                </a:cxn>
+                <a:cxn ang="0">
+                  <a:pos x="T12" y="T13"/>
+                </a:cxn>
+              </a:cxnLst>
+              <a:rect l="0" t="0" r="r" b="b"/>
+              <a:pathLst>
+                <a:path w="274" h="468">
+                  <a:moveTo>
+                    <a:pt x="274" y="0"/>
+                  </a:moveTo>
+                  <a:lnTo>
+                    <a:pt x="274" y="310"/>
+                  </a:lnTo>
+                  <a:lnTo>
+                    <a:pt x="274" y="310"/>
+                  </a:lnTo>
+                  <a:lnTo>
+                    <a:pt x="0" y="468"/>
+                  </a:lnTo>
+                  <a:lnTo>
+                    <a:pt x="0" y="159"/>
+                  </a:lnTo>
+                  <a:lnTo>
+                    <a:pt x="274" y="0"/>
+                  </a:lnTo>
+                  <a:lnTo>
+                    <a:pt x="274" y="0"/>
+                  </a:lnTo>
+                  <a:close/>
+                </a:path>
+              </a:pathLst>
+            </a:custGeom>
+            <a:gradFill flip="none" rotWithShape="1">
+              <a:gsLst>
+                <a:gs pos="20000">
+                  <a:schemeClr val="bg2">
+                    <a:lumMod val="90000"/>
+                    <a:lumOff val="10000"/>
+                    <a:alpha val="20000"/>
+                  </a:schemeClr>
+                </a:gs>
+                <a:gs pos="100000">
+                  <a:schemeClr val="accent1">
+                    <a:lumMod val="40000"/>
+                    <a:lumOff val="60000"/>
+                    <a:alpha val="60000"/>
+                  </a:schemeClr>
+                </a:gs>
+              </a:gsLst>
+              <a:lin ang="18000000" scaled="0"/>
+              <a:tileRect/>
+            </a:gradFill>
+            <a:ln>
+              <a:noFill/>
+            </a:ln>
+            <a:effectLst>
+              <a:innerShdw blurRad="508000">
+                <a:schemeClr val="accent1">
+                  <a:lumMod val="60000"/>
+                  <a:lumOff val="40000"/>
+                  <a:alpha val="40000"/>
+                </a:schemeClr>
+              </a:innerShdw>
+            </a:effectLst>
+          </p:spPr>
+          <p:style>
+            <a:lnRef idx="2">
+              <a:schemeClr val="accent1">
+                <a:shade val="50000"/>
+              </a:schemeClr>
+            </a:lnRef>
+            <a:fillRef idx="1">
+              <a:schemeClr val="accent1"/>
+            </a:fillRef>
+            <a:effectRef idx="0">
+              <a:schemeClr val="accent1"/>
+            </a:effectRef>
+            <a:fontRef idx="minor">
+              <a:schemeClr val="lt1"/>
+            </a:fontRef>
+          </p:style>
+          <p:txBody>
+            <a:bodyPr rot="0" spcFirstLastPara="0" vertOverflow="overflow" horzOverflow="overflow" vert="horz" wrap="square" lIns="91440" tIns="45720" rIns="91440" bIns="45720" numCol="1" spcCol="0" rtlCol="0" fromWordArt="0" anchor="ctr" anchorCtr="0" forceAA="0" compatLnSpc="1">
+              <a:prstTxWarp prst="textNoShape">
+                <a:avLst/>
+              </a:prstTxWarp>
+              <a:noAutofit/>
+            </a:bodyPr>
+            <a:lstStyle/>
+            <a:p>
+              <a:pPr algn="ctr"/>
+              <a:endParaRPr lang="en-US"/>
+            </a:p>
+          </p:txBody>
+        </p:sp>
+      </p:grpSp>
+      <p:sp>
+        <p:nvSpPr>
+          <p:cNvPr id="24" name="Oval 23">
+            <a:extLst>
+              <a:ext uri="{FF2B5EF4-FFF2-40B4-BE49-F238E27FC236}">
+                <a16:creationId xmlns:a16="http://schemas.microsoft.com/office/drawing/2014/main" id="{D166A8AB-8924-421C-BCED-B54DBC4054E0}"/>
+              </a:ext>
+              <a:ext uri="{C183D7F6-B498-43B3-948B-1728B52AA6E4}">
+                <adec:decorative xmlns:adec="http://schemas.microsoft.com/office/drawing/2017/decorative" val="1"/>
+              </a:ext>
+            </a:extLst>
+          </p:cNvPr>
+          <p:cNvSpPr>
+            <a:spLocks noGrp="1" noRot="1" noChangeAspect="1" noMove="1" noResize="1" noEditPoints="1" noAdjustHandles="1" noChangeArrowheads="1" noChangeShapeType="1" noTextEdit="1"/>
+          </p:cNvSpPr>
+          <p:nvPr>
+            <p:extLst>
+              <p:ext uri="{386F3935-93C4-4BCD-93E2-E3B085C9AB24}">
+                <p16:designElem xmlns:p16="http://schemas.microsoft.com/office/powerpoint/2015/main" val="1"/>
+              </p:ext>
+            </p:extLst>
+          </p:nvPr>
+        </p:nvSpPr>
+        <p:spPr>
+          <a:xfrm>
+            <a:off x="2677897" y="5497189"/>
+            <a:ext cx="360000" cy="360000"/>
+          </a:xfrm>
+          <a:prstGeom prst="ellipse">
+            <a:avLst/>
+          </a:prstGeom>
+          <a:gradFill flip="none" rotWithShape="1">
+            <a:gsLst>
+              <a:gs pos="100000">
+                <a:schemeClr val="bg2">
+                  <a:lumMod val="50000"/>
+                  <a:lumOff val="50000"/>
+                </a:schemeClr>
+              </a:gs>
+              <a:gs pos="60000">
+                <a:schemeClr val="bg2"/>
+              </a:gs>
+            </a:gsLst>
+            <a:path path="circle">
+              <a:fillToRect l="100000" b="100000"/>
+            </a:path>
+            <a:tileRect t="-100000" r="-100000"/>
+          </a:gradFill>
+          <a:ln>
+            <a:noFill/>
+          </a:ln>
+          <a:effectLst>
+            <a:innerShdw blurRad="127000" dist="63500" dir="2700000">
+              <a:schemeClr val="accent1">
+                <a:lumMod val="60000"/>
+                <a:lumOff val="40000"/>
+                <a:alpha val="20000"/>
+              </a:schemeClr>
+            </a:innerShdw>
+            <a:softEdge rad="0"/>
+          </a:effectLst>
+        </p:spPr>
+        <p:style>
+          <a:lnRef idx="2">
+            <a:schemeClr val="accent1">
+              <a:shade val="50000"/>
+            </a:schemeClr>
+          </a:lnRef>
+          <a:fillRef idx="1">
+            <a:schemeClr val="accent1"/>
+          </a:fillRef>
+          <a:effectRef idx="0">
+            <a:schemeClr val="accent1"/>
+          </a:effectRef>
+          <a:fontRef idx="minor">
+            <a:schemeClr val="lt1"/>
+          </a:fontRef>
+        </p:style>
+        <p:txBody>
+          <a:bodyPr rot="0" spcFirstLastPara="0" vertOverflow="overflow" horzOverflow="overflow" vert="horz" wrap="square" lIns="91440" tIns="45720" rIns="91440" bIns="45720" numCol="1" spcCol="0" rtlCol="0" fromWordArt="0" anchor="ctr" anchorCtr="0" forceAA="0" compatLnSpc="1">
+            <a:prstTxWarp prst="textNoShape">
+              <a:avLst/>
+            </a:prstTxWarp>
+            <a:noAutofit/>
+          </a:bodyPr>
+          <a:lstStyle/>
+          <a:p>
+            <a:pPr algn="ctr"/>
+            <a:endParaRPr lang="en-US"/>
+          </a:p>
+        </p:txBody>
+      </p:sp>
+      <p:sp>
+        <p:nvSpPr>
+          <p:cNvPr id="8" name="Content Placeholder 7">
+            <a:extLst>
+              <a:ext uri="{FF2B5EF4-FFF2-40B4-BE49-F238E27FC236}">
+                <a16:creationId xmlns:a16="http://schemas.microsoft.com/office/drawing/2014/main" id="{6BC29D03-8B29-48DB-B2B3-A484740F8150}"/>
+              </a:ext>
+            </a:extLst>
+          </p:cNvPr>
+          <p:cNvSpPr>
+            <a:spLocks noGrp="1"/>
+          </p:cNvSpPr>
+          <p:nvPr>
+            <p:ph idx="1"/>
+          </p:nvPr>
+        </p:nvSpPr>
+        <p:spPr>
+          <a:xfrm>
+            <a:off x="7615237" y="6365570"/>
+            <a:ext cx="3565525" cy="3415519"/>
+          </a:xfrm>
+        </p:spPr>
+        <p:txBody>
+          <a:bodyPr vert="horz" wrap="square" lIns="0" tIns="0" rIns="0" bIns="0" rtlCol="0" anchor="t">
+            <a:normAutofit/>
+          </a:bodyPr>
+          <a:lstStyle/>
+          <a:p>
+            <a:r>
+              <a:rPr lang="en-US" sz="1600" dirty="0">
+                <a:effectLst/>
+              </a:rPr>
+              <a:t>(html, java)</a:t>
+            </a:r>
+            <a:endParaRPr lang="en-US" sz="1600" dirty="0"/>
+          </a:p>
+        </p:txBody>
+      </p:sp>
+      <p:pic>
+        <p:nvPicPr>
+          <p:cNvPr id="12" name="Picture 11">
+            <a:extLst>
+              <a:ext uri="{FF2B5EF4-FFF2-40B4-BE49-F238E27FC236}">
+                <a16:creationId xmlns:a16="http://schemas.microsoft.com/office/drawing/2014/main" id="{BE49F0E2-C1EB-4B69-A2F4-CE686002700D}"/>
+              </a:ext>
+            </a:extLst>
+          </p:cNvPr>
+          <p:cNvPicPr>
+            <a:picLocks noChangeAspect="1"/>
+          </p:cNvPicPr>
+          <p:nvPr/>
+        </p:nvPicPr>
+        <p:blipFill>
+          <a:blip r:embed="rId2"/>
+          <a:stretch>
+            <a:fillRect/>
+          </a:stretch>
+        </p:blipFill>
+        <p:spPr>
+          <a:xfrm>
+            <a:off x="6094609" y="549275"/>
+            <a:ext cx="4002818" cy="5759451"/>
+          </a:xfrm>
+          <a:custGeom>
+            <a:avLst/>
+            <a:gdLst/>
+            <a:ahLst/>
+            <a:cxnLst/>
+            <a:rect l="l" t="t" r="r" b="b"/>
+            <a:pathLst>
+              <a:path w="7090237" h="5759451">
+                <a:moveTo>
+                  <a:pt x="0" y="0"/>
+                </a:moveTo>
+                <a:lnTo>
+                  <a:pt x="7090237" y="0"/>
+                </a:lnTo>
+                <a:lnTo>
+                  <a:pt x="7090237" y="5759451"/>
+                </a:lnTo>
+                <a:lnTo>
+                  <a:pt x="0" y="5759451"/>
+                </a:lnTo>
+                <a:close/>
+              </a:path>
+            </a:pathLst>
+          </a:custGeom>
+        </p:spPr>
+      </p:pic>
+      <p:sp>
+        <p:nvSpPr>
+          <p:cNvPr id="4" name="Date Placeholder 3">
+            <a:extLst>
+              <a:ext uri="{FF2B5EF4-FFF2-40B4-BE49-F238E27FC236}">
+                <a16:creationId xmlns:a16="http://schemas.microsoft.com/office/drawing/2014/main" id="{AE4D227E-542F-4DF4-8F99-00BE1FB91D46}"/>
+              </a:ext>
+            </a:extLst>
+          </p:cNvPr>
+          <p:cNvSpPr>
+            <a:spLocks noGrp="1"/>
+          </p:cNvSpPr>
+          <p:nvPr>
+            <p:ph type="dt" sz="half" idx="10"/>
+          </p:nvPr>
+        </p:nvSpPr>
+        <p:spPr>
+          <a:xfrm>
+            <a:off x="550863" y="6507212"/>
+            <a:ext cx="2628900" cy="153888"/>
+          </a:xfrm>
+        </p:spPr>
+        <p:txBody>
+          <a:bodyPr vert="horz" wrap="square" lIns="0" tIns="0" rIns="0" bIns="0" rtlCol="0" anchor="ctr">
+            <a:normAutofit/>
+          </a:bodyPr>
+          <a:lstStyle/>
+          <a:p>
+            <a:pPr>
+              <a:spcAft>
+                <a:spcPts val="600"/>
+              </a:spcAft>
+            </a:pPr>
+            <a:r>
+              <a:rPr lang="en-US">
+                <a:solidFill>
+                  <a:schemeClr val="tx1">
+                    <a:alpha val="80000"/>
+                  </a:schemeClr>
+                </a:solidFill>
+              </a:rPr>
+              <a:t>Tuesday, February 2, 20XX</a:t>
+            </a:r>
+          </a:p>
+        </p:txBody>
+      </p:sp>
+      <p:sp>
+        <p:nvSpPr>
+          <p:cNvPr id="5" name="Footer Placeholder 4">
+            <a:extLst>
+              <a:ext uri="{FF2B5EF4-FFF2-40B4-BE49-F238E27FC236}">
+                <a16:creationId xmlns:a16="http://schemas.microsoft.com/office/drawing/2014/main" id="{79D57B21-E978-429F-B093-2F17DC896660}"/>
+              </a:ext>
+            </a:extLst>
+          </p:cNvPr>
+          <p:cNvSpPr>
+            <a:spLocks noGrp="1"/>
+          </p:cNvSpPr>
+          <p:nvPr>
+            <p:ph type="ftr" sz="quarter" idx="11"/>
+          </p:nvPr>
+        </p:nvSpPr>
+        <p:spPr>
+          <a:xfrm>
+            <a:off x="3359150" y="6507212"/>
+            <a:ext cx="6379210" cy="153888"/>
+          </a:xfrm>
+        </p:spPr>
+        <p:txBody>
+          <a:bodyPr vert="horz" wrap="square" lIns="0" tIns="0" rIns="0" bIns="0" rtlCol="0" anchor="ctr">
+            <a:normAutofit/>
+          </a:bodyPr>
+          <a:lstStyle/>
+          <a:p>
+            <a:pPr>
+              <a:spcAft>
+                <a:spcPts val="600"/>
+              </a:spcAft>
+            </a:pPr>
+            <a:r>
+              <a:rPr lang="en-US" kern="1200">
+                <a:solidFill>
+                  <a:schemeClr val="tx1">
+                    <a:alpha val="80000"/>
+                  </a:schemeClr>
+                </a:solidFill>
+                <a:latin typeface="+mn-lt"/>
+                <a:ea typeface="+mn-ea"/>
+                <a:cs typeface="+mn-cs"/>
+              </a:rPr>
+              <a:t>Sample Footer Text</a:t>
+            </a:r>
+          </a:p>
+        </p:txBody>
+      </p:sp>
+      <p:sp>
+        <p:nvSpPr>
+          <p:cNvPr id="6" name="Slide Number Placeholder 5">
+            <a:extLst>
+              <a:ext uri="{FF2B5EF4-FFF2-40B4-BE49-F238E27FC236}">
+                <a16:creationId xmlns:a16="http://schemas.microsoft.com/office/drawing/2014/main" id="{937C835B-E2FC-4973-A29B-7A56E2D6B71F}"/>
+              </a:ext>
+            </a:extLst>
+          </p:cNvPr>
+          <p:cNvSpPr>
+            <a:spLocks noGrp="1"/>
+          </p:cNvSpPr>
+          <p:nvPr>
+            <p:ph type="sldNum" sz="quarter" idx="12"/>
+          </p:nvPr>
+        </p:nvSpPr>
+        <p:spPr>
+          <a:xfrm>
+            <a:off x="9948863" y="6507212"/>
+            <a:ext cx="1692274" cy="153888"/>
+          </a:xfrm>
+        </p:spPr>
+        <p:txBody>
+          <a:bodyPr vert="horz" wrap="square" lIns="0" tIns="0" rIns="0" bIns="0" rtlCol="0" anchor="ctr">
+            <a:normAutofit/>
+          </a:bodyPr>
+          <a:lstStyle/>
+          <a:p>
+            <a:pPr>
+              <a:spcAft>
+                <a:spcPts val="600"/>
+              </a:spcAft>
+            </a:pPr>
+            <a:fld id="{DBA1B0FB-D917-4C8C-928F-313BD683BF39}" type="slidenum">
+              <a:rPr lang="en-US" smtClean="0">
+                <a:solidFill>
+                  <a:schemeClr val="tx1">
+                    <a:alpha val="80000"/>
+                  </a:schemeClr>
+                </a:solidFill>
+              </a:rPr>
+              <a:pPr>
+                <a:spcAft>
+                  <a:spcPts val="600"/>
+                </a:spcAft>
+              </a:pPr>
+              <a:t>6</a:t>
+            </a:fld>
+            <a:endParaRPr lang="en-US">
+              <a:solidFill>
+                <a:schemeClr val="tx1">
+                  <a:alpha val="80000"/>
+                </a:schemeClr>
+              </a:solidFill>
+            </a:endParaRPr>
+          </a:p>
+        </p:txBody>
+      </p:sp>
+    </p:spTree>
+    <p:extLst>
+      <p:ext uri="{BB962C8B-B14F-4D97-AF65-F5344CB8AC3E}">
+        <p14:creationId xmlns:p14="http://schemas.microsoft.com/office/powerpoint/2010/main" val="3798250339"/>
       </p:ext>
     </p:extLst>
   </p:cSld>
@@ -15909,239 +18914,21 @@
           <a:chExt cx="0" cy="0"/>
         </a:xfrm>
       </p:grpSpPr>
-      <p:sp>
-        <p:nvSpPr>
-          <p:cNvPr id="16" name="Slide Number Placeholder 15">
-            <a:extLst>
-              <a:ext uri="{FF2B5EF4-FFF2-40B4-BE49-F238E27FC236}">
-                <a16:creationId xmlns:a16="http://schemas.microsoft.com/office/drawing/2014/main" id="{3F8A62C8-5437-4C47-AC0F-0605F84CBA57}"/>
-              </a:ext>
-            </a:extLst>
-          </p:cNvPr>
-          <p:cNvSpPr>
-            <a:spLocks noGrp="1"/>
-          </p:cNvSpPr>
-          <p:nvPr>
-            <p:ph type="sldNum" sz="quarter" idx="12"/>
-          </p:nvPr>
-        </p:nvSpPr>
-        <p:spPr>
-          <a:xfrm>
-            <a:off x="9948863" y="6507212"/>
-            <a:ext cx="1692274" cy="153888"/>
-          </a:xfrm>
-        </p:spPr>
-        <p:txBody>
-          <a:bodyPr/>
-          <a:lstStyle/>
-          <a:p>
-            <a:fld id="{DBA1B0FB-D917-4C8C-928F-313BD683BF39}" type="slidenum">
-              <a:rPr lang="en-US" smtClean="0"/>
-              <a:pPr/>
-              <a:t>7</a:t>
-            </a:fld>
-            <a:endParaRPr lang="en-US"/>
-          </a:p>
-        </p:txBody>
-      </p:sp>
-      <p:sp>
-        <p:nvSpPr>
-          <p:cNvPr id="10" name="CuadroTexto 9">
-            <a:extLst>
-              <a:ext uri="{FF2B5EF4-FFF2-40B4-BE49-F238E27FC236}">
-                <a16:creationId xmlns:a16="http://schemas.microsoft.com/office/drawing/2014/main" id="{485C0798-399F-4728-BF36-0D1242AC8332}"/>
-              </a:ext>
-            </a:extLst>
-          </p:cNvPr>
-          <p:cNvSpPr txBox="1"/>
-          <p:nvPr/>
-        </p:nvSpPr>
-        <p:spPr>
-          <a:xfrm>
-            <a:off x="7663543" y="1161802"/>
-            <a:ext cx="2733304" cy="646331"/>
-          </a:xfrm>
-          <a:prstGeom prst="rect">
-            <a:avLst/>
-          </a:prstGeom>
-          <a:noFill/>
-        </p:spPr>
-        <p:txBody>
-          <a:bodyPr rot="0" spcFirstLastPara="0" vertOverflow="overflow" horzOverflow="overflow" vert="horz" wrap="square" lIns="91440" tIns="45720" rIns="91440" bIns="45720" numCol="1" spcCol="0" rtlCol="0" fromWordArt="0" anchor="t" anchorCtr="0" forceAA="0" compatLnSpc="1">
-            <a:prstTxWarp prst="textNoShape">
-              <a:avLst/>
-            </a:prstTxWarp>
-            <a:spAutoFit/>
-          </a:bodyPr>
-          <a:lstStyle/>
-          <a:p>
-            <a:pPr algn="l"/>
-            <a:r>
-              <a:rPr lang="es-ES" dirty="0" err="1"/>
-              <a:t>Backend</a:t>
-            </a:r>
-            <a:endParaRPr lang="es-ES" dirty="0"/>
-          </a:p>
-          <a:p>
-            <a:endParaRPr lang="es-ES" dirty="0"/>
-          </a:p>
-        </p:txBody>
-      </p:sp>
-      <p:sp>
-        <p:nvSpPr>
-          <p:cNvPr id="12" name="CuadroTexto 11">
-            <a:extLst>
-              <a:ext uri="{FF2B5EF4-FFF2-40B4-BE49-F238E27FC236}">
-                <a16:creationId xmlns:a16="http://schemas.microsoft.com/office/drawing/2014/main" id="{951E7D88-BA06-41BA-AD45-4E30A41A003A}"/>
-              </a:ext>
-            </a:extLst>
-          </p:cNvPr>
-          <p:cNvSpPr txBox="1"/>
-          <p:nvPr/>
-        </p:nvSpPr>
-        <p:spPr>
-          <a:xfrm>
-            <a:off x="10434452" y="4595750"/>
-            <a:ext cx="1387434" cy="369332"/>
-          </a:xfrm>
-          <a:prstGeom prst="rect">
-            <a:avLst/>
-          </a:prstGeom>
-          <a:noFill/>
-        </p:spPr>
-        <p:txBody>
-          <a:bodyPr rot="0" spcFirstLastPara="0" vertOverflow="overflow" horzOverflow="overflow" vert="horz" wrap="square" lIns="91440" tIns="45720" rIns="91440" bIns="45720" numCol="1" spcCol="0" rtlCol="0" fromWordArt="0" anchor="t" anchorCtr="0" forceAA="0" compatLnSpc="1">
-            <a:prstTxWarp prst="textNoShape">
-              <a:avLst/>
-            </a:prstTxWarp>
-            <a:spAutoFit/>
-          </a:bodyPr>
-          <a:lstStyle/>
-          <a:p>
-            <a:r>
-              <a:rPr lang="es-ES" dirty="0" err="1"/>
-              <a:t>Frontend</a:t>
-            </a:r>
-          </a:p>
-        </p:txBody>
-      </p:sp>
-      <p:sp>
-        <p:nvSpPr>
-          <p:cNvPr id="11" name="Rectángulo: esquinas redondeadas 10">
-            <a:extLst>
-              <a:ext uri="{FF2B5EF4-FFF2-40B4-BE49-F238E27FC236}">
-                <a16:creationId xmlns:a16="http://schemas.microsoft.com/office/drawing/2014/main" id="{EE27C9B5-B1B6-4E24-9FF9-D750C34E7098}"/>
-              </a:ext>
-            </a:extLst>
-          </p:cNvPr>
-          <p:cNvSpPr/>
-          <p:nvPr/>
-        </p:nvSpPr>
-        <p:spPr>
-          <a:xfrm>
-            <a:off x="2416999" y="3837090"/>
-            <a:ext cx="7847609" cy="2058389"/>
-          </a:xfrm>
-          <a:prstGeom prst="roundRect">
-            <a:avLst/>
-          </a:prstGeom>
-          <a:noFill/>
-          <a:ln>
-            <a:solidFill>
-              <a:srgbClr val="FF0000"/>
-            </a:solidFill>
-          </a:ln>
-        </p:spPr>
-        <p:style>
-          <a:lnRef idx="2">
-            <a:schemeClr val="accent1">
-              <a:shade val="50000"/>
-            </a:schemeClr>
-          </a:lnRef>
-          <a:fillRef idx="1">
-            <a:schemeClr val="accent1"/>
-          </a:fillRef>
-          <a:effectRef idx="0">
-            <a:schemeClr val="accent1"/>
-          </a:effectRef>
-          <a:fontRef idx="minor">
-            <a:schemeClr val="lt1"/>
-          </a:fontRef>
-        </p:style>
-        <p:txBody>
-          <a:bodyPr rtlCol="0" anchor="ctr"/>
-          <a:lstStyle/>
-          <a:p>
-            <a:pPr algn="ctr"/>
-            <a:endParaRPr lang="es-ES"/>
-          </a:p>
-        </p:txBody>
-      </p:sp>
-      <p:sp>
-        <p:nvSpPr>
-          <p:cNvPr id="14" name="Rectángulo: esquinas redondeadas 13">
-            <a:extLst>
-              <a:ext uri="{FF2B5EF4-FFF2-40B4-BE49-F238E27FC236}">
-                <a16:creationId xmlns:a16="http://schemas.microsoft.com/office/drawing/2014/main" id="{26CF3A86-A08D-4078-8818-458D5EA7B879}"/>
-              </a:ext>
-            </a:extLst>
-          </p:cNvPr>
-          <p:cNvSpPr/>
-          <p:nvPr/>
-        </p:nvSpPr>
-        <p:spPr>
-          <a:xfrm>
-            <a:off x="5326452" y="670336"/>
-            <a:ext cx="2167247" cy="1632857"/>
-          </a:xfrm>
-          <a:prstGeom prst="roundRect">
-            <a:avLst/>
-          </a:prstGeom>
-          <a:noFill/>
-          <a:ln>
-            <a:solidFill>
-              <a:srgbClr val="FF0000"/>
-            </a:solidFill>
-          </a:ln>
-        </p:spPr>
-        <p:style>
-          <a:lnRef idx="2">
-            <a:schemeClr val="accent1">
-              <a:shade val="50000"/>
-            </a:schemeClr>
-          </a:lnRef>
-          <a:fillRef idx="1">
-            <a:schemeClr val="accent1"/>
-          </a:fillRef>
-          <a:effectRef idx="0">
-            <a:schemeClr val="accent1"/>
-          </a:effectRef>
-          <a:fontRef idx="minor">
-            <a:schemeClr val="lt1"/>
-          </a:fontRef>
-        </p:style>
-        <p:txBody>
-          <a:bodyPr rtlCol="0" anchor="ctr"/>
-          <a:lstStyle/>
-          <a:p>
-            <a:pPr algn="ctr"/>
-            <a:endParaRPr lang="es-ES"/>
-          </a:p>
-        </p:txBody>
-      </p:sp>
       <p:pic>
         <p:nvPicPr>
-          <p:cNvPr id="9" name="Imagen 9" descr="Icono&#10;&#10;Descripción generada automáticamente">
-            <a:extLst>
-              <a:ext uri="{FF2B5EF4-FFF2-40B4-BE49-F238E27FC236}">
-                <a16:creationId xmlns:a16="http://schemas.microsoft.com/office/drawing/2014/main" id="{97E0411C-8793-4FF3-99F2-98D83C519A3D}"/>
+          <p:cNvPr id="8" name="Content Placeholder 7">
+            <a:extLst>
+              <a:ext uri="{FF2B5EF4-FFF2-40B4-BE49-F238E27FC236}">
+                <a16:creationId xmlns:a16="http://schemas.microsoft.com/office/drawing/2014/main" id="{968624DB-876D-452A-B938-5A1A41AEFA44}"/>
               </a:ext>
             </a:extLst>
           </p:cNvPr>
           <p:cNvPicPr>
-            <a:picLocks noChangeAspect="1"/>
+            <a:picLocks noGrp="1" noChangeAspect="1"/>
           </p:cNvPicPr>
-          <p:nvPr/>
+          <p:nvPr>
+            <p:ph idx="1"/>
+          </p:nvPr>
         </p:nvPicPr>
         <p:blipFill>
           <a:blip r:embed="rId2"/>
@@ -16151,18 +18938,136 @@
         </p:blipFill>
         <p:spPr>
           <a:xfrm>
-            <a:off x="2210790" y="564948"/>
-            <a:ext cx="7770420" cy="5619244"/>
+            <a:off x="2338287" y="1439069"/>
+            <a:ext cx="2767114" cy="3979862"/>
+          </a:xfrm>
+        </p:spPr>
+      </p:pic>
+      <p:sp>
+        <p:nvSpPr>
+          <p:cNvPr id="4" name="Date Placeholder 3">
+            <a:extLst>
+              <a:ext uri="{FF2B5EF4-FFF2-40B4-BE49-F238E27FC236}">
+                <a16:creationId xmlns:a16="http://schemas.microsoft.com/office/drawing/2014/main" id="{783CB471-3226-40D2-AAED-D1D56B630B32}"/>
+              </a:ext>
+            </a:extLst>
+          </p:cNvPr>
+          <p:cNvSpPr>
+            <a:spLocks noGrp="1"/>
+          </p:cNvSpPr>
+          <p:nvPr>
+            <p:ph type="dt" sz="half" idx="10"/>
+          </p:nvPr>
+        </p:nvSpPr>
+        <p:spPr/>
+        <p:txBody>
+          <a:bodyPr/>
+          <a:lstStyle/>
+          <a:p>
+            <a:r>
+              <a:rPr lang="en-US"/>
+              <a:t>Tuesday, February 2, 20XX</a:t>
+            </a:r>
+          </a:p>
+        </p:txBody>
+      </p:sp>
+      <p:sp>
+        <p:nvSpPr>
+          <p:cNvPr id="5" name="Footer Placeholder 4">
+            <a:extLst>
+              <a:ext uri="{FF2B5EF4-FFF2-40B4-BE49-F238E27FC236}">
+                <a16:creationId xmlns:a16="http://schemas.microsoft.com/office/drawing/2014/main" id="{41719D27-99BF-497A-8239-A4FC9DA5ECDB}"/>
+              </a:ext>
+            </a:extLst>
+          </p:cNvPr>
+          <p:cNvSpPr>
+            <a:spLocks noGrp="1"/>
+          </p:cNvSpPr>
+          <p:nvPr>
+            <p:ph type="ftr" sz="quarter" idx="11"/>
+          </p:nvPr>
+        </p:nvSpPr>
+        <p:spPr/>
+        <p:txBody>
+          <a:bodyPr/>
+          <a:lstStyle/>
+          <a:p>
+            <a:r>
+              <a:rPr lang="en-US"/>
+              <a:t>Sample Footer Text</a:t>
+            </a:r>
+          </a:p>
+        </p:txBody>
+      </p:sp>
+      <p:sp>
+        <p:nvSpPr>
+          <p:cNvPr id="6" name="Slide Number Placeholder 5">
+            <a:extLst>
+              <a:ext uri="{FF2B5EF4-FFF2-40B4-BE49-F238E27FC236}">
+                <a16:creationId xmlns:a16="http://schemas.microsoft.com/office/drawing/2014/main" id="{B81F2E44-A389-48E0-85DD-FD869CE2174D}"/>
+              </a:ext>
+            </a:extLst>
+          </p:cNvPr>
+          <p:cNvSpPr>
+            <a:spLocks noGrp="1"/>
+          </p:cNvSpPr>
+          <p:nvPr>
+            <p:ph type="sldNum" sz="quarter" idx="12"/>
+          </p:nvPr>
+        </p:nvSpPr>
+        <p:spPr/>
+        <p:txBody>
+          <a:bodyPr/>
+          <a:lstStyle/>
+          <a:p>
+            <a:fld id="{DBA1B0FB-D917-4C8C-928F-313BD683BF39}" type="slidenum">
+              <a:rPr lang="en-US" smtClean="0"/>
+              <a:t>7</a:t>
+            </a:fld>
+            <a:endParaRPr lang="en-US"/>
+          </a:p>
+        </p:txBody>
+      </p:sp>
+      <p:sp>
+        <p:nvSpPr>
+          <p:cNvPr id="9" name="TextBox 8">
+            <a:extLst>
+              <a:ext uri="{FF2B5EF4-FFF2-40B4-BE49-F238E27FC236}">
+                <a16:creationId xmlns:a16="http://schemas.microsoft.com/office/drawing/2014/main" id="{3F3251C3-92AD-46FE-89FA-181BAA86271F}"/>
+              </a:ext>
+            </a:extLst>
+          </p:cNvPr>
+          <p:cNvSpPr txBox="1"/>
+          <p:nvPr/>
+        </p:nvSpPr>
+        <p:spPr>
+          <a:xfrm>
+            <a:off x="7086600" y="1774371"/>
+            <a:ext cx="3722914" cy="369332"/>
           </a:xfrm>
           <a:prstGeom prst="rect">
             <a:avLst/>
           </a:prstGeom>
+          <a:noFill/>
         </p:spPr>
-      </p:pic>
+        <p:txBody>
+          <a:bodyPr wrap="square" rtlCol="0">
+            <a:spAutoFit/>
+          </a:bodyPr>
+          <a:lstStyle/>
+          <a:p>
+            <a:r>
+              <a:rPr lang="en-AU" dirty="0"/>
+              <a:t>ID23424     “primer commit”</a:t>
+            </a:r>
+            <a:endParaRPr lang="en-US" dirty="0"/>
+          </a:p>
+        </p:txBody>
+      </p:sp>
     </p:spTree>
     <p:extLst>
       <p:ext uri="{BB962C8B-B14F-4D97-AF65-F5344CB8AC3E}">
-        <p14:creationId xmlns:p14="http://schemas.microsoft.com/office/powerpoint/2010/main" val="1247350036"/>
+        <p14:creationId xmlns:p14="http://schemas.microsoft.com/office/powerpoint/2010/main" val="1105431013"/>
       </p:ext>
     </p:extLst>
   </p:cSld>
@@ -16191,38 +19096,10 @@
       </p:grpSpPr>
       <p:sp>
         <p:nvSpPr>
-          <p:cNvPr id="2" name="Título 1">
-            <a:extLst>
-              <a:ext uri="{FF2B5EF4-FFF2-40B4-BE49-F238E27FC236}">
-                <a16:creationId xmlns:a16="http://schemas.microsoft.com/office/drawing/2014/main" id="{9A833A5C-0BFD-4225-80CA-2AA9437A19F6}"/>
-              </a:ext>
-            </a:extLst>
-          </p:cNvPr>
-          <p:cNvSpPr>
-            <a:spLocks noGrp="1"/>
-          </p:cNvSpPr>
-          <p:nvPr>
-            <p:ph type="title"/>
-          </p:nvPr>
-        </p:nvSpPr>
-        <p:spPr/>
-        <p:txBody>
-          <a:bodyPr/>
-          <a:lstStyle/>
-          <a:p>
-            <a:r>
-              <a:rPr lang="es-ES"/>
-              <a:t>Composición de una página web</a:t>
-            </a:r>
-          </a:p>
-        </p:txBody>
-      </p:sp>
-      <p:sp>
-        <p:nvSpPr>
-          <p:cNvPr id="4" name="Marcador de fecha 3">
-            <a:extLst>
-              <a:ext uri="{FF2B5EF4-FFF2-40B4-BE49-F238E27FC236}">
-                <a16:creationId xmlns:a16="http://schemas.microsoft.com/office/drawing/2014/main" id="{937BF704-7DF0-4E04-A518-30853FE3307D}"/>
+          <p:cNvPr id="4" name="Date Placeholder 3">
+            <a:extLst>
+              <a:ext uri="{FF2B5EF4-FFF2-40B4-BE49-F238E27FC236}">
+                <a16:creationId xmlns:a16="http://schemas.microsoft.com/office/drawing/2014/main" id="{783CB471-3226-40D2-AAED-D1D56B630B32}"/>
               </a:ext>
             </a:extLst>
           </p:cNvPr>
@@ -16247,10 +19124,38 @@
       </p:sp>
       <p:sp>
         <p:nvSpPr>
-          <p:cNvPr id="6" name="Marcador de número de diapositiva 5">
-            <a:extLst>
-              <a:ext uri="{FF2B5EF4-FFF2-40B4-BE49-F238E27FC236}">
-                <a16:creationId xmlns:a16="http://schemas.microsoft.com/office/drawing/2014/main" id="{7A1B33F7-DCC4-4309-A40E-1DE9DC5DE73E}"/>
+          <p:cNvPr id="5" name="Footer Placeholder 4">
+            <a:extLst>
+              <a:ext uri="{FF2B5EF4-FFF2-40B4-BE49-F238E27FC236}">
+                <a16:creationId xmlns:a16="http://schemas.microsoft.com/office/drawing/2014/main" id="{41719D27-99BF-497A-8239-A4FC9DA5ECDB}"/>
+              </a:ext>
+            </a:extLst>
+          </p:cNvPr>
+          <p:cNvSpPr>
+            <a:spLocks noGrp="1"/>
+          </p:cNvSpPr>
+          <p:nvPr>
+            <p:ph type="ftr" sz="quarter" idx="11"/>
+          </p:nvPr>
+        </p:nvSpPr>
+        <p:spPr/>
+        <p:txBody>
+          <a:bodyPr/>
+          <a:lstStyle/>
+          <a:p>
+            <a:r>
+              <a:rPr lang="en-US"/>
+              <a:t>Sample Footer Text</a:t>
+            </a:r>
+          </a:p>
+        </p:txBody>
+      </p:sp>
+      <p:sp>
+        <p:nvSpPr>
+          <p:cNvPr id="6" name="Slide Number Placeholder 5">
+            <a:extLst>
+              <a:ext uri="{FF2B5EF4-FFF2-40B4-BE49-F238E27FC236}">
+                <a16:creationId xmlns:a16="http://schemas.microsoft.com/office/drawing/2014/main" id="{B81F2E44-A389-48E0-85DD-FD869CE2174D}"/>
               </a:ext>
             </a:extLst>
           </p:cNvPr>
@@ -16274,19 +19179,90 @@
           </a:p>
         </p:txBody>
       </p:sp>
+      <p:sp>
+        <p:nvSpPr>
+          <p:cNvPr id="9" name="TextBox 8">
+            <a:extLst>
+              <a:ext uri="{FF2B5EF4-FFF2-40B4-BE49-F238E27FC236}">
+                <a16:creationId xmlns:a16="http://schemas.microsoft.com/office/drawing/2014/main" id="{3F3251C3-92AD-46FE-89FA-181BAA86271F}"/>
+              </a:ext>
+            </a:extLst>
+          </p:cNvPr>
+          <p:cNvSpPr txBox="1"/>
+          <p:nvPr/>
+        </p:nvSpPr>
+        <p:spPr>
+          <a:xfrm>
+            <a:off x="7086599" y="1774371"/>
+            <a:ext cx="4310743" cy="923330"/>
+          </a:xfrm>
+          <a:prstGeom prst="rect">
+            <a:avLst/>
+          </a:prstGeom>
+          <a:noFill/>
+        </p:spPr>
+        <p:txBody>
+          <a:bodyPr wrap="square" rtlCol="0">
+            <a:spAutoFit/>
+          </a:bodyPr>
+          <a:lstStyle/>
+          <a:p>
+            <a:r>
+              <a:rPr lang="en-AU" dirty="0"/>
+              <a:t>ID23424     “primer commit”</a:t>
+            </a:r>
+          </a:p>
+          <a:p>
+            <a:endParaRPr lang="en-AU" dirty="0"/>
+          </a:p>
+          <a:p>
+            <a:r>
+              <a:rPr lang="en-AU" dirty="0"/>
+              <a:t>ID23452     “</a:t>
+            </a:r>
+            <a:r>
+              <a:rPr lang="en-AU" dirty="0" err="1"/>
+              <a:t>función</a:t>
+            </a:r>
+            <a:r>
+              <a:rPr lang="en-AU" dirty="0"/>
+              <a:t> de </a:t>
+            </a:r>
+            <a:r>
+              <a:rPr lang="en-AU" dirty="0" err="1"/>
+              <a:t>pagar</a:t>
+            </a:r>
+            <a:r>
+              <a:rPr lang="en-AU" dirty="0"/>
+              <a:t> </a:t>
+            </a:r>
+            <a:r>
+              <a:rPr lang="en-AU" dirty="0" err="1"/>
+              <a:t>añadida</a:t>
+            </a:r>
+            <a:r>
+              <a:rPr lang="en-AU" dirty="0"/>
+              <a:t>”</a:t>
+            </a:r>
+            <a:endParaRPr lang="en-US" dirty="0"/>
+          </a:p>
+        </p:txBody>
+      </p:sp>
       <p:pic>
         <p:nvPicPr>
-          <p:cNvPr id="7" name="Imagen 7" descr="Logotipo, Icono&#10;&#10;Descripción generada automáticamente">
-            <a:extLst>
-              <a:ext uri="{FF2B5EF4-FFF2-40B4-BE49-F238E27FC236}">
-                <a16:creationId xmlns:a16="http://schemas.microsoft.com/office/drawing/2014/main" id="{0BA42913-1ED7-4569-89A5-4C7583DC463A}"/>
+          <p:cNvPr id="10" name="Content Placeholder 9">
+            <a:extLst>
+              <a:ext uri="{FF2B5EF4-FFF2-40B4-BE49-F238E27FC236}">
+                <a16:creationId xmlns:a16="http://schemas.microsoft.com/office/drawing/2014/main" id="{EF554B8F-2CC6-4D34-9222-C4188EB074B2}"/>
               </a:ext>
             </a:extLst>
           </p:cNvPr>
           <p:cNvPicPr>
-            <a:picLocks noChangeAspect="1"/>
+            <a:picLocks noGrp="1" noChangeAspect="1"/>
           </p:cNvPicPr>
-          <p:nvPr/>
+          <p:nvPr>
+            <p:ph idx="1"/>
+          </p:nvPr>
         </p:nvPicPr>
         <p:blipFill>
           <a:blip r:embed="rId2"/>
@@ -16296,168 +19272,283 @@
         </p:blipFill>
         <p:spPr>
           <a:xfrm>
-            <a:off x="4714504" y="1661556"/>
-            <a:ext cx="2743200" cy="2743200"/>
+            <a:off x="2330530" y="1439069"/>
+            <a:ext cx="2774871" cy="3979862"/>
+          </a:xfrm>
+        </p:spPr>
+      </p:pic>
+    </p:spTree>
+    <p:extLst>
+      <p:ext uri="{BB962C8B-B14F-4D97-AF65-F5344CB8AC3E}">
+        <p14:creationId xmlns:p14="http://schemas.microsoft.com/office/powerpoint/2010/main" val="2344122420"/>
+      </p:ext>
+    </p:extLst>
+  </p:cSld>
+  <p:clrMapOvr>
+    <a:masterClrMapping/>
+  </p:clrMapOvr>
+</p:sld>
+</file>
+
+<file path=ppt/slides/slide9.xml><?xml version="1.0" encoding="utf-8"?>
+<p:sld xmlns:a="http://schemas.openxmlformats.org/drawingml/2006/main" xmlns:r="http://schemas.openxmlformats.org/officeDocument/2006/relationships" xmlns:p="http://schemas.openxmlformats.org/presentationml/2006/main">
+  <p:cSld>
+    <p:spTree>
+      <p:nvGrpSpPr>
+        <p:cNvPr id="1" name=""/>
+        <p:cNvGrpSpPr/>
+        <p:nvPr/>
+      </p:nvGrpSpPr>
+      <p:grpSpPr>
+        <a:xfrm>
+          <a:off x="0" y="0"/>
+          <a:ext cx="0" cy="0"/>
+          <a:chOff x="0" y="0"/>
+          <a:chExt cx="0" cy="0"/>
+        </a:xfrm>
+      </p:grpSpPr>
+      <p:sp>
+        <p:nvSpPr>
+          <p:cNvPr id="4" name="Date Placeholder 3">
+            <a:extLst>
+              <a:ext uri="{FF2B5EF4-FFF2-40B4-BE49-F238E27FC236}">
+                <a16:creationId xmlns:a16="http://schemas.microsoft.com/office/drawing/2014/main" id="{783CB471-3226-40D2-AAED-D1D56B630B32}"/>
+              </a:ext>
+            </a:extLst>
+          </p:cNvPr>
+          <p:cNvSpPr>
+            <a:spLocks noGrp="1"/>
+          </p:cNvSpPr>
+          <p:nvPr>
+            <p:ph type="dt" sz="half" idx="10"/>
+          </p:nvPr>
+        </p:nvSpPr>
+        <p:spPr/>
+        <p:txBody>
+          <a:bodyPr/>
+          <a:lstStyle/>
+          <a:p>
+            <a:r>
+              <a:rPr lang="en-US"/>
+              <a:t>Tuesday, February 2, 20XX</a:t>
+            </a:r>
+          </a:p>
+        </p:txBody>
+      </p:sp>
+      <p:sp>
+        <p:nvSpPr>
+          <p:cNvPr id="5" name="Footer Placeholder 4">
+            <a:extLst>
+              <a:ext uri="{FF2B5EF4-FFF2-40B4-BE49-F238E27FC236}">
+                <a16:creationId xmlns:a16="http://schemas.microsoft.com/office/drawing/2014/main" id="{41719D27-99BF-497A-8239-A4FC9DA5ECDB}"/>
+              </a:ext>
+            </a:extLst>
+          </p:cNvPr>
+          <p:cNvSpPr>
+            <a:spLocks noGrp="1"/>
+          </p:cNvSpPr>
+          <p:nvPr>
+            <p:ph type="ftr" sz="quarter" idx="11"/>
+          </p:nvPr>
+        </p:nvSpPr>
+        <p:spPr/>
+        <p:txBody>
+          <a:bodyPr/>
+          <a:lstStyle/>
+          <a:p>
+            <a:r>
+              <a:rPr lang="en-US"/>
+              <a:t>Sample Footer Text</a:t>
+            </a:r>
+          </a:p>
+        </p:txBody>
+      </p:sp>
+      <p:sp>
+        <p:nvSpPr>
+          <p:cNvPr id="6" name="Slide Number Placeholder 5">
+            <a:extLst>
+              <a:ext uri="{FF2B5EF4-FFF2-40B4-BE49-F238E27FC236}">
+                <a16:creationId xmlns:a16="http://schemas.microsoft.com/office/drawing/2014/main" id="{B81F2E44-A389-48E0-85DD-FD869CE2174D}"/>
+              </a:ext>
+            </a:extLst>
+          </p:cNvPr>
+          <p:cNvSpPr>
+            <a:spLocks noGrp="1"/>
+          </p:cNvSpPr>
+          <p:nvPr>
+            <p:ph type="sldNum" sz="quarter" idx="12"/>
+          </p:nvPr>
+        </p:nvSpPr>
+        <p:spPr/>
+        <p:txBody>
+          <a:bodyPr/>
+          <a:lstStyle/>
+          <a:p>
+            <a:fld id="{DBA1B0FB-D917-4C8C-928F-313BD683BF39}" type="slidenum">
+              <a:rPr lang="en-US" smtClean="0"/>
+              <a:t>9</a:t>
+            </a:fld>
+            <a:endParaRPr lang="en-US"/>
+          </a:p>
+        </p:txBody>
+      </p:sp>
+      <p:sp>
+        <p:nvSpPr>
+          <p:cNvPr id="9" name="TextBox 8">
+            <a:extLst>
+              <a:ext uri="{FF2B5EF4-FFF2-40B4-BE49-F238E27FC236}">
+                <a16:creationId xmlns:a16="http://schemas.microsoft.com/office/drawing/2014/main" id="{3F3251C3-92AD-46FE-89FA-181BAA86271F}"/>
+              </a:ext>
+            </a:extLst>
+          </p:cNvPr>
+          <p:cNvSpPr txBox="1"/>
+          <p:nvPr/>
+        </p:nvSpPr>
+        <p:spPr>
+          <a:xfrm>
+            <a:off x="7086599" y="1774371"/>
+            <a:ext cx="4310743" cy="2585323"/>
           </a:xfrm>
           <a:prstGeom prst="rect">
             <a:avLst/>
           </a:prstGeom>
+          <a:noFill/>
         </p:spPr>
-      </p:pic>
+        <p:txBody>
+          <a:bodyPr wrap="square" rtlCol="0">
+            <a:spAutoFit/>
+          </a:bodyPr>
+          <a:lstStyle/>
+          <a:p>
+            <a:r>
+              <a:rPr lang="en-AU" dirty="0"/>
+              <a:t>ID23424     “primer commit”</a:t>
+            </a:r>
+          </a:p>
+          <a:p>
+            <a:endParaRPr lang="en-AU" dirty="0"/>
+          </a:p>
+          <a:p>
+            <a:r>
+              <a:rPr lang="en-AU" dirty="0"/>
+              <a:t>ID23452     “</a:t>
+            </a:r>
+            <a:r>
+              <a:rPr lang="en-AU" dirty="0" err="1"/>
+              <a:t>función</a:t>
+            </a:r>
+            <a:r>
+              <a:rPr lang="en-AU" dirty="0"/>
+              <a:t> de </a:t>
+            </a:r>
+            <a:r>
+              <a:rPr lang="en-AU" dirty="0" err="1"/>
+              <a:t>pagar</a:t>
+            </a:r>
+            <a:r>
+              <a:rPr lang="en-AU" dirty="0"/>
+              <a:t> </a:t>
+            </a:r>
+            <a:r>
+              <a:rPr lang="en-AU" dirty="0" err="1"/>
+              <a:t>añadida</a:t>
+            </a:r>
+            <a:r>
+              <a:rPr lang="en-AU" dirty="0"/>
+              <a:t>”</a:t>
+            </a:r>
+          </a:p>
+          <a:p>
+            <a:endParaRPr lang="en-AU" dirty="0"/>
+          </a:p>
+          <a:p>
+            <a:r>
+              <a:rPr lang="en-AU" dirty="0"/>
+              <a:t>ID23433     “</a:t>
+            </a:r>
+            <a:r>
+              <a:rPr lang="en-AU" dirty="0" err="1"/>
+              <a:t>función</a:t>
+            </a:r>
+            <a:r>
+              <a:rPr lang="en-AU" dirty="0"/>
+              <a:t> 3 </a:t>
+            </a:r>
+            <a:r>
+              <a:rPr lang="en-AU" dirty="0" err="1"/>
+              <a:t>añadida</a:t>
+            </a:r>
+            <a:r>
+              <a:rPr lang="en-AU" dirty="0"/>
+              <a:t>”</a:t>
+            </a:r>
+          </a:p>
+          <a:p>
+            <a:endParaRPr lang="en-AU" dirty="0"/>
+          </a:p>
+          <a:p>
+            <a:r>
+              <a:rPr lang="en-AU" dirty="0"/>
+              <a:t>ID23423     “</a:t>
+            </a:r>
+            <a:r>
+              <a:rPr lang="en-AU" dirty="0" err="1"/>
+              <a:t>función</a:t>
+            </a:r>
+            <a:r>
+              <a:rPr lang="en-AU" dirty="0"/>
+              <a:t> 4 </a:t>
+            </a:r>
+            <a:r>
+              <a:rPr lang="en-AU" dirty="0" err="1"/>
+              <a:t>añadida</a:t>
+            </a:r>
+            <a:r>
+              <a:rPr lang="en-AU" dirty="0"/>
+              <a:t>”</a:t>
+            </a:r>
+          </a:p>
+          <a:p>
+            <a:endParaRPr lang="en-AU" dirty="0"/>
+          </a:p>
+          <a:p>
+            <a:endParaRPr lang="en-US" dirty="0"/>
+          </a:p>
+        </p:txBody>
+      </p:sp>
       <p:pic>
         <p:nvPicPr>
-          <p:cNvPr id="8" name="Imagen 8" descr="Icono&#10;&#10;Descripción generada automáticamente">
-            <a:extLst>
-              <a:ext uri="{FF2B5EF4-FFF2-40B4-BE49-F238E27FC236}">
-                <a16:creationId xmlns:a16="http://schemas.microsoft.com/office/drawing/2014/main" id="{AD277E8C-05BF-4316-ABB6-F4B9A031D3C0}"/>
+          <p:cNvPr id="12" name="Content Placeholder 11">
+            <a:extLst>
+              <a:ext uri="{FF2B5EF4-FFF2-40B4-BE49-F238E27FC236}">
+                <a16:creationId xmlns:a16="http://schemas.microsoft.com/office/drawing/2014/main" id="{5189CB5A-436D-44D2-9ACA-BF7C18DFF49C}"/>
               </a:ext>
             </a:extLst>
           </p:cNvPr>
           <p:cNvPicPr>
-            <a:picLocks noChangeAspect="1"/>
+            <a:picLocks noGrp="1" noChangeAspect="1"/>
           </p:cNvPicPr>
-          <p:nvPr/>
+          <p:nvPr>
+            <p:ph idx="1"/>
+          </p:nvPr>
         </p:nvPicPr>
         <p:blipFill>
-          <a:blip r:embed="rId3"/>
+          <a:blip r:embed="rId2"/>
           <a:stretch>
             <a:fillRect/>
           </a:stretch>
         </p:blipFill>
         <p:spPr>
           <a:xfrm>
-            <a:off x="548244" y="1661557"/>
-            <a:ext cx="2743200" cy="2743200"/>
+            <a:off x="2344902" y="1439069"/>
+            <a:ext cx="2760500" cy="3979862"/>
           </a:xfrm>
-          <a:prstGeom prst="rect">
-            <a:avLst/>
-          </a:prstGeom>
-        </p:spPr>
-      </p:pic>
-      <p:pic>
-        <p:nvPicPr>
-          <p:cNvPr id="9" name="Imagen 9" descr="Logotipo, Icono&#10;&#10;Descripción generada automáticamente">
-            <a:extLst>
-              <a:ext uri="{FF2B5EF4-FFF2-40B4-BE49-F238E27FC236}">
-                <a16:creationId xmlns:a16="http://schemas.microsoft.com/office/drawing/2014/main" id="{F6082E90-5D52-4CB0-B3E4-B79AE1F0AC63}"/>
-              </a:ext>
-            </a:extLst>
-          </p:cNvPr>
-          <p:cNvPicPr>
-            <a:picLocks noChangeAspect="1"/>
-          </p:cNvPicPr>
-          <p:nvPr/>
-        </p:nvPicPr>
-        <p:blipFill>
-          <a:blip r:embed="rId4"/>
-          <a:stretch>
-            <a:fillRect/>
-          </a:stretch>
-        </p:blipFill>
-        <p:spPr>
-          <a:xfrm>
-            <a:off x="8880764" y="1821527"/>
-            <a:ext cx="2466110" cy="2482634"/>
-          </a:xfrm>
-          <a:prstGeom prst="rect">
-            <a:avLst/>
-          </a:prstGeom>
-        </p:spPr>
-      </p:pic>
-      <p:pic>
-        <p:nvPicPr>
-          <p:cNvPr id="10" name="Imagen 10" descr="Texto&#10;&#10;Descripción generada automáticamente">
-            <a:extLst>
-              <a:ext uri="{FF2B5EF4-FFF2-40B4-BE49-F238E27FC236}">
-                <a16:creationId xmlns:a16="http://schemas.microsoft.com/office/drawing/2014/main" id="{18EA8FDB-23E8-4028-9221-5B1BC46ABB72}"/>
-              </a:ext>
-            </a:extLst>
-          </p:cNvPr>
-          <p:cNvPicPr>
-            <a:picLocks noChangeAspect="1"/>
-          </p:cNvPicPr>
-          <p:nvPr/>
-        </p:nvPicPr>
-        <p:blipFill>
-          <a:blip r:embed="rId5"/>
-          <a:stretch>
-            <a:fillRect/>
-          </a:stretch>
-        </p:blipFill>
-        <p:spPr>
-          <a:xfrm>
-            <a:off x="548244" y="4405869"/>
-            <a:ext cx="2743200" cy="1885950"/>
-          </a:xfrm>
-          <a:prstGeom prst="rect">
-            <a:avLst/>
-          </a:prstGeom>
-        </p:spPr>
-      </p:pic>
-      <p:pic>
-        <p:nvPicPr>
-          <p:cNvPr id="11" name="Imagen 11" descr="Texto&#10;&#10;Descripción generada automáticamente">
-            <a:extLst>
-              <a:ext uri="{FF2B5EF4-FFF2-40B4-BE49-F238E27FC236}">
-                <a16:creationId xmlns:a16="http://schemas.microsoft.com/office/drawing/2014/main" id="{7F9850D7-4FAD-4DD4-8852-BE1C20EBB6E1}"/>
-              </a:ext>
-            </a:extLst>
-          </p:cNvPr>
-          <p:cNvPicPr>
-            <a:picLocks noChangeAspect="1"/>
-          </p:cNvPicPr>
-          <p:nvPr/>
-        </p:nvPicPr>
-        <p:blipFill>
-          <a:blip r:embed="rId6"/>
-          <a:stretch>
-            <a:fillRect/>
-          </a:stretch>
-        </p:blipFill>
-        <p:spPr>
-          <a:xfrm>
-            <a:off x="4506686" y="4402235"/>
-            <a:ext cx="3133271" cy="1871776"/>
-          </a:xfrm>
-          <a:prstGeom prst="rect">
-            <a:avLst/>
-          </a:prstGeom>
-        </p:spPr>
-      </p:pic>
-      <p:pic>
-        <p:nvPicPr>
-          <p:cNvPr id="12" name="Imagen 12" descr="Texto&#10;&#10;Descripción generada automáticamente">
-            <a:extLst>
-              <a:ext uri="{FF2B5EF4-FFF2-40B4-BE49-F238E27FC236}">
-                <a16:creationId xmlns:a16="http://schemas.microsoft.com/office/drawing/2014/main" id="{4CD8C28E-897F-43FC-982B-AAF0D6E12FED}"/>
-              </a:ext>
-            </a:extLst>
-          </p:cNvPr>
-          <p:cNvPicPr>
-            <a:picLocks noChangeAspect="1"/>
-          </p:cNvPicPr>
-          <p:nvPr/>
-        </p:nvPicPr>
-        <p:blipFill>
-          <a:blip r:embed="rId7"/>
-          <a:stretch>
-            <a:fillRect/>
-          </a:stretch>
-        </p:blipFill>
-        <p:spPr>
-          <a:xfrm>
-            <a:off x="8271329" y="4815332"/>
-            <a:ext cx="3686628" cy="565622"/>
-          </a:xfrm>
-          <a:prstGeom prst="rect">
-            <a:avLst/>
-          </a:prstGeom>
         </p:spPr>
       </p:pic>
     </p:spTree>
     <p:extLst>
       <p:ext uri="{BB962C8B-B14F-4D97-AF65-F5344CB8AC3E}">
-        <p14:creationId xmlns:p14="http://schemas.microsoft.com/office/powerpoint/2010/main" val="2134012263"/>
+        <p14:creationId xmlns:p14="http://schemas.microsoft.com/office/powerpoint/2010/main" val="905614019"/>
       </p:ext>
     </p:extLst>
   </p:cSld>
@@ -17259,34 +20350,6 @@
 </file>
 
 <file path=customXml/item1.xml><?xml version="1.0" encoding="utf-8"?>
-<p:properties xmlns:p="http://schemas.microsoft.com/office/2006/metadata/properties" xmlns:xsi="http://www.w3.org/2001/XMLSchema-instance" xmlns:pc="http://schemas.microsoft.com/office/infopath/2007/PartnerControls">
-  <documentManagement>
-    <_ip_UnifiedCompliancePolicyUIAction xmlns="http://schemas.microsoft.com/sharepoint/v3" xsi:nil="true"/>
-    <Image xmlns="71af3243-3dd4-4a8d-8c0d-dd76da1f02a5">
-      <Url xsi:nil="true"/>
-      <Description xsi:nil="true"/>
-    </Image>
-    <Status xmlns="71af3243-3dd4-4a8d-8c0d-dd76da1f02a5">Not started</Status>
-    <_ip_UnifiedCompliancePolicyProperties xmlns="http://schemas.microsoft.com/sharepoint/v3" xsi:nil="true"/>
-    <lcf76f155ced4ddcb4097134ff3c332f xmlns="71af3243-3dd4-4a8d-8c0d-dd76da1f02a5">
-      <Terms xmlns="http://schemas.microsoft.com/office/infopath/2007/PartnerControls"/>
-    </lcf76f155ced4ddcb4097134ff3c332f>
-    <TaxCatchAll xmlns="230e9df3-be65-4c73-a93b-d1236ebd677e"/>
-    <MediaServiceKeyPoints xmlns="71af3243-3dd4-4a8d-8c0d-dd76da1f02a5" xsi:nil="true"/>
-  </documentManagement>
-</p:properties>
-</file>
-
-<file path=customXml/item2.xml><?xml version="1.0" encoding="utf-8"?>
-<?mso-contentType ?>
-<FormTemplates xmlns="http://schemas.microsoft.com/sharepoint/v3/contenttype/forms">
-  <Display>DocumentLibraryForm</Display>
-  <Edit>DocumentLibraryForm</Edit>
-  <New>DocumentLibraryForm</New>
-</FormTemplates>
-</file>
-
-<file path=customXml/item3.xml><?xml version="1.0" encoding="utf-8"?>
 <ct:contentTypeSchema xmlns:ct="http://schemas.microsoft.com/office/2006/metadata/contentType" xmlns:ma="http://schemas.microsoft.com/office/2006/metadata/properties/metaAttributes" ct:_="" ma:_="" ma:contentTypeName="Document" ma:contentTypeID="0x01010079F111ED35F8CC479449609E8A0923A6" ma:contentTypeVersion="18" ma:contentTypeDescription="Create a new document." ma:contentTypeScope="" ma:versionID="22a266b9fa9a230c5a512669d8b298c3">
   <xsd:schema xmlns:xsd="http://www.w3.org/2001/XMLSchema" xmlns:xs="http://www.w3.org/2001/XMLSchema" xmlns:p="http://schemas.microsoft.com/office/2006/metadata/properties" xmlns:ns1="http://schemas.microsoft.com/sharepoint/v3" xmlns:ns2="71af3243-3dd4-4a8d-8c0d-dd76da1f02a5" xmlns:ns3="16c05727-aa75-4e4a-9b5f-8a80a1165891" xmlns:ns4="230e9df3-be65-4c73-a93b-d1236ebd677e" targetNamespace="http://schemas.microsoft.com/office/2006/metadata/properties" ma:root="true" ma:fieldsID="eddc33fff6b14141ee5c74a0d29ea6a1" ns1:_="" ns2:_="" ns3:_="" ns4:_="">
     <xsd:import namespace="http://schemas.microsoft.com/sharepoint/v3"/>
@@ -17562,27 +20625,35 @@
 </ct:contentTypeSchema>
 </file>
 
-<file path=customXml/itemProps1.xml><?xml version="1.0" encoding="utf-8"?>
-<ds:datastoreItem xmlns:ds="http://schemas.openxmlformats.org/officeDocument/2006/customXml" ds:itemID="{CF128D9D-8887-4AE7-BD39-EBCD268E911A}">
-  <ds:schemaRefs>
-    <ds:schemaRef ds:uri="http://schemas.microsoft.com/office/2006/metadata/properties"/>
-    <ds:schemaRef ds:uri="http://schemas.microsoft.com/office/infopath/2007/PartnerControls"/>
-    <ds:schemaRef ds:uri="http://schemas.microsoft.com/sharepoint/v3"/>
-    <ds:schemaRef ds:uri="71af3243-3dd4-4a8d-8c0d-dd76da1f02a5"/>
-    <ds:schemaRef ds:uri="230e9df3-be65-4c73-a93b-d1236ebd677e"/>
-  </ds:schemaRefs>
-</ds:datastoreItem>
+<file path=customXml/item2.xml><?xml version="1.0" encoding="utf-8"?>
+<?mso-contentType ?>
+<FormTemplates xmlns="http://schemas.microsoft.com/sharepoint/v3/contenttype/forms">
+  <Display>DocumentLibraryForm</Display>
+  <Edit>DocumentLibraryForm</Edit>
+  <New>DocumentLibraryForm</New>
+</FormTemplates>
 </file>
 
-<file path=customXml/itemProps2.xml><?xml version="1.0" encoding="utf-8"?>
-<ds:datastoreItem xmlns:ds="http://schemas.openxmlformats.org/officeDocument/2006/customXml" ds:itemID="{DF76BC85-9361-4044-951E-1D698143E543}">
-  <ds:schemaRefs>
-    <ds:schemaRef ds:uri="http://schemas.microsoft.com/sharepoint/v3/contenttype/forms"/>
-  </ds:schemaRefs>
-</ds:datastoreItem>
+<file path=customXml/item3.xml><?xml version="1.0" encoding="utf-8"?>
+<p:properties xmlns:p="http://schemas.microsoft.com/office/2006/metadata/properties" xmlns:xsi="http://www.w3.org/2001/XMLSchema-instance" xmlns:pc="http://schemas.microsoft.com/office/infopath/2007/PartnerControls">
+  <documentManagement>
+    <_ip_UnifiedCompliancePolicyUIAction xmlns="http://schemas.microsoft.com/sharepoint/v3" xsi:nil="true"/>
+    <Image xmlns="71af3243-3dd4-4a8d-8c0d-dd76da1f02a5">
+      <Url xsi:nil="true"/>
+      <Description xsi:nil="true"/>
+    </Image>
+    <Status xmlns="71af3243-3dd4-4a8d-8c0d-dd76da1f02a5">Not started</Status>
+    <_ip_UnifiedCompliancePolicyProperties xmlns="http://schemas.microsoft.com/sharepoint/v3" xsi:nil="true"/>
+    <lcf76f155ced4ddcb4097134ff3c332f xmlns="71af3243-3dd4-4a8d-8c0d-dd76da1f02a5">
+      <Terms xmlns="http://schemas.microsoft.com/office/infopath/2007/PartnerControls"/>
+    </lcf76f155ced4ddcb4097134ff3c332f>
+    <TaxCatchAll xmlns="230e9df3-be65-4c73-a93b-d1236ebd677e"/>
+    <MediaServiceKeyPoints xmlns="71af3243-3dd4-4a8d-8c0d-dd76da1f02a5" xsi:nil="true"/>
+  </documentManagement>
+</p:properties>
 </file>
 
-<file path=customXml/itemProps3.xml><?xml version="1.0" encoding="utf-8"?>
+<file path=customXml/itemProps1.xml><?xml version="1.0" encoding="utf-8"?>
 <ds:datastoreItem xmlns:ds="http://schemas.openxmlformats.org/officeDocument/2006/customXml" ds:itemID="{5A163FB7-958F-4794-B3EE-EC8933868F09}">
   <ds:schemaRefs>
     <ds:schemaRef ds:uri="http://schemas.microsoft.com/office/2006/metadata/contentType"/>
@@ -17603,6 +20674,26 @@
 </ds:datastoreItem>
 </file>
 
+<file path=customXml/itemProps2.xml><?xml version="1.0" encoding="utf-8"?>
+<ds:datastoreItem xmlns:ds="http://schemas.openxmlformats.org/officeDocument/2006/customXml" ds:itemID="{DF76BC85-9361-4044-951E-1D698143E543}">
+  <ds:schemaRefs>
+    <ds:schemaRef ds:uri="http://schemas.microsoft.com/sharepoint/v3/contenttype/forms"/>
+  </ds:schemaRefs>
+</ds:datastoreItem>
+</file>
+
+<file path=customXml/itemProps3.xml><?xml version="1.0" encoding="utf-8"?>
+<ds:datastoreItem xmlns:ds="http://schemas.openxmlformats.org/officeDocument/2006/customXml" ds:itemID="{CF128D9D-8887-4AE7-BD39-EBCD268E911A}">
+  <ds:schemaRefs>
+    <ds:schemaRef ds:uri="http://schemas.microsoft.com/office/2006/metadata/properties"/>
+    <ds:schemaRef ds:uri="http://schemas.microsoft.com/office/infopath/2007/PartnerControls"/>
+    <ds:schemaRef ds:uri="http://schemas.microsoft.com/sharepoint/v3"/>
+    <ds:schemaRef ds:uri="71af3243-3dd4-4a8d-8c0d-dd76da1f02a5"/>
+    <ds:schemaRef ds:uri="230e9df3-be65-4c73-a93b-d1236ebd677e"/>
+  </ds:schemaRefs>
+</ds:datastoreItem>
+</file>
+
 <file path=docMetadata/LabelInfo.xml><?xml version="1.0" encoding="utf-8"?>
 <clbl:labelList xmlns:clbl="http://schemas.microsoft.com/office/2020/mipLabelMetadata">
   <clbl:label id="{f42aa342-8706-4288-bd11-ebb85995028c}" enabled="1" method="Standard" siteId="{72f988bf-86f1-41af-91ab-2d7cd011db47}" contentBits="0" removed="0"/>

--- a/Clase 1/presentacionClase1.pptx
+++ b/Clase 1/presentacionClase1.pptx
@@ -5,10 +5,10 @@
     <p:sldMasterId id="2147483684" r:id="rId4"/>
   </p:sldMasterIdLst>
   <p:notesMasterIdLst>
-    <p:notesMasterId r:id="rId19"/>
+    <p:notesMasterId r:id="rId20"/>
   </p:notesMasterIdLst>
   <p:handoutMasterIdLst>
-    <p:handoutMasterId r:id="rId20"/>
+    <p:handoutMasterId r:id="rId21"/>
   </p:handoutMasterIdLst>
   <p:sldIdLst>
     <p:sldId id="257" r:id="rId5"/>
@@ -22,9 +22,10 @@
     <p:sldId id="399" r:id="rId13"/>
     <p:sldId id="400" r:id="rId14"/>
     <p:sldId id="401" r:id="rId15"/>
-    <p:sldId id="392" r:id="rId16"/>
-    <p:sldId id="393" r:id="rId17"/>
-    <p:sldId id="395" r:id="rId18"/>
+    <p:sldId id="402" r:id="rId16"/>
+    <p:sldId id="392" r:id="rId17"/>
+    <p:sldId id="393" r:id="rId18"/>
+    <p:sldId id="395" r:id="rId19"/>
   </p:sldIdLst>
   <p:sldSz cx="12192000" cy="6858000"/>
   <p:notesSz cx="6858000" cy="9144000"/>
@@ -1009,7 +1010,7 @@
           <a:p>
             <a:fld id="{1983A999-5E0E-42CA-8400-604AE921FF7C}" type="slidenum">
               <a:rPr lang="en-US" smtClean="0"/>
-              <a:t>12</a:t>
+              <a:t>13</a:t>
             </a:fld>
             <a:endParaRPr lang="en-US"/>
           </a:p>
@@ -13564,6 +13565,305 @@
 <file path=ppt/slides/slide12.xml><?xml version="1.0" encoding="utf-8"?>
 <p:sld xmlns:a="http://schemas.openxmlformats.org/drawingml/2006/main" xmlns:r="http://schemas.openxmlformats.org/officeDocument/2006/relationships" xmlns:p="http://schemas.openxmlformats.org/presentationml/2006/main">
   <p:cSld>
+    <p:spTree>
+      <p:nvGrpSpPr>
+        <p:cNvPr id="1" name=""/>
+        <p:cNvGrpSpPr/>
+        <p:nvPr/>
+      </p:nvGrpSpPr>
+      <p:grpSpPr>
+        <a:xfrm>
+          <a:off x="0" y="0"/>
+          <a:ext cx="0" cy="0"/>
+          <a:chOff x="0" y="0"/>
+          <a:chExt cx="0" cy="0"/>
+        </a:xfrm>
+      </p:grpSpPr>
+      <p:sp>
+        <p:nvSpPr>
+          <p:cNvPr id="2" name="Title 1">
+            <a:extLst>
+              <a:ext uri="{FF2B5EF4-FFF2-40B4-BE49-F238E27FC236}">
+                <a16:creationId xmlns:a16="http://schemas.microsoft.com/office/drawing/2014/main" id="{6A8CEB0B-431C-49CC-882F-6D00D479BB6D}"/>
+              </a:ext>
+            </a:extLst>
+          </p:cNvPr>
+          <p:cNvSpPr>
+            <a:spLocks noGrp="1"/>
+          </p:cNvSpPr>
+          <p:nvPr>
+            <p:ph type="title"/>
+          </p:nvPr>
+        </p:nvSpPr>
+        <p:spPr/>
+        <p:txBody>
+          <a:bodyPr/>
+          <a:lstStyle/>
+          <a:p>
+            <a:pPr algn="ctr"/>
+            <a:r>
+              <a:rPr lang="es-CR" dirty="0"/>
+              <a:t>Ramas (Branch)</a:t>
+            </a:r>
+            <a:endParaRPr lang="en-US" dirty="0"/>
+          </a:p>
+        </p:txBody>
+      </p:sp>
+      <p:sp>
+        <p:nvSpPr>
+          <p:cNvPr id="4" name="Date Placeholder 3">
+            <a:extLst>
+              <a:ext uri="{FF2B5EF4-FFF2-40B4-BE49-F238E27FC236}">
+                <a16:creationId xmlns:a16="http://schemas.microsoft.com/office/drawing/2014/main" id="{5F56F9B4-0881-487E-B044-0373AD1FA600}"/>
+              </a:ext>
+            </a:extLst>
+          </p:cNvPr>
+          <p:cNvSpPr>
+            <a:spLocks noGrp="1"/>
+          </p:cNvSpPr>
+          <p:nvPr>
+            <p:ph type="dt" sz="half" idx="10"/>
+          </p:nvPr>
+        </p:nvSpPr>
+        <p:spPr/>
+        <p:txBody>
+          <a:bodyPr/>
+          <a:lstStyle/>
+          <a:p>
+            <a:r>
+              <a:rPr lang="en-US"/>
+              <a:t>Tuesday, February 2, 20XX</a:t>
+            </a:r>
+          </a:p>
+        </p:txBody>
+      </p:sp>
+      <p:sp>
+        <p:nvSpPr>
+          <p:cNvPr id="5" name="Footer Placeholder 4">
+            <a:extLst>
+              <a:ext uri="{FF2B5EF4-FFF2-40B4-BE49-F238E27FC236}">
+                <a16:creationId xmlns:a16="http://schemas.microsoft.com/office/drawing/2014/main" id="{F6DCBE72-8C14-4328-BF65-4AA35D16ED9A}"/>
+              </a:ext>
+            </a:extLst>
+          </p:cNvPr>
+          <p:cNvSpPr>
+            <a:spLocks noGrp="1"/>
+          </p:cNvSpPr>
+          <p:nvPr>
+            <p:ph type="ftr" sz="quarter" idx="11"/>
+          </p:nvPr>
+        </p:nvSpPr>
+        <p:spPr/>
+        <p:txBody>
+          <a:bodyPr/>
+          <a:lstStyle/>
+          <a:p>
+            <a:r>
+              <a:rPr lang="en-US"/>
+              <a:t>Sample Footer Text</a:t>
+            </a:r>
+          </a:p>
+        </p:txBody>
+      </p:sp>
+      <p:sp>
+        <p:nvSpPr>
+          <p:cNvPr id="6" name="Slide Number Placeholder 5">
+            <a:extLst>
+              <a:ext uri="{FF2B5EF4-FFF2-40B4-BE49-F238E27FC236}">
+                <a16:creationId xmlns:a16="http://schemas.microsoft.com/office/drawing/2014/main" id="{3F7C694D-4AE2-435B-B562-9CA2B07AA9E3}"/>
+              </a:ext>
+            </a:extLst>
+          </p:cNvPr>
+          <p:cNvSpPr>
+            <a:spLocks noGrp="1"/>
+          </p:cNvSpPr>
+          <p:nvPr>
+            <p:ph type="sldNum" sz="quarter" idx="12"/>
+          </p:nvPr>
+        </p:nvSpPr>
+        <p:spPr/>
+        <p:txBody>
+          <a:bodyPr/>
+          <a:lstStyle/>
+          <a:p>
+            <a:fld id="{DBA1B0FB-D917-4C8C-928F-313BD683BF39}" type="slidenum">
+              <a:rPr lang="en-US" smtClean="0"/>
+              <a:t>12</a:t>
+            </a:fld>
+            <a:endParaRPr lang="en-US"/>
+          </a:p>
+        </p:txBody>
+      </p:sp>
+      <p:pic>
+        <p:nvPicPr>
+          <p:cNvPr id="2050" name="Picture 2" descr="Programmer Icon #379821 - Free Icons Library">
+            <a:extLst>
+              <a:ext uri="{FF2B5EF4-FFF2-40B4-BE49-F238E27FC236}">
+                <a16:creationId xmlns:a16="http://schemas.microsoft.com/office/drawing/2014/main" id="{813368A9-97A3-4418-860E-D037DCB41CAC}"/>
+              </a:ext>
+            </a:extLst>
+          </p:cNvPr>
+          <p:cNvPicPr>
+            <a:picLocks noChangeAspect="1" noChangeArrowheads="1"/>
+          </p:cNvPicPr>
+          <p:nvPr/>
+        </p:nvPicPr>
+        <p:blipFill>
+          <a:blip r:embed="rId2">
+            <a:extLst>
+              <a:ext uri="{28A0092B-C50C-407E-A947-70E740481C1C}">
+                <a14:useLocalDpi xmlns:a14="http://schemas.microsoft.com/office/drawing/2010/main" val="0"/>
+              </a:ext>
+            </a:extLst>
+          </a:blip>
+          <a:srcRect/>
+          <a:stretch>
+            <a:fillRect/>
+          </a:stretch>
+        </p:blipFill>
+        <p:spPr bwMode="auto">
+          <a:xfrm>
+            <a:off x="626110" y="1858465"/>
+            <a:ext cx="2733040" cy="2733040"/>
+          </a:xfrm>
+          <a:prstGeom prst="rect">
+            <a:avLst/>
+          </a:prstGeom>
+          <a:noFill/>
+          <a:extLst>
+            <a:ext uri="{909E8E84-426E-40DD-AFC4-6F175D3DCCD1}">
+              <a14:hiddenFill xmlns:a14="http://schemas.microsoft.com/office/drawing/2010/main">
+                <a:solidFill>
+                  <a:srgbClr val="FFFFFF"/>
+                </a:solidFill>
+              </a14:hiddenFill>
+            </a:ext>
+          </a:extLst>
+        </p:spPr>
+      </p:pic>
+      <p:pic>
+        <p:nvPicPr>
+          <p:cNvPr id="2052" name="Picture 4" descr="Cartoon,Nose,Pug,Snout,Clip art,Illustration,Puppy,Animated  cartoon,Canidae,Fawn,Art #171648 - Free Icon Library">
+            <a:extLst>
+              <a:ext uri="{FF2B5EF4-FFF2-40B4-BE49-F238E27FC236}">
+                <a16:creationId xmlns:a16="http://schemas.microsoft.com/office/drawing/2014/main" id="{701AF862-3227-4A06-BC4C-8B667A1669D9}"/>
+              </a:ext>
+            </a:extLst>
+          </p:cNvPr>
+          <p:cNvPicPr>
+            <a:picLocks noChangeAspect="1" noChangeArrowheads="1"/>
+          </p:cNvPicPr>
+          <p:nvPr/>
+        </p:nvPicPr>
+        <p:blipFill>
+          <a:blip r:embed="rId3">
+            <a:extLst>
+              <a:ext uri="{28A0092B-C50C-407E-A947-70E740481C1C}">
+                <a14:useLocalDpi xmlns:a14="http://schemas.microsoft.com/office/drawing/2010/main" val="0"/>
+              </a:ext>
+            </a:extLst>
+          </a:blip>
+          <a:srcRect/>
+          <a:stretch>
+            <a:fillRect/>
+          </a:stretch>
+        </p:blipFill>
+        <p:spPr bwMode="auto">
+          <a:xfrm>
+            <a:off x="8357878" y="2175489"/>
+            <a:ext cx="2913488" cy="2913488"/>
+          </a:xfrm>
+          <a:prstGeom prst="rect">
+            <a:avLst/>
+          </a:prstGeom>
+          <a:noFill/>
+          <a:extLst>
+            <a:ext uri="{909E8E84-426E-40DD-AFC4-6F175D3DCCD1}">
+              <a14:hiddenFill xmlns:a14="http://schemas.microsoft.com/office/drawing/2010/main">
+                <a:solidFill>
+                  <a:srgbClr val="FFFFFF"/>
+                </a:solidFill>
+              </a14:hiddenFill>
+            </a:ext>
+          </a:extLst>
+        </p:spPr>
+      </p:pic>
+      <p:pic>
+        <p:nvPicPr>
+          <p:cNvPr id="13" name="Content Placeholder 9">
+            <a:extLst>
+              <a:ext uri="{FF2B5EF4-FFF2-40B4-BE49-F238E27FC236}">
+                <a16:creationId xmlns:a16="http://schemas.microsoft.com/office/drawing/2014/main" id="{F4653E7B-9263-4AA9-9513-35FB08EBDA0D}"/>
+              </a:ext>
+            </a:extLst>
+          </p:cNvPr>
+          <p:cNvPicPr>
+            <a:picLocks noChangeAspect="1"/>
+          </p:cNvPicPr>
+          <p:nvPr/>
+        </p:nvPicPr>
+        <p:blipFill>
+          <a:blip r:embed="rId4"/>
+          <a:stretch>
+            <a:fillRect/>
+          </a:stretch>
+        </p:blipFill>
+        <p:spPr>
+          <a:xfrm>
+            <a:off x="4416244" y="2175489"/>
+            <a:ext cx="2207813" cy="3166559"/>
+          </a:xfrm>
+          <a:prstGeom prst="rect">
+            <a:avLst/>
+          </a:prstGeom>
+        </p:spPr>
+      </p:pic>
+      <p:pic>
+        <p:nvPicPr>
+          <p:cNvPr id="16" name="Picture 15" descr="Icon&#10;&#10;Description automatically generated">
+            <a:extLst>
+              <a:ext uri="{FF2B5EF4-FFF2-40B4-BE49-F238E27FC236}">
+                <a16:creationId xmlns:a16="http://schemas.microsoft.com/office/drawing/2014/main" id="{F54F409B-A70F-41FF-9295-60792E517CE4}"/>
+              </a:ext>
+            </a:extLst>
+          </p:cNvPr>
+          <p:cNvPicPr>
+            <a:picLocks noChangeAspect="1"/>
+          </p:cNvPicPr>
+          <p:nvPr/>
+        </p:nvPicPr>
+        <p:blipFill>
+          <a:blip r:embed="rId5"/>
+          <a:stretch>
+            <a:fillRect/>
+          </a:stretch>
+        </p:blipFill>
+        <p:spPr>
+          <a:xfrm>
+            <a:off x="4849000" y="3746678"/>
+            <a:ext cx="1342299" cy="1342299"/>
+          </a:xfrm>
+          <a:prstGeom prst="rect">
+            <a:avLst/>
+          </a:prstGeom>
+        </p:spPr>
+      </p:pic>
+    </p:spTree>
+    <p:extLst>
+      <p:ext uri="{BB962C8B-B14F-4D97-AF65-F5344CB8AC3E}">
+        <p14:creationId xmlns:p14="http://schemas.microsoft.com/office/powerpoint/2010/main" val="793004811"/>
+      </p:ext>
+    </p:extLst>
+  </p:cSld>
+  <p:clrMapOvr>
+    <a:masterClrMapping/>
+  </p:clrMapOvr>
+</p:sld>
+</file>
+
+<file path=ppt/slides/slide13.xml><?xml version="1.0" encoding="utf-8"?>
+<p:sld xmlns:a="http://schemas.openxmlformats.org/drawingml/2006/main" xmlns:r="http://schemas.openxmlformats.org/officeDocument/2006/relationships" xmlns:p="http://schemas.openxmlformats.org/presentationml/2006/main">
+  <p:cSld>
     <p:bg>
       <p:bgPr>
         <a:solidFill>
@@ -14723,7 +15023,7 @@
 </p:sld>
 </file>
 
-<file path=ppt/slides/slide13.xml><?xml version="1.0" encoding="utf-8"?>
+<file path=ppt/slides/slide14.xml><?xml version="1.0" encoding="utf-8"?>
 <p:sld xmlns:a="http://schemas.openxmlformats.org/drawingml/2006/main" xmlns:r="http://schemas.openxmlformats.org/officeDocument/2006/relationships" xmlns:p="http://schemas.openxmlformats.org/presentationml/2006/main">
   <p:cSld>
     <p:spTree>
@@ -14769,7 +15069,7 @@
             <a:fld id="{DBA1B0FB-D917-4C8C-928F-313BD683BF39}" type="slidenum">
               <a:rPr lang="en-US" smtClean="0"/>
               <a:pPr/>
-              <a:t>13</a:t>
+              <a:t>14</a:t>
             </a:fld>
             <a:endParaRPr lang="en-US"/>
           </a:p>
@@ -15003,7 +15303,7 @@
 </p:sld>
 </file>
 
-<file path=ppt/slides/slide14.xml><?xml version="1.0" encoding="utf-8"?>
+<file path=ppt/slides/slide15.xml><?xml version="1.0" encoding="utf-8"?>
 <p:sld xmlns:a="http://schemas.openxmlformats.org/drawingml/2006/main" xmlns:r="http://schemas.openxmlformats.org/officeDocument/2006/relationships" xmlns:p="http://schemas.openxmlformats.org/presentationml/2006/main">
   <p:cSld>
     <p:spTree>
@@ -15099,7 +15399,7 @@
           <a:p>
             <a:fld id="{DBA1B0FB-D917-4C8C-928F-313BD683BF39}" type="slidenum">
               <a:rPr lang="en-US" smtClean="0"/>
-              <a:t>14</a:t>
+              <a:t>15</a:t>
             </a:fld>
             <a:endParaRPr lang="en-US"/>
           </a:p>
@@ -17177,6 +17477,16 @@
               </a:rPr>
               <a:t>Para qué sirve</a:t>
             </a:r>
+          </a:p>
+          <a:p>
+            <a:r>
+              <a:rPr lang="es-CR" sz="2800" b="1" dirty="0">
+                <a:latin typeface="Calibri" panose="020F0502020204030204" pitchFamily="34" charset="0"/>
+                <a:ea typeface="Calibri" panose="020F0502020204030204" pitchFamily="34" charset="0"/>
+                <a:cs typeface="Times New Roman" panose="02020603050405020304" pitchFamily="18" charset="0"/>
+              </a:rPr>
+              <a:t>GitHub</a:t>
+            </a:r>
             <a:endParaRPr lang="en-US" sz="2800" dirty="0">
               <a:effectLst/>
               <a:latin typeface="Calibri" panose="020F0502020204030204" pitchFamily="34" charset="0"/>
@@ -17186,73 +17496,6 @@
           </a:p>
         </p:txBody>
       </p:sp>
-      <p:pic>
-        <p:nvPicPr>
-          <p:cNvPr id="5" name="Picture Placeholder 7" descr="Data Points Digital background">
-            <a:extLst>
-              <a:ext uri="{FF2B5EF4-FFF2-40B4-BE49-F238E27FC236}">
-                <a16:creationId xmlns:a16="http://schemas.microsoft.com/office/drawing/2014/main" id="{55F8424C-95C5-46CE-B579-4D769616A6A6}"/>
-              </a:ext>
-            </a:extLst>
-          </p:cNvPr>
-          <p:cNvPicPr>
-            <a:picLocks noChangeAspect="1"/>
-          </p:cNvPicPr>
-          <p:nvPr/>
-        </p:nvPicPr>
-        <p:blipFill rotWithShape="1">
-          <a:blip r:embed="rId2">
-            <a:extLst>
-              <a:ext uri="{28A0092B-C50C-407E-A947-70E740481C1C}">
-                <a14:useLocalDpi xmlns:a14="http://schemas.microsoft.com/office/drawing/2010/main" val="0"/>
-              </a:ext>
-            </a:extLst>
-          </a:blip>
-          <a:srcRect l="38744" r="5007" b="2"/>
-          <a:stretch/>
-        </p:blipFill>
-        <p:spPr>
-          <a:xfrm>
-            <a:off x="5588000" y="862806"/>
-            <a:ext cx="5132388" cy="5132388"/>
-          </a:xfrm>
-          <a:custGeom>
-            <a:avLst/>
-            <a:gdLst/>
-            <a:ahLst/>
-            <a:cxnLst/>
-            <a:rect l="l" t="t" r="r" b="b"/>
-            <a:pathLst>
-              <a:path w="5132388" h="5132388">
-                <a:moveTo>
-                  <a:pt x="2566194" y="0"/>
-                </a:moveTo>
-                <a:cubicBezTo>
-                  <a:pt x="3983464" y="0"/>
-                  <a:pt x="5132388" y="1148924"/>
-                  <a:pt x="5132388" y="2566194"/>
-                </a:cubicBezTo>
-                <a:cubicBezTo>
-                  <a:pt x="5132388" y="3983464"/>
-                  <a:pt x="3983464" y="5132388"/>
-                  <a:pt x="2566194" y="5132388"/>
-                </a:cubicBezTo>
-                <a:cubicBezTo>
-                  <a:pt x="1148924" y="5132388"/>
-                  <a:pt x="0" y="3983464"/>
-                  <a:pt x="0" y="2566194"/>
-                </a:cubicBezTo>
-                <a:cubicBezTo>
-                  <a:pt x="0" y="1148924"/>
-                  <a:pt x="1148924" y="0"/>
-                  <a:pt x="2566194" y="0"/>
-                </a:cubicBezTo>
-                <a:close/>
-              </a:path>
-            </a:pathLst>
-          </a:custGeom>
-        </p:spPr>
-      </p:pic>
       <p:grpSp>
         <p:nvGrpSpPr>
           <p:cNvPr id="23" name="Group 22">
@@ -17890,6 +18133,76 @@
           </a:p>
         </p:txBody>
       </p:sp>
+      <p:pic>
+        <p:nvPicPr>
+          <p:cNvPr id="2054" name="Picture 6" descr="Logo Git PNG transparente - StickPNG">
+            <a:extLst>
+              <a:ext uri="{FF2B5EF4-FFF2-40B4-BE49-F238E27FC236}">
+                <a16:creationId xmlns:a16="http://schemas.microsoft.com/office/drawing/2014/main" id="{026B39B0-3AAA-4116-8B23-F9A1900EE600}"/>
+              </a:ext>
+            </a:extLst>
+          </p:cNvPr>
+          <p:cNvPicPr>
+            <a:picLocks noChangeAspect="1" noChangeArrowheads="1"/>
+          </p:cNvPicPr>
+          <p:nvPr/>
+        </p:nvPicPr>
+        <p:blipFill>
+          <a:blip r:embed="rId2">
+            <a:extLst>
+              <a:ext uri="{28A0092B-C50C-407E-A947-70E740481C1C}">
+                <a14:useLocalDpi xmlns:a14="http://schemas.microsoft.com/office/drawing/2010/main" val="0"/>
+              </a:ext>
+            </a:extLst>
+          </a:blip>
+          <a:srcRect/>
+          <a:stretch>
+            <a:fillRect/>
+          </a:stretch>
+        </p:blipFill>
+        <p:spPr bwMode="auto">
+          <a:xfrm>
+            <a:off x="6520310" y="1347018"/>
+            <a:ext cx="4301145" cy="4301145"/>
+          </a:xfrm>
+          <a:prstGeom prst="ellipse">
+            <a:avLst/>
+          </a:prstGeom>
+          <a:ln w="63500" cap="rnd">
+            <a:solidFill>
+              <a:srgbClr val="333333"/>
+            </a:solidFill>
+          </a:ln>
+          <a:effectLst>
+            <a:outerShdw blurRad="381000" dist="292100" dir="5400000" sx="-80000" sy="-18000" rotWithShape="0">
+              <a:srgbClr val="000000">
+                <a:alpha val="22000"/>
+              </a:srgbClr>
+            </a:outerShdw>
+          </a:effectLst>
+          <a:scene3d>
+            <a:camera prst="orthographicFront"/>
+            <a:lightRig rig="contrasting" dir="t">
+              <a:rot lat="0" lon="0" rev="3000000"/>
+            </a:lightRig>
+          </a:scene3d>
+          <a:sp3d contourW="7620">
+            <a:bevelT w="95250" h="31750"/>
+            <a:contourClr>
+              <a:srgbClr val="333333"/>
+            </a:contourClr>
+          </a:sp3d>
+          <a:extLst>
+            <a:ext uri="{909E8E84-426E-40DD-AFC4-6F175D3DCCD1}">
+              <a14:hiddenFill xmlns:a14="http://schemas.microsoft.com/office/drawing/2010/main">
+                <a:solidFill>
+                  <a:srgbClr val="FFFFFF"/>
+                </a:solidFill>
+              </a14:hiddenFill>
+            </a:ext>
+          </a:extLst>
+        </p:spPr>
+      </p:pic>
     </p:spTree>
     <p:extLst>
       <p:ext uri="{BB962C8B-B14F-4D97-AF65-F5344CB8AC3E}">
@@ -20626,15 +20939,6 @@
 </file>
 
 <file path=customXml/item2.xml><?xml version="1.0" encoding="utf-8"?>
-<?mso-contentType ?>
-<FormTemplates xmlns="http://schemas.microsoft.com/sharepoint/v3/contenttype/forms">
-  <Display>DocumentLibraryForm</Display>
-  <Edit>DocumentLibraryForm</Edit>
-  <New>DocumentLibraryForm</New>
-</FormTemplates>
-</file>
-
-<file path=customXml/item3.xml><?xml version="1.0" encoding="utf-8"?>
 <p:properties xmlns:p="http://schemas.microsoft.com/office/2006/metadata/properties" xmlns:xsi="http://www.w3.org/2001/XMLSchema-instance" xmlns:pc="http://schemas.microsoft.com/office/infopath/2007/PartnerControls">
   <documentManagement>
     <_ip_UnifiedCompliancePolicyUIAction xmlns="http://schemas.microsoft.com/sharepoint/v3" xsi:nil="true"/>
@@ -20651,6 +20955,15 @@
     <MediaServiceKeyPoints xmlns="71af3243-3dd4-4a8d-8c0d-dd76da1f02a5" xsi:nil="true"/>
   </documentManagement>
 </p:properties>
+</file>
+
+<file path=customXml/item3.xml><?xml version="1.0" encoding="utf-8"?>
+<?mso-contentType ?>
+<FormTemplates xmlns="http://schemas.microsoft.com/sharepoint/v3/contenttype/forms">
+  <Display>DocumentLibraryForm</Display>
+  <Edit>DocumentLibraryForm</Edit>
+  <New>DocumentLibraryForm</New>
+</FormTemplates>
 </file>
 
 <file path=customXml/itemProps1.xml><?xml version="1.0" encoding="utf-8"?>
@@ -20675,14 +20988,6 @@
 </file>
 
 <file path=customXml/itemProps2.xml><?xml version="1.0" encoding="utf-8"?>
-<ds:datastoreItem xmlns:ds="http://schemas.openxmlformats.org/officeDocument/2006/customXml" ds:itemID="{DF76BC85-9361-4044-951E-1D698143E543}">
-  <ds:schemaRefs>
-    <ds:schemaRef ds:uri="http://schemas.microsoft.com/sharepoint/v3/contenttype/forms"/>
-  </ds:schemaRefs>
-</ds:datastoreItem>
-</file>
-
-<file path=customXml/itemProps3.xml><?xml version="1.0" encoding="utf-8"?>
 <ds:datastoreItem xmlns:ds="http://schemas.openxmlformats.org/officeDocument/2006/customXml" ds:itemID="{CF128D9D-8887-4AE7-BD39-EBCD268E911A}">
   <ds:schemaRefs>
     <ds:schemaRef ds:uri="http://schemas.microsoft.com/office/2006/metadata/properties"/>
@@ -20694,6 +20999,14 @@
 </ds:datastoreItem>
 </file>
 
+<file path=customXml/itemProps3.xml><?xml version="1.0" encoding="utf-8"?>
+<ds:datastoreItem xmlns:ds="http://schemas.openxmlformats.org/officeDocument/2006/customXml" ds:itemID="{DF76BC85-9361-4044-951E-1D698143E543}">
+  <ds:schemaRefs>
+    <ds:schemaRef ds:uri="http://schemas.microsoft.com/sharepoint/v3/contenttype/forms"/>
+  </ds:schemaRefs>
+</ds:datastoreItem>
+</file>
+
 <file path=docMetadata/LabelInfo.xml><?xml version="1.0" encoding="utf-8"?>
 <clbl:labelList xmlns:clbl="http://schemas.microsoft.com/office/2020/mipLabelMetadata">
   <clbl:label id="{f42aa342-8706-4288-bd11-ebb85995028c}" enabled="1" method="Standard" siteId="{72f988bf-86f1-41af-91ab-2d7cd011db47}" contentBits="0" removed="0"/>
